--- a/документация и презентация/Автоматизированная система удаленного управления теплицей.pptx
+++ b/документация и презентация/Автоматизированная система удаленного управления теплицей.pptx
@@ -9,7 +9,8 @@
     <p:sldId id="258" r:id="rId3"/>
     <p:sldId id="257" r:id="rId4"/>
     <p:sldId id="259" r:id="rId5"/>
-    <p:sldId id="260" r:id="rId6"/>
+    <p:sldId id="261" r:id="rId6"/>
+    <p:sldId id="260" r:id="rId7"/>
   </p:sldIdLst>
   <p:sldSz cx="12192000" cy="6858000"/>
   <p:notesSz cx="6858000" cy="9144000"/>
@@ -158,7 +159,7 @@
           </a:lstStyle>
           <a:p>
             <a:r>
-              <a:rPr lang="ru-RU" smtClean="0"/>
+              <a:rPr lang="ru-RU"/>
               <a:t>Образец заголовка</a:t>
             </a:r>
             <a:endParaRPr lang="en-US" dirty="0"/>
@@ -223,7 +224,7 @@
           </a:lstStyle>
           <a:p>
             <a:r>
-              <a:rPr lang="ru-RU" smtClean="0"/>
+              <a:rPr lang="ru-RU"/>
               <a:t>Образец подзаголовка</a:t>
             </a:r>
             <a:endParaRPr lang="en-US" dirty="0"/>
@@ -247,7 +248,7 @@
           <a:p>
             <a:fld id="{E1C052FF-E99A-454E-9E17-9CB9EA5E51FA}" type="datetimeFigureOut">
               <a:rPr lang="ru-RU" smtClean="0"/>
-              <a:t>13.02.2023</a:t>
+              <a:t>вт 14.02.23</a:t>
             </a:fld>
             <a:endParaRPr lang="ru-RU"/>
           </a:p>
@@ -341,7 +342,7 @@
           <a:lstStyle/>
           <a:p>
             <a:r>
-              <a:rPr lang="ru-RU" smtClean="0"/>
+              <a:rPr lang="ru-RU"/>
               <a:t>Образец заголовка</a:t>
             </a:r>
             <a:endParaRPr lang="en-US" dirty="0"/>
@@ -365,35 +366,35 @@
           <a:p>
             <a:pPr lvl="0"/>
             <a:r>
-              <a:rPr lang="ru-RU" smtClean="0"/>
+              <a:rPr lang="ru-RU"/>
               <a:t>Образец текста</a:t>
             </a:r>
           </a:p>
           <a:p>
             <a:pPr lvl="1"/>
             <a:r>
-              <a:rPr lang="ru-RU" smtClean="0"/>
+              <a:rPr lang="ru-RU"/>
               <a:t>Второй уровень</a:t>
             </a:r>
           </a:p>
           <a:p>
             <a:pPr lvl="2"/>
             <a:r>
-              <a:rPr lang="ru-RU" smtClean="0"/>
+              <a:rPr lang="ru-RU"/>
               <a:t>Третий уровень</a:t>
             </a:r>
           </a:p>
           <a:p>
             <a:pPr lvl="3"/>
             <a:r>
-              <a:rPr lang="ru-RU" smtClean="0"/>
+              <a:rPr lang="ru-RU"/>
               <a:t>Четвертый уровень</a:t>
             </a:r>
           </a:p>
           <a:p>
             <a:pPr lvl="4"/>
             <a:r>
-              <a:rPr lang="ru-RU" smtClean="0"/>
+              <a:rPr lang="ru-RU"/>
               <a:t>Пятый уровень</a:t>
             </a:r>
             <a:endParaRPr lang="en-US" dirty="0"/>
@@ -417,7 +418,7 @@
           <a:p>
             <a:fld id="{E1C052FF-E99A-454E-9E17-9CB9EA5E51FA}" type="datetimeFigureOut">
               <a:rPr lang="ru-RU" smtClean="0"/>
-              <a:t>13.02.2023</a:t>
+              <a:t>вт 14.02.23</a:t>
             </a:fld>
             <a:endParaRPr lang="ru-RU"/>
           </a:p>
@@ -516,7 +517,7 @@
           <a:lstStyle/>
           <a:p>
             <a:r>
-              <a:rPr lang="ru-RU" smtClean="0"/>
+              <a:rPr lang="ru-RU"/>
               <a:t>Образец заголовка</a:t>
             </a:r>
             <a:endParaRPr lang="en-US" dirty="0"/>
@@ -545,35 +546,35 @@
           <a:p>
             <a:pPr lvl="0"/>
             <a:r>
-              <a:rPr lang="ru-RU" smtClean="0"/>
+              <a:rPr lang="ru-RU"/>
               <a:t>Образец текста</a:t>
             </a:r>
           </a:p>
           <a:p>
             <a:pPr lvl="1"/>
             <a:r>
-              <a:rPr lang="ru-RU" smtClean="0"/>
+              <a:rPr lang="ru-RU"/>
               <a:t>Второй уровень</a:t>
             </a:r>
           </a:p>
           <a:p>
             <a:pPr lvl="2"/>
             <a:r>
-              <a:rPr lang="ru-RU" smtClean="0"/>
+              <a:rPr lang="ru-RU"/>
               <a:t>Третий уровень</a:t>
             </a:r>
           </a:p>
           <a:p>
             <a:pPr lvl="3"/>
             <a:r>
-              <a:rPr lang="ru-RU" smtClean="0"/>
+              <a:rPr lang="ru-RU"/>
               <a:t>Четвертый уровень</a:t>
             </a:r>
           </a:p>
           <a:p>
             <a:pPr lvl="4"/>
             <a:r>
-              <a:rPr lang="ru-RU" smtClean="0"/>
+              <a:rPr lang="ru-RU"/>
               <a:t>Пятый уровень</a:t>
             </a:r>
             <a:endParaRPr lang="en-US" dirty="0"/>
@@ -597,7 +598,7 @@
           <a:p>
             <a:fld id="{E1C052FF-E99A-454E-9E17-9CB9EA5E51FA}" type="datetimeFigureOut">
               <a:rPr lang="ru-RU" smtClean="0"/>
-              <a:t>13.02.2023</a:t>
+              <a:t>вт 14.02.23</a:t>
             </a:fld>
             <a:endParaRPr lang="ru-RU"/>
           </a:p>
@@ -691,7 +692,7 @@
           <a:lstStyle/>
           <a:p>
             <a:r>
-              <a:rPr lang="ru-RU" smtClean="0"/>
+              <a:rPr lang="ru-RU"/>
               <a:t>Образец заголовка</a:t>
             </a:r>
             <a:endParaRPr lang="en-US" dirty="0"/>
@@ -715,35 +716,35 @@
           <a:p>
             <a:pPr lvl="0"/>
             <a:r>
-              <a:rPr lang="ru-RU" smtClean="0"/>
+              <a:rPr lang="ru-RU"/>
               <a:t>Образец текста</a:t>
             </a:r>
           </a:p>
           <a:p>
             <a:pPr lvl="1"/>
             <a:r>
-              <a:rPr lang="ru-RU" smtClean="0"/>
+              <a:rPr lang="ru-RU"/>
               <a:t>Второй уровень</a:t>
             </a:r>
           </a:p>
           <a:p>
             <a:pPr lvl="2"/>
             <a:r>
-              <a:rPr lang="ru-RU" smtClean="0"/>
+              <a:rPr lang="ru-RU"/>
               <a:t>Третий уровень</a:t>
             </a:r>
           </a:p>
           <a:p>
             <a:pPr lvl="3"/>
             <a:r>
-              <a:rPr lang="ru-RU" smtClean="0"/>
+              <a:rPr lang="ru-RU"/>
               <a:t>Четвертый уровень</a:t>
             </a:r>
           </a:p>
           <a:p>
             <a:pPr lvl="4"/>
             <a:r>
-              <a:rPr lang="ru-RU" smtClean="0"/>
+              <a:rPr lang="ru-RU"/>
               <a:t>Пятый уровень</a:t>
             </a:r>
             <a:endParaRPr lang="en-US" dirty="0"/>
@@ -767,7 +768,7 @@
           <a:p>
             <a:fld id="{E1C052FF-E99A-454E-9E17-9CB9EA5E51FA}" type="datetimeFigureOut">
               <a:rPr lang="ru-RU" smtClean="0"/>
-              <a:t>13.02.2023</a:t>
+              <a:t>вт 14.02.23</a:t>
             </a:fld>
             <a:endParaRPr lang="ru-RU"/>
           </a:p>
@@ -870,7 +871,7 @@
           </a:lstStyle>
           <a:p>
             <a:r>
-              <a:rPr lang="ru-RU" smtClean="0"/>
+              <a:rPr lang="ru-RU"/>
               <a:t>Образец заголовка</a:t>
             </a:r>
             <a:endParaRPr lang="en-US" dirty="0"/>
@@ -990,7 +991,7 @@
           <a:p>
             <a:pPr lvl="0"/>
             <a:r>
-              <a:rPr lang="ru-RU" smtClean="0"/>
+              <a:rPr lang="ru-RU"/>
               <a:t>Образец текста</a:t>
             </a:r>
           </a:p>
@@ -1013,7 +1014,7 @@
           <a:p>
             <a:fld id="{E1C052FF-E99A-454E-9E17-9CB9EA5E51FA}" type="datetimeFigureOut">
               <a:rPr lang="ru-RU" smtClean="0"/>
-              <a:t>13.02.2023</a:t>
+              <a:t>вт 14.02.23</a:t>
             </a:fld>
             <a:endParaRPr lang="ru-RU"/>
           </a:p>
@@ -1107,7 +1108,7 @@
           <a:lstStyle/>
           <a:p>
             <a:r>
-              <a:rPr lang="ru-RU" smtClean="0"/>
+              <a:rPr lang="ru-RU"/>
               <a:t>Образец заголовка</a:t>
             </a:r>
             <a:endParaRPr lang="en-US" dirty="0"/>
@@ -1136,35 +1137,35 @@
           <a:p>
             <a:pPr lvl="0"/>
             <a:r>
-              <a:rPr lang="ru-RU" smtClean="0"/>
+              <a:rPr lang="ru-RU"/>
               <a:t>Образец текста</a:t>
             </a:r>
           </a:p>
           <a:p>
             <a:pPr lvl="1"/>
             <a:r>
-              <a:rPr lang="ru-RU" smtClean="0"/>
+              <a:rPr lang="ru-RU"/>
               <a:t>Второй уровень</a:t>
             </a:r>
           </a:p>
           <a:p>
             <a:pPr lvl="2"/>
             <a:r>
-              <a:rPr lang="ru-RU" smtClean="0"/>
+              <a:rPr lang="ru-RU"/>
               <a:t>Третий уровень</a:t>
             </a:r>
           </a:p>
           <a:p>
             <a:pPr lvl="3"/>
             <a:r>
-              <a:rPr lang="ru-RU" smtClean="0"/>
+              <a:rPr lang="ru-RU"/>
               <a:t>Четвертый уровень</a:t>
             </a:r>
           </a:p>
           <a:p>
             <a:pPr lvl="4"/>
             <a:r>
-              <a:rPr lang="ru-RU" smtClean="0"/>
+              <a:rPr lang="ru-RU"/>
               <a:t>Пятый уровень</a:t>
             </a:r>
             <a:endParaRPr lang="en-US" dirty="0"/>
@@ -1193,35 +1194,35 @@
           <a:p>
             <a:pPr lvl="0"/>
             <a:r>
-              <a:rPr lang="ru-RU" smtClean="0"/>
+              <a:rPr lang="ru-RU"/>
               <a:t>Образец текста</a:t>
             </a:r>
           </a:p>
           <a:p>
             <a:pPr lvl="1"/>
             <a:r>
-              <a:rPr lang="ru-RU" smtClean="0"/>
+              <a:rPr lang="ru-RU"/>
               <a:t>Второй уровень</a:t>
             </a:r>
           </a:p>
           <a:p>
             <a:pPr lvl="2"/>
             <a:r>
-              <a:rPr lang="ru-RU" smtClean="0"/>
+              <a:rPr lang="ru-RU"/>
               <a:t>Третий уровень</a:t>
             </a:r>
           </a:p>
           <a:p>
             <a:pPr lvl="3"/>
             <a:r>
-              <a:rPr lang="ru-RU" smtClean="0"/>
+              <a:rPr lang="ru-RU"/>
               <a:t>Четвертый уровень</a:t>
             </a:r>
           </a:p>
           <a:p>
             <a:pPr lvl="4"/>
             <a:r>
-              <a:rPr lang="ru-RU" smtClean="0"/>
+              <a:rPr lang="ru-RU"/>
               <a:t>Пятый уровень</a:t>
             </a:r>
             <a:endParaRPr lang="en-US" dirty="0"/>
@@ -1245,7 +1246,7 @@
           <a:p>
             <a:fld id="{E1C052FF-E99A-454E-9E17-9CB9EA5E51FA}" type="datetimeFigureOut">
               <a:rPr lang="ru-RU" smtClean="0"/>
-              <a:t>13.02.2023</a:t>
+              <a:t>вт 14.02.23</a:t>
             </a:fld>
             <a:endParaRPr lang="ru-RU"/>
           </a:p>
@@ -1344,7 +1345,7 @@
           <a:lstStyle/>
           <a:p>
             <a:r>
-              <a:rPr lang="ru-RU" smtClean="0"/>
+              <a:rPr lang="ru-RU"/>
               <a:t>Образец заголовка</a:t>
             </a:r>
             <a:endParaRPr lang="en-US" dirty="0"/>
@@ -1410,7 +1411,7 @@
           <a:p>
             <a:pPr lvl="0"/>
             <a:r>
-              <a:rPr lang="ru-RU" smtClean="0"/>
+              <a:rPr lang="ru-RU"/>
               <a:t>Образец текста</a:t>
             </a:r>
           </a:p>
@@ -1438,35 +1439,35 @@
           <a:p>
             <a:pPr lvl="0"/>
             <a:r>
-              <a:rPr lang="ru-RU" smtClean="0"/>
+              <a:rPr lang="ru-RU"/>
               <a:t>Образец текста</a:t>
             </a:r>
           </a:p>
           <a:p>
             <a:pPr lvl="1"/>
             <a:r>
-              <a:rPr lang="ru-RU" smtClean="0"/>
+              <a:rPr lang="ru-RU"/>
               <a:t>Второй уровень</a:t>
             </a:r>
           </a:p>
           <a:p>
             <a:pPr lvl="2"/>
             <a:r>
-              <a:rPr lang="ru-RU" smtClean="0"/>
+              <a:rPr lang="ru-RU"/>
               <a:t>Третий уровень</a:t>
             </a:r>
           </a:p>
           <a:p>
             <a:pPr lvl="3"/>
             <a:r>
-              <a:rPr lang="ru-RU" smtClean="0"/>
+              <a:rPr lang="ru-RU"/>
               <a:t>Четвертый уровень</a:t>
             </a:r>
           </a:p>
           <a:p>
             <a:pPr lvl="4"/>
             <a:r>
-              <a:rPr lang="ru-RU" smtClean="0"/>
+              <a:rPr lang="ru-RU"/>
               <a:t>Пятый уровень</a:t>
             </a:r>
             <a:endParaRPr lang="en-US" dirty="0"/>
@@ -1532,7 +1533,7 @@
           <a:p>
             <a:pPr lvl="0"/>
             <a:r>
-              <a:rPr lang="ru-RU" smtClean="0"/>
+              <a:rPr lang="ru-RU"/>
               <a:t>Образец текста</a:t>
             </a:r>
           </a:p>
@@ -1560,35 +1561,35 @@
           <a:p>
             <a:pPr lvl="0"/>
             <a:r>
-              <a:rPr lang="ru-RU" smtClean="0"/>
+              <a:rPr lang="ru-RU"/>
               <a:t>Образец текста</a:t>
             </a:r>
           </a:p>
           <a:p>
             <a:pPr lvl="1"/>
             <a:r>
-              <a:rPr lang="ru-RU" smtClean="0"/>
+              <a:rPr lang="ru-RU"/>
               <a:t>Второй уровень</a:t>
             </a:r>
           </a:p>
           <a:p>
             <a:pPr lvl="2"/>
             <a:r>
-              <a:rPr lang="ru-RU" smtClean="0"/>
+              <a:rPr lang="ru-RU"/>
               <a:t>Третий уровень</a:t>
             </a:r>
           </a:p>
           <a:p>
             <a:pPr lvl="3"/>
             <a:r>
-              <a:rPr lang="ru-RU" smtClean="0"/>
+              <a:rPr lang="ru-RU"/>
               <a:t>Четвертый уровень</a:t>
             </a:r>
           </a:p>
           <a:p>
             <a:pPr lvl="4"/>
             <a:r>
-              <a:rPr lang="ru-RU" smtClean="0"/>
+              <a:rPr lang="ru-RU"/>
               <a:t>Пятый уровень</a:t>
             </a:r>
             <a:endParaRPr lang="en-US" dirty="0"/>
@@ -1612,7 +1613,7 @@
           <a:p>
             <a:fld id="{E1C052FF-E99A-454E-9E17-9CB9EA5E51FA}" type="datetimeFigureOut">
               <a:rPr lang="ru-RU" smtClean="0"/>
-              <a:t>13.02.2023</a:t>
+              <a:t>вт 14.02.23</a:t>
             </a:fld>
             <a:endParaRPr lang="ru-RU"/>
           </a:p>
@@ -1706,7 +1707,7 @@
           <a:lstStyle/>
           <a:p>
             <a:r>
-              <a:rPr lang="ru-RU" smtClean="0"/>
+              <a:rPr lang="ru-RU"/>
               <a:t>Образец заголовка</a:t>
             </a:r>
             <a:endParaRPr lang="en-US" dirty="0"/>
@@ -1730,7 +1731,7 @@
           <a:p>
             <a:fld id="{E1C052FF-E99A-454E-9E17-9CB9EA5E51FA}" type="datetimeFigureOut">
               <a:rPr lang="ru-RU" smtClean="0"/>
-              <a:t>13.02.2023</a:t>
+              <a:t>вт 14.02.23</a:t>
             </a:fld>
             <a:endParaRPr lang="ru-RU"/>
           </a:p>
@@ -1825,7 +1826,7 @@
           <a:p>
             <a:fld id="{E1C052FF-E99A-454E-9E17-9CB9EA5E51FA}" type="datetimeFigureOut">
               <a:rPr lang="ru-RU" smtClean="0"/>
-              <a:t>13.02.2023</a:t>
+              <a:t>вт 14.02.23</a:t>
             </a:fld>
             <a:endParaRPr lang="ru-RU"/>
           </a:p>
@@ -1928,7 +1929,7 @@
           </a:lstStyle>
           <a:p>
             <a:r>
-              <a:rPr lang="ru-RU" smtClean="0"/>
+              <a:rPr lang="ru-RU"/>
               <a:t>Образец заголовка</a:t>
             </a:r>
             <a:endParaRPr lang="en-US" dirty="0"/>
@@ -1985,35 +1986,35 @@
           <a:p>
             <a:pPr lvl="0"/>
             <a:r>
-              <a:rPr lang="ru-RU" smtClean="0"/>
+              <a:rPr lang="ru-RU"/>
               <a:t>Образец текста</a:t>
             </a:r>
           </a:p>
           <a:p>
             <a:pPr lvl="1"/>
             <a:r>
-              <a:rPr lang="ru-RU" smtClean="0"/>
+              <a:rPr lang="ru-RU"/>
               <a:t>Второй уровень</a:t>
             </a:r>
           </a:p>
           <a:p>
             <a:pPr lvl="2"/>
             <a:r>
-              <a:rPr lang="ru-RU" smtClean="0"/>
+              <a:rPr lang="ru-RU"/>
               <a:t>Третий уровень</a:t>
             </a:r>
           </a:p>
           <a:p>
             <a:pPr lvl="3"/>
             <a:r>
-              <a:rPr lang="ru-RU" smtClean="0"/>
+              <a:rPr lang="ru-RU"/>
               <a:t>Четвертый уровень</a:t>
             </a:r>
           </a:p>
           <a:p>
             <a:pPr lvl="4"/>
             <a:r>
-              <a:rPr lang="ru-RU" smtClean="0"/>
+              <a:rPr lang="ru-RU"/>
               <a:t>Пятый уровень</a:t>
             </a:r>
             <a:endParaRPr lang="en-US" dirty="0"/>
@@ -2079,7 +2080,7 @@
           <a:p>
             <a:pPr lvl="0"/>
             <a:r>
-              <a:rPr lang="ru-RU" smtClean="0"/>
+              <a:rPr lang="ru-RU"/>
               <a:t>Образец текста</a:t>
             </a:r>
           </a:p>
@@ -2102,7 +2103,7 @@
           <a:p>
             <a:fld id="{E1C052FF-E99A-454E-9E17-9CB9EA5E51FA}" type="datetimeFigureOut">
               <a:rPr lang="ru-RU" smtClean="0"/>
-              <a:t>13.02.2023</a:t>
+              <a:t>вт 14.02.23</a:t>
             </a:fld>
             <a:endParaRPr lang="ru-RU"/>
           </a:p>
@@ -2205,7 +2206,7 @@
           </a:lstStyle>
           <a:p>
             <a:r>
-              <a:rPr lang="ru-RU" smtClean="0"/>
+              <a:rPr lang="ru-RU"/>
               <a:t>Образец заголовка</a:t>
             </a:r>
             <a:endParaRPr lang="en-US" dirty="0"/>
@@ -2270,7 +2271,7 @@
           </a:lstStyle>
           <a:p>
             <a:r>
-              <a:rPr lang="ru-RU" smtClean="0"/>
+              <a:rPr lang="ru-RU"/>
               <a:t>Вставка рисунка</a:t>
             </a:r>
             <a:endParaRPr lang="en-US" dirty="0"/>
@@ -2336,7 +2337,7 @@
           <a:p>
             <a:pPr lvl="0"/>
             <a:r>
-              <a:rPr lang="ru-RU" smtClean="0"/>
+              <a:rPr lang="ru-RU"/>
               <a:t>Образец текста</a:t>
             </a:r>
           </a:p>
@@ -2359,7 +2360,7 @@
           <a:p>
             <a:fld id="{E1C052FF-E99A-454E-9E17-9CB9EA5E51FA}" type="datetimeFigureOut">
               <a:rPr lang="ru-RU" smtClean="0"/>
-              <a:t>13.02.2023</a:t>
+              <a:t>вт 14.02.23</a:t>
             </a:fld>
             <a:endParaRPr lang="ru-RU"/>
           </a:p>
@@ -2468,7 +2469,7 @@
           <a:lstStyle/>
           <a:p>
             <a:r>
-              <a:rPr lang="ru-RU" smtClean="0"/>
+              <a:rPr lang="ru-RU"/>
               <a:t>Образец заголовка</a:t>
             </a:r>
             <a:endParaRPr lang="en-US" dirty="0"/>
@@ -2502,35 +2503,35 @@
           <a:p>
             <a:pPr lvl="0"/>
             <a:r>
-              <a:rPr lang="ru-RU" smtClean="0"/>
+              <a:rPr lang="ru-RU"/>
               <a:t>Образец текста</a:t>
             </a:r>
           </a:p>
           <a:p>
             <a:pPr lvl="1"/>
             <a:r>
-              <a:rPr lang="ru-RU" smtClean="0"/>
+              <a:rPr lang="ru-RU"/>
               <a:t>Второй уровень</a:t>
             </a:r>
           </a:p>
           <a:p>
             <a:pPr lvl="2"/>
             <a:r>
-              <a:rPr lang="ru-RU" smtClean="0"/>
+              <a:rPr lang="ru-RU"/>
               <a:t>Третий уровень</a:t>
             </a:r>
           </a:p>
           <a:p>
             <a:pPr lvl="3"/>
             <a:r>
-              <a:rPr lang="ru-RU" smtClean="0"/>
+              <a:rPr lang="ru-RU"/>
               <a:t>Четвертый уровень</a:t>
             </a:r>
           </a:p>
           <a:p>
             <a:pPr lvl="4"/>
             <a:r>
-              <a:rPr lang="ru-RU" smtClean="0"/>
+              <a:rPr lang="ru-RU"/>
               <a:t>Пятый уровень</a:t>
             </a:r>
             <a:endParaRPr lang="en-US" dirty="0"/>
@@ -2572,7 +2573,7 @@
           <a:p>
             <a:fld id="{E1C052FF-E99A-454E-9E17-9CB9EA5E51FA}" type="datetimeFigureOut">
               <a:rPr lang="ru-RU" smtClean="0"/>
-              <a:t>13.02.2023</a:t>
+              <a:t>вт 14.02.23</a:t>
             </a:fld>
             <a:endParaRPr lang="ru-RU"/>
           </a:p>
@@ -3053,23 +3054,10 @@
           <a:p>
             <a:r>
               <a:rPr lang="ru-RU" sz="4400" b="1" i="0" dirty="0">
-                <a:solidFill>
-                  <a:schemeClr val="bg1"/>
-                </a:solidFill>
                 <a:effectLst/>
                 <a:latin typeface="-apple-system"/>
               </a:rPr>
               <a:t>Автоматизированная система удаленного управления теплицей</a:t>
-            </a:r>
-            <a:r>
-              <a:rPr lang="ru-RU" b="1" i="0" dirty="0">
-                <a:solidFill>
-                  <a:schemeClr val="bg1"/>
-                </a:solidFill>
-                <a:effectLst/>
-                <a:latin typeface="-apple-system"/>
-              </a:rPr>
-              <a:t/>
             </a:r>
             <a:br>
               <a:rPr lang="ru-RU" b="1" i="0" dirty="0">
@@ -3116,37 +3104,18 @@
           <a:p>
             <a:r>
               <a:rPr lang="ru-RU" dirty="0"/>
-              <a:t> </a:t>
-            </a:r>
-            <a:r>
-              <a:rPr lang="ru-RU" dirty="0">
-                <a:solidFill>
-                  <a:schemeClr val="bg1"/>
-                </a:solidFill>
-              </a:rPr>
-              <a:t>Работу подготовила команда</a:t>
-            </a:r>
-            <a:r>
-              <a:rPr lang="en-US" dirty="0">
-                <a:solidFill>
-                  <a:schemeClr val="bg1"/>
-                </a:solidFill>
-              </a:rPr>
+              <a:t> Работу подготовила команда</a:t>
+            </a:r>
+            <a:r>
+              <a:rPr lang="en-US" dirty="0"/>
               <a:t>: UBER, </a:t>
             </a:r>
             <a:r>
-              <a:rPr lang="ru-RU" dirty="0">
-                <a:solidFill>
-                  <a:schemeClr val="bg1"/>
-                </a:solidFill>
-              </a:rPr>
+              <a:rPr lang="ru-RU" dirty="0"/>
               <a:t> в которую входят ученики 10</a:t>
             </a:r>
             <a:r>
               <a:rPr lang="ru-RU" sz="2400" dirty="0">
-                <a:solidFill>
-                  <a:schemeClr val="bg1"/>
-                </a:solidFill>
                 <a:latin typeface="Helvetica Neue" panose="02000503000000020004" pitchFamily="2" charset="0"/>
                 <a:ea typeface="Helvetica Neue" panose="02000503000000020004" pitchFamily="2" charset="0"/>
                 <a:cs typeface="Helvetica Neue" panose="02000503000000020004" pitchFamily="2" charset="0"/>
@@ -3155,9 +3124,6 @@
             </a:r>
             <a:r>
               <a:rPr lang="en-US" sz="2400" dirty="0">
-                <a:solidFill>
-                  <a:schemeClr val="bg1"/>
-                </a:solidFill>
                 <a:latin typeface="Helvetica Neue" panose="02000503000000020004" pitchFamily="2" charset="0"/>
                 <a:ea typeface="Helvetica Neue" panose="02000503000000020004" pitchFamily="2" charset="0"/>
                 <a:cs typeface="Helvetica Neue" panose="02000503000000020004" pitchFamily="2" charset="0"/>
@@ -3166,9 +3132,6 @@
             </a:r>
             <a:r>
               <a:rPr lang="ru-RU" sz="2400" dirty="0">
-                <a:solidFill>
-                  <a:schemeClr val="bg1"/>
-                </a:solidFill>
                 <a:latin typeface="Helvetica Neue" panose="02000503000000020004" pitchFamily="2" charset="0"/>
                 <a:ea typeface="Helvetica Neue" panose="02000503000000020004" pitchFamily="2" charset="0"/>
                 <a:cs typeface="Helvetica Neue" panose="02000503000000020004" pitchFamily="2" charset="0"/>
@@ -3177,20 +3140,13 @@
             </a:r>
             <a:r>
               <a:rPr lang="en-US" sz="2400" dirty="0">
-                <a:solidFill>
-                  <a:schemeClr val="bg1"/>
-                </a:solidFill>
                 <a:latin typeface="Helvetica Neue" panose="02000503000000020004" pitchFamily="2" charset="0"/>
                 <a:ea typeface="Helvetica Neue" panose="02000503000000020004" pitchFamily="2" charset="0"/>
                 <a:cs typeface="Helvetica Neue" panose="02000503000000020004" pitchFamily="2" charset="0"/>
               </a:rPr>
               <a:t>1532</a:t>
             </a:r>
-            <a:endParaRPr lang="ru-RU" dirty="0">
-              <a:solidFill>
-                <a:schemeClr val="bg1"/>
-              </a:solidFill>
-            </a:endParaRPr>
+            <a:endParaRPr lang="ru-RU" dirty="0"/>
           </a:p>
         </p:txBody>
       </p:sp>
@@ -3215,8 +3171,13 @@
             <a:avLst/>
           </a:prstGeom>
           <a:solidFill>
-            <a:schemeClr val="bg1"/>
+            <a:schemeClr val="tx1"/>
           </a:solidFill>
+          <a:ln>
+            <a:solidFill>
+              <a:schemeClr val="tx1"/>
+            </a:solidFill>
+          </a:ln>
         </p:spPr>
         <p:style>
           <a:lnRef idx="2">
@@ -3396,11 +3357,7 @@
           <a:lstStyle/>
           <a:p>
             <a:r>
-              <a:rPr lang="ru-RU" dirty="0">
-                <a:solidFill>
-                  <a:schemeClr val="bg1"/>
-                </a:solidFill>
-              </a:rPr>
+              <a:rPr lang="ru-RU" dirty="0"/>
               <a:t>Воронов Никита Рустамович</a:t>
             </a:r>
           </a:p>
@@ -3435,26 +3392,14 @@
           <a:lstStyle/>
           <a:p>
             <a:r>
-              <a:rPr lang="ru-RU" dirty="0">
-                <a:solidFill>
-                  <a:schemeClr val="bg1"/>
-                </a:solidFill>
-              </a:rPr>
+              <a:rPr lang="ru-RU" dirty="0"/>
               <a:t>Алимов Альберт </a:t>
             </a:r>
             <a:r>
-              <a:rPr lang="ru-RU" dirty="0" err="1">
-                <a:solidFill>
-                  <a:schemeClr val="bg1"/>
-                </a:solidFill>
-              </a:rPr>
+              <a:rPr lang="ru-RU" dirty="0" err="1"/>
               <a:t>Радикович</a:t>
             </a:r>
-            <a:endParaRPr lang="ru-RU" dirty="0">
-              <a:solidFill>
-                <a:schemeClr val="bg1"/>
-              </a:solidFill>
-            </a:endParaRPr>
+            <a:endParaRPr lang="ru-RU" dirty="0"/>
           </a:p>
         </p:txBody>
       </p:sp>
@@ -3487,39 +3432,23 @@
           <a:lstStyle/>
           <a:p>
             <a:r>
-              <a:rPr lang="ru-RU" dirty="0" err="1">
-                <a:solidFill>
-                  <a:schemeClr val="bg1"/>
-                </a:solidFill>
-              </a:rPr>
+              <a:rPr lang="ru-RU" dirty="0" err="1"/>
               <a:t>Шершина</a:t>
             </a:r>
             <a:r>
-              <a:rPr lang="ru-RU" dirty="0">
-                <a:solidFill>
-                  <a:schemeClr val="bg1"/>
-                </a:solidFill>
-              </a:rPr>
+              <a:rPr lang="ru-RU" dirty="0"/>
               <a:t> </a:t>
             </a:r>
           </a:p>
           <a:p>
             <a:r>
-              <a:rPr lang="ru-RU" dirty="0">
-                <a:solidFill>
-                  <a:schemeClr val="bg1"/>
-                </a:solidFill>
-              </a:rPr>
+              <a:rPr lang="ru-RU" dirty="0"/>
               <a:t>Анна </a:t>
             </a:r>
           </a:p>
           <a:p>
             <a:r>
-              <a:rPr lang="ru-RU" dirty="0">
-                <a:solidFill>
-                  <a:schemeClr val="bg1"/>
-                </a:solidFill>
-              </a:rPr>
+              <a:rPr lang="ru-RU" dirty="0"/>
               <a:t>Исаевна</a:t>
             </a:r>
           </a:p>
@@ -3554,31 +3483,19 @@
           <a:lstStyle/>
           <a:p>
             <a:r>
-              <a:rPr lang="ru-RU" dirty="0">
-                <a:solidFill>
-                  <a:schemeClr val="bg1"/>
-                </a:solidFill>
-              </a:rPr>
+              <a:rPr lang="ru-RU" dirty="0"/>
               <a:t>Мандрыка </a:t>
             </a:r>
           </a:p>
           <a:p>
             <a:r>
-              <a:rPr lang="ru-RU" dirty="0">
-                <a:solidFill>
-                  <a:schemeClr val="bg1"/>
-                </a:solidFill>
-              </a:rPr>
+              <a:rPr lang="ru-RU" dirty="0"/>
               <a:t>Арина </a:t>
             </a:r>
           </a:p>
           <a:p>
             <a:r>
-              <a:rPr lang="ru-RU" dirty="0">
-                <a:solidFill>
-                  <a:schemeClr val="bg1"/>
-                </a:solidFill>
-              </a:rPr>
+              <a:rPr lang="ru-RU" dirty="0"/>
               <a:t>Юрьевна</a:t>
             </a:r>
           </a:p>
@@ -3613,31 +3530,19 @@
           <a:lstStyle/>
           <a:p>
             <a:r>
-              <a:rPr lang="ru-RU" dirty="0">
-                <a:solidFill>
-                  <a:schemeClr val="bg1"/>
-                </a:solidFill>
-              </a:rPr>
+              <a:rPr lang="ru-RU" dirty="0"/>
               <a:t>Донченко </a:t>
             </a:r>
           </a:p>
           <a:p>
             <a:r>
-              <a:rPr lang="ru-RU" dirty="0">
-                <a:solidFill>
-                  <a:schemeClr val="bg1"/>
-                </a:solidFill>
-              </a:rPr>
+              <a:rPr lang="ru-RU" dirty="0"/>
               <a:t>Дмитрий </a:t>
             </a:r>
           </a:p>
           <a:p>
             <a:r>
-              <a:rPr lang="ru-RU" dirty="0">
-                <a:solidFill>
-                  <a:schemeClr val="bg1"/>
-                </a:solidFill>
-              </a:rPr>
+              <a:rPr lang="ru-RU" dirty="0"/>
               <a:t>Антонович</a:t>
             </a:r>
           </a:p>
@@ -3656,13 +3561,6 @@
   <p:transition spd="slow">
     <p:wipe/>
   </p:transition>
-  <p:timing>
-    <p:tnLst>
-      <p:par>
-        <p:cTn id="1" dur="indefinite" restart="never" nodeType="tmRoot"/>
-      </p:par>
-    </p:tnLst>
-  </p:timing>
 </p:sld>
 </file>
 
@@ -3721,14 +3619,26 @@
           <a:lstStyle/>
           <a:p>
             <a:r>
-              <a:rPr lang="ru-RU" dirty="0"/>
+              <a:rPr lang="ru-RU" dirty="0">
+                <a:solidFill>
+                  <a:schemeClr val="bg1"/>
+                </a:solidFill>
+              </a:rPr>
               <a:t>Постановка задач и их выполнение</a:t>
             </a:r>
             <a:r>
-              <a:rPr lang="en-US" dirty="0"/>
+              <a:rPr lang="en-US" dirty="0">
+                <a:solidFill>
+                  <a:schemeClr val="bg1"/>
+                </a:solidFill>
+              </a:rPr>
               <a:t>.</a:t>
             </a:r>
-            <a:endParaRPr lang="ru-RU" dirty="0"/>
+            <a:endParaRPr lang="ru-RU" dirty="0">
+              <a:solidFill>
+                <a:schemeClr val="bg1"/>
+              </a:solidFill>
+            </a:endParaRPr>
           </a:p>
         </p:txBody>
       </p:sp>
@@ -3766,21 +3676,37 @@
               <a:buChar char="ü"/>
             </a:pPr>
             <a:r>
-              <a:rPr lang="ru-RU" sz="1800" i="1" dirty="0"/>
+              <a:rPr lang="ru-RU" sz="1800" i="1" dirty="0">
+                <a:solidFill>
+                  <a:schemeClr val="bg1"/>
+                </a:solidFill>
+              </a:rPr>
               <a:t>При старте работы над нашим проектом мы тщательно его проанализировали</a:t>
             </a:r>
             <a:r>
-              <a:rPr lang="en-US" sz="1800" i="1" dirty="0"/>
+              <a:rPr lang="en-US" sz="1800" i="1" dirty="0">
+                <a:solidFill>
+                  <a:schemeClr val="bg1"/>
+                </a:solidFill>
+              </a:rPr>
               <a:t>.</a:t>
             </a:r>
           </a:p>
           <a:p>
             <a:r>
-              <a:rPr lang="ru-RU" sz="1800" b="1" dirty="0"/>
+              <a:rPr lang="ru-RU" sz="1800" b="1" dirty="0">
+                <a:solidFill>
+                  <a:schemeClr val="bg1"/>
+                </a:solidFill>
+              </a:rPr>
               <a:t>Поставили перед собой основные цели</a:t>
             </a:r>
             <a:r>
-              <a:rPr lang="en-US" sz="1800" b="1" dirty="0"/>
+              <a:rPr lang="en-US" sz="1800" b="1" dirty="0">
+                <a:solidFill>
+                  <a:schemeClr val="bg1"/>
+                </a:solidFill>
+              </a:rPr>
               <a:t>:</a:t>
             </a:r>
           </a:p>
@@ -3790,26 +3716,42 @@
               <a:buChar char="-"/>
             </a:pPr>
             <a:r>
-              <a:rPr lang="ru-RU" sz="1800" dirty="0"/>
+              <a:rPr lang="ru-RU" sz="1800" dirty="0">
+                <a:solidFill>
+                  <a:schemeClr val="bg1"/>
+                </a:solidFill>
+              </a:rPr>
               <a:t>Привести наш продукт в готовый вид(автоматизировать теплицу</a:t>
             </a:r>
             <a:r>
-              <a:rPr lang="en-US" sz="1800" dirty="0"/>
+              <a:rPr lang="en-US" sz="1800" dirty="0">
+                <a:solidFill>
+                  <a:schemeClr val="bg1"/>
+                </a:solidFill>
+              </a:rPr>
               <a:t>, </a:t>
             </a:r>
             <a:r>
-              <a:rPr lang="ru-RU" sz="1800" dirty="0"/>
-              <a:t>установив в нее автоматизированную систему контроля и управления климатом</a:t>
-            </a:r>
-            <a:r>
-              <a:rPr lang="ru-RU" sz="1800" dirty="0" smtClean="0"/>
-              <a:t>)</a:t>
-            </a:r>
-            <a:r>
-              <a:rPr lang="en-US" sz="1800" dirty="0" smtClean="0"/>
+              <a:rPr lang="ru-RU" sz="1800" dirty="0">
+                <a:solidFill>
+                  <a:schemeClr val="bg1"/>
+                </a:solidFill>
+              </a:rPr>
+              <a:t>установив в нее автоматизированную систему контроля и управления климатом)</a:t>
+            </a:r>
+            <a:r>
+              <a:rPr lang="en-US" sz="1800" dirty="0">
+                <a:solidFill>
+                  <a:schemeClr val="bg1"/>
+                </a:solidFill>
+              </a:rPr>
               <a:t>.</a:t>
             </a:r>
-            <a:endParaRPr lang="ru-RU" sz="1800" dirty="0"/>
+            <a:endParaRPr lang="ru-RU" sz="1800" dirty="0">
+              <a:solidFill>
+                <a:schemeClr val="bg1"/>
+              </a:solidFill>
+            </a:endParaRPr>
           </a:p>
           <a:p>
             <a:pPr marL="285750" indent="-285750">
@@ -3817,11 +3759,19 @@
               <a:buChar char="-"/>
             </a:pPr>
             <a:r>
-              <a:rPr lang="ru-RU" sz="1800" dirty="0"/>
+              <a:rPr lang="ru-RU" sz="1800" dirty="0">
+                <a:solidFill>
+                  <a:schemeClr val="bg1"/>
+                </a:solidFill>
+              </a:rPr>
               <a:t>Создать для автоматизированной теплицы многофункциональное приложение и веб-интерфейс</a:t>
             </a:r>
             <a:r>
-              <a:rPr lang="en-US" sz="1800" dirty="0"/>
+              <a:rPr lang="en-US" sz="1800" dirty="0">
+                <a:solidFill>
+                  <a:schemeClr val="bg1"/>
+                </a:solidFill>
+              </a:rPr>
               <a:t>.</a:t>
             </a:r>
           </a:p>
@@ -3831,19 +3781,35 @@
               <a:buChar char="-"/>
             </a:pPr>
             <a:r>
-              <a:rPr lang="ru-RU" sz="1800" dirty="0"/>
+              <a:rPr lang="ru-RU" sz="1800" dirty="0">
+                <a:solidFill>
+                  <a:schemeClr val="bg1"/>
+                </a:solidFill>
+              </a:rPr>
               <a:t>Также для более быстрого выполнения поставленной задачи</a:t>
             </a:r>
             <a:r>
-              <a:rPr lang="en-US" sz="1800" dirty="0"/>
+              <a:rPr lang="en-US" sz="1800" dirty="0">
+                <a:solidFill>
+                  <a:schemeClr val="bg1"/>
+                </a:solidFill>
+              </a:rPr>
               <a:t>, </a:t>
             </a:r>
             <a:r>
-              <a:rPr lang="ru-RU" sz="1800" dirty="0"/>
+              <a:rPr lang="ru-RU" sz="1800" dirty="0">
+                <a:solidFill>
+                  <a:schemeClr val="bg1"/>
+                </a:solidFill>
+              </a:rPr>
               <a:t>мы распределили обязанности</a:t>
             </a:r>
             <a:r>
-              <a:rPr lang="en-US" sz="1800" dirty="0"/>
+              <a:rPr lang="en-US" sz="1800" dirty="0">
+                <a:solidFill>
+                  <a:schemeClr val="bg1"/>
+                </a:solidFill>
+              </a:rPr>
               <a:t>.</a:t>
             </a:r>
           </a:p>
@@ -3882,75 +3848,131 @@
           <a:p>
             <a:pPr algn="ctr"/>
             <a:r>
-              <a:rPr lang="ru-RU" b="1" dirty="0"/>
+              <a:rPr lang="ru-RU" b="1" dirty="0">
+                <a:solidFill>
+                  <a:schemeClr val="bg1"/>
+                </a:solidFill>
+              </a:rPr>
               <a:t>Распределение:</a:t>
             </a:r>
           </a:p>
           <a:p>
             <a:pPr algn="ctr"/>
             <a:r>
-              <a:rPr lang="ru-RU" i="1" dirty="0"/>
+              <a:rPr lang="ru-RU" i="1" dirty="0">
+                <a:solidFill>
+                  <a:schemeClr val="bg1"/>
+                </a:solidFill>
+              </a:rPr>
               <a:t>Воронов Никита Рустамович </a:t>
             </a:r>
             <a:r>
+              <a:rPr lang="ru-RU" dirty="0">
+                <a:solidFill>
+                  <a:schemeClr val="bg1"/>
+                </a:solidFill>
+              </a:rPr>
+              <a:t>– разработка мобильного приложения</a:t>
+            </a:r>
+            <a:r>
+              <a:rPr lang="en-US" dirty="0">
+                <a:solidFill>
+                  <a:schemeClr val="bg1"/>
+                </a:solidFill>
+              </a:rPr>
+              <a:t>.</a:t>
+            </a:r>
+            <a:endParaRPr lang="ru-RU" dirty="0">
+              <a:solidFill>
+                <a:schemeClr val="bg1"/>
+              </a:solidFill>
+            </a:endParaRPr>
+          </a:p>
+          <a:p>
+            <a:pPr algn="ctr"/>
+            <a:r>
+              <a:rPr lang="ru-RU" i="1" dirty="0">
+                <a:solidFill>
+                  <a:schemeClr val="bg1"/>
+                </a:solidFill>
+              </a:rPr>
+              <a:t>Мандрыка Арина Юрьевна, </a:t>
+            </a:r>
+            <a:r>
+              <a:rPr lang="ru-RU" i="1" dirty="0" err="1">
+                <a:solidFill>
+                  <a:schemeClr val="bg1"/>
+                </a:solidFill>
+              </a:rPr>
+              <a:t>Шершина</a:t>
+            </a:r>
+            <a:r>
+              <a:rPr lang="ru-RU" i="1" dirty="0">
+                <a:solidFill>
+                  <a:schemeClr val="bg1"/>
+                </a:solidFill>
+              </a:rPr>
+              <a:t> Анна Исаевна </a:t>
+            </a:r>
+            <a:r>
+              <a:rPr lang="ru-RU" dirty="0">
+                <a:solidFill>
+                  <a:schemeClr val="bg1"/>
+                </a:solidFill>
+              </a:rPr>
+              <a:t>- Создание веб – сайта</a:t>
+            </a:r>
+            <a:r>
+              <a:rPr lang="en-US" dirty="0">
+                <a:solidFill>
+                  <a:schemeClr val="bg1"/>
+                </a:solidFill>
+              </a:rPr>
+              <a:t>.</a:t>
+            </a:r>
+            <a:endParaRPr lang="ru-RU" dirty="0">
+              <a:solidFill>
+                <a:schemeClr val="bg1"/>
+              </a:solidFill>
+            </a:endParaRPr>
+          </a:p>
+          <a:p>
+            <a:pPr algn="ctr"/>
+            <a:r>
+              <a:rPr lang="ru-RU" i="1" dirty="0">
+                <a:solidFill>
+                  <a:schemeClr val="bg1"/>
+                </a:solidFill>
+              </a:rPr>
+              <a:t>Алимов Альберт </a:t>
+            </a:r>
+            <a:r>
+              <a:rPr lang="ru-RU" i="1" dirty="0" err="1">
+                <a:solidFill>
+                  <a:schemeClr val="bg1"/>
+                </a:solidFill>
+              </a:rPr>
+              <a:t>Радикович</a:t>
+            </a:r>
+            <a:r>
+              <a:rPr lang="ru-RU" i="1" dirty="0">
+                <a:solidFill>
+                  <a:schemeClr val="bg1"/>
+                </a:solidFill>
+              </a:rPr>
+              <a:t>, Донченко Дмитрий Антонович </a:t>
+            </a:r>
+            <a:r>
+              <a:rPr lang="ru-RU" dirty="0">
+                <a:solidFill>
+                  <a:schemeClr val="bg1"/>
+                </a:solidFill>
+              </a:rPr>
+              <a:t>– написание и реализация презентации с документацией</a:t>
+            </a:r>
+            <a:r>
               <a:rPr lang="ru-RU" dirty="0"/>
-              <a:t>– разработка мобильного </a:t>
-            </a:r>
-            <a:r>
-              <a:rPr lang="ru-RU" dirty="0" smtClean="0"/>
-              <a:t>приложения</a:t>
-            </a:r>
-            <a:r>
-              <a:rPr lang="en-US" dirty="0"/>
               <a:t>.</a:t>
-            </a:r>
-            <a:endParaRPr lang="ru-RU" dirty="0"/>
-          </a:p>
-          <a:p>
-            <a:pPr algn="ctr"/>
-            <a:r>
-              <a:rPr lang="ru-RU" i="1" dirty="0"/>
-              <a:t>Мандрыка Арина Юрьевна, </a:t>
-            </a:r>
-            <a:r>
-              <a:rPr lang="ru-RU" i="1" dirty="0" err="1"/>
-              <a:t>Шершина</a:t>
-            </a:r>
-            <a:r>
-              <a:rPr lang="ru-RU" i="1" dirty="0"/>
-              <a:t> Анна Исаевна </a:t>
-            </a:r>
-            <a:r>
-              <a:rPr lang="ru-RU" dirty="0"/>
-              <a:t>- Создание веб – </a:t>
-            </a:r>
-            <a:r>
-              <a:rPr lang="ru-RU" dirty="0" smtClean="0"/>
-              <a:t>сайта</a:t>
-            </a:r>
-            <a:r>
-              <a:rPr lang="en-US" dirty="0"/>
-              <a:t>.</a:t>
-            </a:r>
-            <a:endParaRPr lang="ru-RU" dirty="0"/>
-          </a:p>
-          <a:p>
-            <a:pPr algn="ctr"/>
-            <a:r>
-              <a:rPr lang="ru-RU" i="1" dirty="0"/>
-              <a:t>Алимов Альберт </a:t>
-            </a:r>
-            <a:r>
-              <a:rPr lang="ru-RU" i="1" dirty="0" err="1"/>
-              <a:t>Радикович</a:t>
-            </a:r>
-            <a:r>
-              <a:rPr lang="ru-RU" i="1" dirty="0"/>
-              <a:t>, Донченко Дмитрий Антонович </a:t>
-            </a:r>
-            <a:r>
-              <a:rPr lang="ru-RU" dirty="0"/>
-              <a:t>– написание и реализация презентации с документацией.</a:t>
             </a:r>
           </a:p>
         </p:txBody>
@@ -3977,13 +3999,6 @@
       </p:transition>
     </mc:Fallback>
   </mc:AlternateContent>
-  <p:timing>
-    <p:tnLst>
-      <p:par>
-        <p:cTn id="1" dur="indefinite" restart="never" nodeType="tmRoot"/>
-      </p:par>
-    </p:tnLst>
-  </p:timing>
 </p:sld>
 </file>
 
@@ -4364,19 +4379,35 @@
       </p:transition>
     </mc:Fallback>
   </mc:AlternateContent>
-  <p:timing>
-    <p:tnLst>
-      <p:par>
-        <p:cTn id="1" dur="indefinite" restart="never" nodeType="tmRoot"/>
-      </p:par>
-    </p:tnLst>
-  </p:timing>
 </p:sld>
 </file>
 
 <file path=ppt/slides/slide4.xml><?xml version="1.0" encoding="utf-8"?>
 <p:sld xmlns:a="http://schemas.openxmlformats.org/drawingml/2006/main" xmlns:r="http://schemas.openxmlformats.org/officeDocument/2006/relationships" xmlns:p="http://schemas.openxmlformats.org/presentationml/2006/main">
   <p:cSld>
+    <p:bg>
+      <p:bgPr>
+        <a:gradFill flip="none" rotWithShape="1">
+          <a:gsLst>
+            <a:gs pos="27000">
+              <a:srgbClr val="0E7330"/>
+            </a:gs>
+            <a:gs pos="29000">
+              <a:schemeClr val="tx1"/>
+            </a:gs>
+            <a:gs pos="32000">
+              <a:schemeClr val="bg1"/>
+            </a:gs>
+            <a:gs pos="100000">
+              <a:schemeClr val="bg1"/>
+            </a:gs>
+          </a:gsLst>
+          <a:lin ang="16200000" scaled="0"/>
+          <a:tileRect/>
+        </a:gradFill>
+        <a:effectLst/>
+      </p:bgPr>
+    </p:bg>
     <p:spTree>
       <p:nvGrpSpPr>
         <p:cNvPr id="1" name=""/>
@@ -4391,36 +4422,6 @@
           <a:chExt cx="0" cy="0"/>
         </a:xfrm>
       </p:grpSpPr>
-      <p:pic>
-        <p:nvPicPr>
-          <p:cNvPr id="13" name="Рисунок 12">
-            <a:extLst>
-              <a:ext uri="{FF2B5EF4-FFF2-40B4-BE49-F238E27FC236}">
-                <a16:creationId xmlns:a16="http://schemas.microsoft.com/office/drawing/2014/main" id="{1EF62B3C-42F4-4C70-8ADA-76AF2BB212A3}"/>
-              </a:ext>
-            </a:extLst>
-          </p:cNvPr>
-          <p:cNvPicPr>
-            <a:picLocks noChangeAspect="1"/>
-          </p:cNvPicPr>
-          <p:nvPr/>
-        </p:nvPicPr>
-        <p:blipFill>
-          <a:blip r:embed="rId2"/>
-          <a:stretch>
-            <a:fillRect/>
-          </a:stretch>
-        </p:blipFill>
-        <p:spPr>
-          <a:xfrm>
-            <a:off x="2950456" y="2754990"/>
-            <a:ext cx="6277589" cy="4103009"/>
-          </a:xfrm>
-          <a:prstGeom prst="rect">
-            <a:avLst/>
-          </a:prstGeom>
-        </p:spPr>
-      </p:pic>
       <p:sp>
         <p:nvSpPr>
           <p:cNvPr id="2" name="Заголовок 1">
@@ -4468,6 +4469,41 @@
           </p:cNvPicPr>
           <p:nvPr>
             <p:ph sz="half" idx="1"/>
+          </p:nvPr>
+        </p:nvPicPr>
+        <p:blipFill>
+          <a:blip r:embed="rId2">
+            <a:extLst>
+              <a:ext uri="{28A0092B-C50C-407E-A947-70E740481C1C}">
+                <a14:useLocalDpi xmlns:a14="http://schemas.microsoft.com/office/drawing/2010/main" val="0"/>
+              </a:ext>
+            </a:extLst>
+          </a:blip>
+          <a:stretch>
+            <a:fillRect/>
+          </a:stretch>
+        </p:blipFill>
+        <p:spPr>
+          <a:xfrm>
+            <a:off x="8496796" y="999015"/>
+            <a:ext cx="3695204" cy="5857336"/>
+          </a:xfrm>
+        </p:spPr>
+      </p:pic>
+      <p:pic>
+        <p:nvPicPr>
+          <p:cNvPr id="6" name="Объект 5">
+            <a:extLst>
+              <a:ext uri="{FF2B5EF4-FFF2-40B4-BE49-F238E27FC236}">
+                <a16:creationId xmlns:a16="http://schemas.microsoft.com/office/drawing/2014/main" id="{F7E147A8-765C-4700-9AED-345D5B5C75A6}"/>
+              </a:ext>
+            </a:extLst>
+          </p:cNvPr>
+          <p:cNvPicPr>
+            <a:picLocks noGrp="1" noChangeAspect="1"/>
+          </p:cNvPicPr>
+          <p:nvPr>
+            <p:ph sz="half" idx="2"/>
           </p:nvPr>
         </p:nvPicPr>
         <p:blipFill>
@@ -4484,43 +4520,8 @@
         </p:blipFill>
         <p:spPr>
           <a:xfrm>
-            <a:off x="9228046" y="0"/>
-            <a:ext cx="2963954" cy="6858000"/>
-          </a:xfrm>
-        </p:spPr>
-      </p:pic>
-      <p:pic>
-        <p:nvPicPr>
-          <p:cNvPr id="6" name="Объект 5">
-            <a:extLst>
-              <a:ext uri="{FF2B5EF4-FFF2-40B4-BE49-F238E27FC236}">
-                <a16:creationId xmlns:a16="http://schemas.microsoft.com/office/drawing/2014/main" id="{F7E147A8-765C-4700-9AED-345D5B5C75A6}"/>
-              </a:ext>
-            </a:extLst>
-          </p:cNvPr>
-          <p:cNvPicPr>
-            <a:picLocks noGrp="1" noChangeAspect="1"/>
-          </p:cNvPicPr>
-          <p:nvPr>
-            <p:ph sz="half" idx="2"/>
-          </p:nvPr>
-        </p:nvPicPr>
-        <p:blipFill>
-          <a:blip r:embed="rId4">
-            <a:extLst>
-              <a:ext uri="{28A0092B-C50C-407E-A947-70E740481C1C}">
-                <a14:useLocalDpi xmlns:a14="http://schemas.microsoft.com/office/drawing/2010/main" val="0"/>
-              </a:ext>
-            </a:extLst>
-          </a:blip>
-          <a:stretch>
-            <a:fillRect/>
-          </a:stretch>
-        </p:blipFill>
-        <p:spPr>
-          <a:xfrm>
-            <a:off x="0" y="0"/>
-            <a:ext cx="2950457" cy="6858000"/>
+            <a:off x="0" y="999016"/>
+            <a:ext cx="3392129" cy="5858984"/>
           </a:xfrm>
         </p:spPr>
       </p:pic>
@@ -4538,8 +4539,8 @@
         </p:nvSpPr>
         <p:spPr>
           <a:xfrm>
-            <a:off x="2950455" y="1000665"/>
-            <a:ext cx="6291088" cy="1754326"/>
+            <a:off x="4221633" y="1504743"/>
+            <a:ext cx="3735237" cy="2862322"/>
           </a:xfrm>
           <a:prstGeom prst="rect">
             <a:avLst/>
@@ -4642,13 +4643,6 @@
       </p:transition>
     </mc:Fallback>
   </mc:AlternateContent>
-  <p:timing>
-    <p:tnLst>
-      <p:par>
-        <p:cTn id="1" dur="indefinite" restart="never" nodeType="tmRoot"/>
-      </p:par>
-    </p:tnLst>
-  </p:timing>
 </p:sld>
 </file>
 
@@ -4669,6 +4663,231 @@
           <a:chExt cx="0" cy="0"/>
         </a:xfrm>
       </p:grpSpPr>
+      <p:pic>
+        <p:nvPicPr>
+          <p:cNvPr id="5" name="Объект 4">
+            <a:extLst>
+              <a:ext uri="{FF2B5EF4-FFF2-40B4-BE49-F238E27FC236}">
+                <a16:creationId xmlns:a16="http://schemas.microsoft.com/office/drawing/2014/main" id="{E9808BC4-D7EE-4A66-B0B7-59A0DEAFD152}"/>
+              </a:ext>
+            </a:extLst>
+          </p:cNvPr>
+          <p:cNvPicPr>
+            <a:picLocks noGrp="1" noChangeAspect="1"/>
+          </p:cNvPicPr>
+          <p:nvPr>
+            <p:ph idx="1"/>
+          </p:nvPr>
+        </p:nvPicPr>
+        <p:blipFill>
+          <a:blip r:embed="rId2"/>
+          <a:stretch>
+            <a:fillRect/>
+          </a:stretch>
+        </p:blipFill>
+        <p:spPr>
+          <a:xfrm>
+            <a:off x="1" y="0"/>
+            <a:ext cx="12192000" cy="6858000"/>
+          </a:xfrm>
+          <a:prstGeom prst="rect">
+            <a:avLst/>
+          </a:prstGeom>
+        </p:spPr>
+      </p:pic>
+      <p:sp>
+        <p:nvSpPr>
+          <p:cNvPr id="2" name="Заголовок 1">
+            <a:extLst>
+              <a:ext uri="{FF2B5EF4-FFF2-40B4-BE49-F238E27FC236}">
+                <a16:creationId xmlns:a16="http://schemas.microsoft.com/office/drawing/2014/main" id="{3E4A04E7-AAC8-4245-A9D6-63F1666A42D7}"/>
+              </a:ext>
+            </a:extLst>
+          </p:cNvPr>
+          <p:cNvSpPr>
+            <a:spLocks noGrp="1"/>
+          </p:cNvSpPr>
+          <p:nvPr>
+            <p:ph type="title"/>
+          </p:nvPr>
+        </p:nvSpPr>
+        <p:spPr>
+          <a:xfrm>
+            <a:off x="5135611" y="310552"/>
+            <a:ext cx="1920778" cy="448574"/>
+          </a:xfrm>
+        </p:spPr>
+        <p:txBody>
+          <a:bodyPr>
+            <a:normAutofit fontScale="90000"/>
+          </a:bodyPr>
+          <a:lstStyle/>
+          <a:p>
+            <a:r>
+              <a:rPr lang="ru-RU" dirty="0"/>
+              <a:t>Веб - сайт</a:t>
+            </a:r>
+          </a:p>
+        </p:txBody>
+      </p:sp>
+      <p:sp>
+        <p:nvSpPr>
+          <p:cNvPr id="4" name="Текст 3">
+            <a:extLst>
+              <a:ext uri="{FF2B5EF4-FFF2-40B4-BE49-F238E27FC236}">
+                <a16:creationId xmlns:a16="http://schemas.microsoft.com/office/drawing/2014/main" id="{EDFBFE65-49BB-4B06-8F2F-36C34A69AABA}"/>
+              </a:ext>
+            </a:extLst>
+          </p:cNvPr>
+          <p:cNvSpPr>
+            <a:spLocks noGrp="1"/>
+          </p:cNvSpPr>
+          <p:nvPr>
+            <p:ph type="body" sz="half" idx="2"/>
+          </p:nvPr>
+        </p:nvSpPr>
+        <p:spPr>
+          <a:xfrm>
+            <a:off x="0" y="759126"/>
+            <a:ext cx="12191999" cy="1061048"/>
+          </a:xfrm>
+        </p:spPr>
+        <p:txBody>
+          <a:bodyPr/>
+          <a:lstStyle/>
+          <a:p>
+            <a:r>
+              <a:rPr lang="ru-RU" dirty="0"/>
+              <a:t>Мобильное приложение это замечательно</a:t>
+            </a:r>
+            <a:r>
+              <a:rPr lang="en-US" dirty="0"/>
+              <a:t>, </a:t>
+            </a:r>
+            <a:r>
+              <a:rPr lang="ru-RU" dirty="0"/>
+              <a:t>однако</a:t>
+            </a:r>
+            <a:r>
+              <a:rPr lang="en-US" dirty="0"/>
+              <a:t>, </a:t>
+            </a:r>
+            <a:r>
+              <a:rPr lang="ru-RU" dirty="0"/>
+              <a:t>на этом не стоит останавливаться</a:t>
+            </a:r>
+            <a:r>
+              <a:rPr lang="en-US" dirty="0"/>
+              <a:t>. </a:t>
+            </a:r>
+            <a:r>
+              <a:rPr lang="ru-RU" dirty="0"/>
+              <a:t>Поэтому было принято решение реализовать не в добавок к приложению сайт</a:t>
+            </a:r>
+            <a:r>
+              <a:rPr lang="en-US" dirty="0"/>
+              <a:t>. </a:t>
+            </a:r>
+            <a:r>
+              <a:rPr lang="ru-RU" dirty="0"/>
+              <a:t>На сайте мы разместили информацию о том</a:t>
+            </a:r>
+            <a:r>
+              <a:rPr lang="en-US" dirty="0"/>
+              <a:t>,</a:t>
+            </a:r>
+            <a:r>
+              <a:rPr lang="ru-RU" dirty="0"/>
+              <a:t> чем полезно автоматическое управление</a:t>
+            </a:r>
+            <a:r>
+              <a:rPr lang="en-US" dirty="0"/>
+              <a:t>, </a:t>
+            </a:r>
+            <a:r>
+              <a:rPr lang="ru-RU" dirty="0"/>
+              <a:t>полезные рекомендации для регулировке температуры и влажности</a:t>
+            </a:r>
+            <a:r>
+              <a:rPr lang="en-US" dirty="0"/>
+              <a:t>.</a:t>
+            </a:r>
+            <a:endParaRPr lang="ru-RU" dirty="0"/>
+          </a:p>
+        </p:txBody>
+      </p:sp>
+    </p:spTree>
+    <p:extLst>
+      <p:ext uri="{BB962C8B-B14F-4D97-AF65-F5344CB8AC3E}">
+        <p14:creationId xmlns:p14="http://schemas.microsoft.com/office/powerpoint/2010/main" val="1026505408"/>
+      </p:ext>
+    </p:extLst>
+  </p:cSld>
+  <p:clrMapOvr>
+    <a:masterClrMapping/>
+  </p:clrMapOvr>
+  <mc:AlternateContent xmlns:mc="http://schemas.openxmlformats.org/markup-compatibility/2006">
+    <mc:Choice xmlns:p14="http://schemas.microsoft.com/office/powerpoint/2010/main" Requires="p14">
+      <p:transition spd="slow" p14:dur="1250">
+        <p14:flip dir="r"/>
+      </p:transition>
+    </mc:Choice>
+    <mc:Fallback>
+      <p:transition spd="slow">
+        <p:fade/>
+      </p:transition>
+    </mc:Fallback>
+  </mc:AlternateContent>
+</p:sld>
+</file>
+
+<file path=ppt/slides/slide6.xml><?xml version="1.0" encoding="utf-8"?>
+<p:sld xmlns:a="http://schemas.openxmlformats.org/drawingml/2006/main" xmlns:r="http://schemas.openxmlformats.org/officeDocument/2006/relationships" xmlns:p="http://schemas.openxmlformats.org/presentationml/2006/main">
+  <p:cSld>
+    <p:spTree>
+      <p:nvGrpSpPr>
+        <p:cNvPr id="1" name=""/>
+        <p:cNvGrpSpPr/>
+        <p:nvPr/>
+      </p:nvGrpSpPr>
+      <p:grpSpPr>
+        <a:xfrm>
+          <a:off x="0" y="0"/>
+          <a:ext cx="0" cy="0"/>
+          <a:chOff x="0" y="0"/>
+          <a:chExt cx="0" cy="0"/>
+        </a:xfrm>
+      </p:grpSpPr>
+      <p:pic>
+        <p:nvPicPr>
+          <p:cNvPr id="4" name="Рисунок 3">
+            <a:extLst>
+              <a:ext uri="{FF2B5EF4-FFF2-40B4-BE49-F238E27FC236}">
+                <a16:creationId xmlns:a16="http://schemas.microsoft.com/office/drawing/2014/main" id="{CE7C507F-8020-4A94-B77E-A484651B0B04}"/>
+              </a:ext>
+            </a:extLst>
+          </p:cNvPr>
+          <p:cNvPicPr>
+            <a:picLocks noChangeAspect="1"/>
+          </p:cNvPicPr>
+          <p:nvPr/>
+        </p:nvPicPr>
+        <p:blipFill>
+          <a:blip r:embed="rId2"/>
+          <a:stretch>
+            <a:fillRect/>
+          </a:stretch>
+        </p:blipFill>
+        <p:spPr>
+          <a:xfrm>
+            <a:off x="0" y="0"/>
+            <a:ext cx="12192000" cy="6858000"/>
+          </a:xfrm>
+          <a:prstGeom prst="rect">
+            <a:avLst/>
+          </a:prstGeom>
+        </p:spPr>
+      </p:pic>
       <p:sp>
         <p:nvSpPr>
           <p:cNvPr id="3" name="Подзаголовок 2">
@@ -4687,24 +4906,79 @@
         </p:nvSpPr>
         <p:spPr>
           <a:xfrm>
-            <a:off x="1542280" y="194102"/>
-            <a:ext cx="9144000" cy="1086058"/>
+            <a:off x="1060499" y="3429000"/>
+            <a:ext cx="9499346" cy="1086058"/>
           </a:xfrm>
         </p:spPr>
         <p:txBody>
           <a:bodyPr>
-            <a:normAutofit/>
+            <a:normAutofit fontScale="55000" lnSpcReduction="20000"/>
           </a:bodyPr>
           <a:lstStyle/>
           <a:p>
             <a:r>
-              <a:rPr lang="ru-RU" sz="5400" dirty="0" smtClean="0"/>
-              <a:t>Благодарим за внимание</a:t>
-            </a:r>
-            <a:endParaRPr lang="ru-RU" sz="5400" dirty="0"/>
-          </a:p>
-        </p:txBody>
-      </p:sp>
+              <a:rPr lang="ru-RU" sz="5400" dirty="0">
+                <a:solidFill>
+                  <a:schemeClr val="bg1"/>
+                </a:solidFill>
+              </a:rPr>
+              <a:t>Если вас что то заинтересовало и вы хотите подробнее ознакомиться с проделанной нами работой то переходите по ссылке в </a:t>
+            </a:r>
+            <a:r>
+              <a:rPr lang="en-US" sz="5400" b="1" i="1" dirty="0">
+                <a:solidFill>
+                  <a:schemeClr val="bg1"/>
+                </a:solidFill>
+              </a:rPr>
+              <a:t>GitHub</a:t>
+            </a:r>
+            <a:r>
+              <a:rPr lang="en-US" sz="5400" dirty="0">
+                <a:solidFill>
+                  <a:schemeClr val="bg1"/>
+                </a:solidFill>
+              </a:rPr>
+              <a:t>.</a:t>
+            </a:r>
+            <a:endParaRPr lang="ru-RU" sz="5400" dirty="0">
+              <a:solidFill>
+                <a:schemeClr val="bg1"/>
+              </a:solidFill>
+            </a:endParaRPr>
+          </a:p>
+        </p:txBody>
+      </p:sp>
+      <p:pic>
+        <p:nvPicPr>
+          <p:cNvPr id="5" name="Рисунок 4">
+            <a:hlinkClick r:id="rId3"/>
+            <a:extLst>
+              <a:ext uri="{FF2B5EF4-FFF2-40B4-BE49-F238E27FC236}">
+                <a16:creationId xmlns:a16="http://schemas.microsoft.com/office/drawing/2014/main" id="{8C9F78AB-76D6-46D5-9AAD-EE52B5DE432F}"/>
+              </a:ext>
+            </a:extLst>
+          </p:cNvPr>
+          <p:cNvPicPr>
+            <a:picLocks noChangeAspect="1"/>
+          </p:cNvPicPr>
+          <p:nvPr/>
+        </p:nvPicPr>
+        <p:blipFill>
+          <a:blip r:embed="rId4"/>
+          <a:stretch>
+            <a:fillRect/>
+          </a:stretch>
+        </p:blipFill>
+        <p:spPr>
+          <a:xfrm>
+            <a:off x="7950610" y="4800808"/>
+            <a:ext cx="4241390" cy="2152442"/>
+          </a:xfrm>
+          <a:prstGeom prst="rect">
+            <a:avLst/>
+          </a:prstGeom>
+        </p:spPr>
+      </p:pic>
     </p:spTree>
     <p:extLst>
       <p:ext uri="{BB962C8B-B14F-4D97-AF65-F5344CB8AC3E}">
@@ -4715,25 +4989,18 @@
   <p:clrMapOvr>
     <a:masterClrMapping/>
   </p:clrMapOvr>
-  <mc:AlternateContent xmlns:mc="http://schemas.openxmlformats.org/markup-compatibility/2006" xmlns:p15="http://schemas.microsoft.com/office/powerpoint/2012/main">
-    <mc:Choice Requires="p15">
-      <p:transition xmlns:p14="http://schemas.microsoft.com/office/powerpoint/2010/main" spd="slow" p14:dur="3250">
-        <p15:prstTrans prst="origami"/>
+  <mc:AlternateContent xmlns:mc="http://schemas.openxmlformats.org/markup-compatibility/2006">
+    <mc:Choice xmlns:p15="http://schemas.microsoft.com/office/powerpoint/2012/main" Requires="p15">
+      <p:transition xmlns:p14="http://schemas.microsoft.com/office/powerpoint/2010/main" spd="slow" p14:dur="1250">
+        <p15:prstTrans prst="peelOff"/>
       </p:transition>
     </mc:Choice>
-    <mc:Fallback xmlns="">
+    <mc:Fallback>
       <p:transition spd="slow">
         <p:fade/>
       </p:transition>
     </mc:Fallback>
   </mc:AlternateContent>
-  <p:timing>
-    <p:tnLst>
-      <p:par>
-        <p:cTn id="1" dur="indefinite" restart="never" nodeType="tmRoot"/>
-      </p:par>
-    </p:tnLst>
-  </p:timing>
 </p:sld>
 </file>
 

--- a/документация и презентация/Автоматизированная система удаленного управления теплицей.pptx
+++ b/документация и презентация/Автоматизированная система удаленного управления теплицей.pptx
@@ -248,7 +248,7 @@
           <a:p>
             <a:fld id="{E1C052FF-E99A-454E-9E17-9CB9EA5E51FA}" type="datetimeFigureOut">
               <a:rPr lang="ru-RU" smtClean="0"/>
-              <a:t>вт 14.02.23</a:t>
+              <a:t>14.02.2023</a:t>
             </a:fld>
             <a:endParaRPr lang="ru-RU"/>
           </a:p>
@@ -418,7 +418,7 @@
           <a:p>
             <a:fld id="{E1C052FF-E99A-454E-9E17-9CB9EA5E51FA}" type="datetimeFigureOut">
               <a:rPr lang="ru-RU" smtClean="0"/>
-              <a:t>вт 14.02.23</a:t>
+              <a:t>14.02.2023</a:t>
             </a:fld>
             <a:endParaRPr lang="ru-RU"/>
           </a:p>
@@ -598,7 +598,7 @@
           <a:p>
             <a:fld id="{E1C052FF-E99A-454E-9E17-9CB9EA5E51FA}" type="datetimeFigureOut">
               <a:rPr lang="ru-RU" smtClean="0"/>
-              <a:t>вт 14.02.23</a:t>
+              <a:t>14.02.2023</a:t>
             </a:fld>
             <a:endParaRPr lang="ru-RU"/>
           </a:p>
@@ -768,7 +768,7 @@
           <a:p>
             <a:fld id="{E1C052FF-E99A-454E-9E17-9CB9EA5E51FA}" type="datetimeFigureOut">
               <a:rPr lang="ru-RU" smtClean="0"/>
-              <a:t>вт 14.02.23</a:t>
+              <a:t>14.02.2023</a:t>
             </a:fld>
             <a:endParaRPr lang="ru-RU"/>
           </a:p>
@@ -1014,7 +1014,7 @@
           <a:p>
             <a:fld id="{E1C052FF-E99A-454E-9E17-9CB9EA5E51FA}" type="datetimeFigureOut">
               <a:rPr lang="ru-RU" smtClean="0"/>
-              <a:t>вт 14.02.23</a:t>
+              <a:t>14.02.2023</a:t>
             </a:fld>
             <a:endParaRPr lang="ru-RU"/>
           </a:p>
@@ -1246,7 +1246,7 @@
           <a:p>
             <a:fld id="{E1C052FF-E99A-454E-9E17-9CB9EA5E51FA}" type="datetimeFigureOut">
               <a:rPr lang="ru-RU" smtClean="0"/>
-              <a:t>вт 14.02.23</a:t>
+              <a:t>14.02.2023</a:t>
             </a:fld>
             <a:endParaRPr lang="ru-RU"/>
           </a:p>
@@ -1613,7 +1613,7 @@
           <a:p>
             <a:fld id="{E1C052FF-E99A-454E-9E17-9CB9EA5E51FA}" type="datetimeFigureOut">
               <a:rPr lang="ru-RU" smtClean="0"/>
-              <a:t>вт 14.02.23</a:t>
+              <a:t>14.02.2023</a:t>
             </a:fld>
             <a:endParaRPr lang="ru-RU"/>
           </a:p>
@@ -1731,7 +1731,7 @@
           <a:p>
             <a:fld id="{E1C052FF-E99A-454E-9E17-9CB9EA5E51FA}" type="datetimeFigureOut">
               <a:rPr lang="ru-RU" smtClean="0"/>
-              <a:t>вт 14.02.23</a:t>
+              <a:t>14.02.2023</a:t>
             </a:fld>
             <a:endParaRPr lang="ru-RU"/>
           </a:p>
@@ -1826,7 +1826,7 @@
           <a:p>
             <a:fld id="{E1C052FF-E99A-454E-9E17-9CB9EA5E51FA}" type="datetimeFigureOut">
               <a:rPr lang="ru-RU" smtClean="0"/>
-              <a:t>вт 14.02.23</a:t>
+              <a:t>14.02.2023</a:t>
             </a:fld>
             <a:endParaRPr lang="ru-RU"/>
           </a:p>
@@ -2103,7 +2103,7 @@
           <a:p>
             <a:fld id="{E1C052FF-E99A-454E-9E17-9CB9EA5E51FA}" type="datetimeFigureOut">
               <a:rPr lang="ru-RU" smtClean="0"/>
-              <a:t>вт 14.02.23</a:t>
+              <a:t>14.02.2023</a:t>
             </a:fld>
             <a:endParaRPr lang="ru-RU"/>
           </a:p>
@@ -2360,7 +2360,7 @@
           <a:p>
             <a:fld id="{E1C052FF-E99A-454E-9E17-9CB9EA5E51FA}" type="datetimeFigureOut">
               <a:rPr lang="ru-RU" smtClean="0"/>
-              <a:t>вт 14.02.23</a:t>
+              <a:t>14.02.2023</a:t>
             </a:fld>
             <a:endParaRPr lang="ru-RU"/>
           </a:p>
@@ -2573,7 +2573,7 @@
           <a:p>
             <a:fld id="{E1C052FF-E99A-454E-9E17-9CB9EA5E51FA}" type="datetimeFigureOut">
               <a:rPr lang="ru-RU" smtClean="0"/>
-              <a:t>вт 14.02.23</a:t>
+              <a:t>14.02.2023</a:t>
             </a:fld>
             <a:endParaRPr lang="ru-RU"/>
           </a:p>
@@ -4665,30 +4665,34 @@
       </p:grpSpPr>
       <p:pic>
         <p:nvPicPr>
-          <p:cNvPr id="5" name="Объект 4">
+          <p:cNvPr id="6" name="Рисунок 5">
             <a:extLst>
               <a:ext uri="{FF2B5EF4-FFF2-40B4-BE49-F238E27FC236}">
-                <a16:creationId xmlns:a16="http://schemas.microsoft.com/office/drawing/2014/main" id="{E9808BC4-D7EE-4A66-B0B7-59A0DEAFD152}"/>
+                <a16:creationId xmlns:a16="http://schemas.microsoft.com/office/drawing/2014/main" id="{AFAF435E-64AA-44D9-8688-22991CA6067E}"/>
               </a:ext>
             </a:extLst>
           </p:cNvPr>
           <p:cNvPicPr>
-            <a:picLocks noGrp="1" noChangeAspect="1"/>
+            <a:picLocks noChangeAspect="1"/>
           </p:cNvPicPr>
-          <p:nvPr>
-            <p:ph idx="1"/>
-          </p:nvPr>
+          <p:nvPr/>
         </p:nvPicPr>
         <p:blipFill>
-          <a:blip r:embed="rId2"/>
+          <a:blip r:embed="rId2">
+            <a:extLst>
+              <a:ext uri="{28A0092B-C50C-407E-A947-70E740481C1C}">
+                <a14:useLocalDpi xmlns:a14="http://schemas.microsoft.com/office/drawing/2010/main" val="0"/>
+              </a:ext>
+            </a:extLst>
+          </a:blip>
           <a:stretch>
             <a:fillRect/>
           </a:stretch>
         </p:blipFill>
         <p:spPr>
           <a:xfrm>
-            <a:off x="1" y="0"/>
-            <a:ext cx="12192000" cy="6858000"/>
+            <a:off x="-1" y="-1"/>
+            <a:ext cx="12192000" cy="6920917"/>
           </a:xfrm>
           <a:prstGeom prst="rect">
             <a:avLst/>
@@ -4724,7 +4728,7 @@
           <a:lstStyle/>
           <a:p>
             <a:r>
-              <a:rPr lang="ru-RU" dirty="0"/>
+              <a:rPr lang="ru-RU" b="1" dirty="0"/>
               <a:t>Веб - сайт</a:t>
             </a:r>
           </a:p>
@@ -4753,12 +4757,23 @@
           </a:xfrm>
         </p:spPr>
         <p:txBody>
-          <a:bodyPr/>
-          <a:lstStyle/>
-          <a:p>
+          <a:bodyPr>
+            <a:normAutofit/>
+          </a:bodyPr>
+          <a:lstStyle/>
+          <a:p>
+            <a:pPr algn="ctr"/>
             <a:r>
               <a:rPr lang="ru-RU" dirty="0"/>
-              <a:t>Мобильное приложение это замечательно</a:t>
+              <a:t>Помимо приложения мы решили создать веб-сайт, с помощью которого каждый сможет скачать наше приложение, узнать как его скачивать и как им пользоваться. А также мы разместили информацию о том</a:t>
+            </a:r>
+            <a:r>
+              <a:rPr lang="en-US" dirty="0"/>
+              <a:t>,</a:t>
+            </a:r>
+            <a:r>
+              <a:rPr lang="ru-RU" dirty="0"/>
+              <a:t> чем полезно автоматическое управление</a:t>
             </a:r>
             <a:r>
               <a:rPr lang="en-US" dirty="0"/>
@@ -4766,52 +4781,16 @@
             </a:r>
             <a:r>
               <a:rPr lang="ru-RU" dirty="0"/>
-              <a:t>однако</a:t>
-            </a:r>
-            <a:r>
-              <a:rPr lang="en-US" dirty="0"/>
-              <a:t>, </a:t>
-            </a:r>
-            <a:r>
-              <a:rPr lang="ru-RU" dirty="0"/>
-              <a:t>на этом не стоит останавливаться</a:t>
-            </a:r>
-            <a:r>
-              <a:rPr lang="en-US" dirty="0"/>
-              <a:t>. </a:t>
-            </a:r>
-            <a:r>
-              <a:rPr lang="ru-RU" dirty="0"/>
-              <a:t>Поэтому было принято решение реализовать не в добавок к приложению сайт</a:t>
-            </a:r>
-            <a:r>
-              <a:rPr lang="en-US" dirty="0"/>
-              <a:t>. </a:t>
-            </a:r>
-            <a:r>
-              <a:rPr lang="ru-RU" dirty="0"/>
-              <a:t>На сайте мы разместили информацию о том</a:t>
-            </a:r>
-            <a:r>
-              <a:rPr lang="en-US" dirty="0"/>
-              <a:t>,</a:t>
-            </a:r>
-            <a:r>
-              <a:rPr lang="ru-RU" dirty="0"/>
-              <a:t> чем полезно автоматическое управление</a:t>
-            </a:r>
-            <a:r>
-              <a:rPr lang="en-US" dirty="0"/>
-              <a:t>, </a:t>
-            </a:r>
-            <a:r>
-              <a:rPr lang="ru-RU" dirty="0"/>
-              <a:t>полезные рекомендации для регулировке температуры и влажности</a:t>
+              <a:t>полезные рекомендации по регулировке температуры и влажности</a:t>
             </a:r>
             <a:r>
               <a:rPr lang="en-US" dirty="0"/>
               <a:t>.</a:t>
             </a:r>
+            <a:endParaRPr lang="ru-RU" dirty="0"/>
+          </a:p>
+          <a:p>
+            <a:pPr algn="ctr"/>
             <a:endParaRPr lang="ru-RU" dirty="0"/>
           </a:p>
         </p:txBody>
@@ -4826,13 +4805,13 @@
   <p:clrMapOvr>
     <a:masterClrMapping/>
   </p:clrMapOvr>
-  <mc:AlternateContent xmlns:mc="http://schemas.openxmlformats.org/markup-compatibility/2006">
-    <mc:Choice xmlns:p14="http://schemas.microsoft.com/office/powerpoint/2010/main" Requires="p14">
+  <mc:AlternateContent xmlns:mc="http://schemas.openxmlformats.org/markup-compatibility/2006" xmlns:p14="http://schemas.microsoft.com/office/powerpoint/2010/main">
+    <mc:Choice Requires="p14">
       <p:transition spd="slow" p14:dur="1250">
         <p14:flip dir="r"/>
       </p:transition>
     </mc:Choice>
-    <mc:Fallback>
+    <mc:Fallback xmlns="">
       <p:transition spd="slow">
         <p:fade/>
       </p:transition>
@@ -4922,7 +4901,7 @@
                   <a:schemeClr val="bg1"/>
                 </a:solidFill>
               </a:rPr>
-              <a:t>Если вас что то заинтересовало и вы хотите подробнее ознакомиться с проделанной нами работой то переходите по ссылке в </a:t>
+              <a:t>Если вас что-то заинтересовало и вы хотите подробнее ознакомиться с проделанной нами работой, то переходите по ссылке в </a:t>
             </a:r>
             <a:r>
               <a:rPr lang="en-US" sz="5400" b="1" i="1" dirty="0">
@@ -4971,8 +4950,8 @@
         </p:blipFill>
         <p:spPr>
           <a:xfrm>
-            <a:off x="7950610" y="4800808"/>
-            <a:ext cx="4241390" cy="2152442"/>
+            <a:off x="8808821" y="4899170"/>
+            <a:ext cx="2477167" cy="1257125"/>
           </a:xfrm>
           <a:prstGeom prst="rect">
             <a:avLst/>
@@ -4989,13 +4968,13 @@
   <p:clrMapOvr>
     <a:masterClrMapping/>
   </p:clrMapOvr>
-  <mc:AlternateContent xmlns:mc="http://schemas.openxmlformats.org/markup-compatibility/2006">
-    <mc:Choice xmlns:p15="http://schemas.microsoft.com/office/powerpoint/2012/main" Requires="p15">
+  <mc:AlternateContent xmlns:mc="http://schemas.openxmlformats.org/markup-compatibility/2006" xmlns:p15="http://schemas.microsoft.com/office/powerpoint/2012/main">
+    <mc:Choice Requires="p15">
       <p:transition xmlns:p14="http://schemas.microsoft.com/office/powerpoint/2010/main" spd="slow" p14:dur="1250">
         <p15:prstTrans prst="peelOff"/>
       </p:transition>
     </mc:Choice>
-    <mc:Fallback>
+    <mc:Fallback xmlns="">
       <p:transition spd="slow">
         <p:fade/>
       </p:transition>

--- a/документация и презентация/Автоматизированная система удаленного управления теплицей.pptx
+++ b/документация и презентация/Автоматизированная система удаленного управления теплицей.pptx
@@ -248,7 +248,7 @@
           <a:p>
             <a:fld id="{E1C052FF-E99A-454E-9E17-9CB9EA5E51FA}" type="datetimeFigureOut">
               <a:rPr lang="ru-RU" smtClean="0"/>
-              <a:t>14.02.2023</a:t>
+              <a:t>15.02.2023</a:t>
             </a:fld>
             <a:endParaRPr lang="ru-RU"/>
           </a:p>
@@ -418,7 +418,7 @@
           <a:p>
             <a:fld id="{E1C052FF-E99A-454E-9E17-9CB9EA5E51FA}" type="datetimeFigureOut">
               <a:rPr lang="ru-RU" smtClean="0"/>
-              <a:t>14.02.2023</a:t>
+              <a:t>15.02.2023</a:t>
             </a:fld>
             <a:endParaRPr lang="ru-RU"/>
           </a:p>
@@ -598,7 +598,7 @@
           <a:p>
             <a:fld id="{E1C052FF-E99A-454E-9E17-9CB9EA5E51FA}" type="datetimeFigureOut">
               <a:rPr lang="ru-RU" smtClean="0"/>
-              <a:t>14.02.2023</a:t>
+              <a:t>15.02.2023</a:t>
             </a:fld>
             <a:endParaRPr lang="ru-RU"/>
           </a:p>
@@ -768,7 +768,7 @@
           <a:p>
             <a:fld id="{E1C052FF-E99A-454E-9E17-9CB9EA5E51FA}" type="datetimeFigureOut">
               <a:rPr lang="ru-RU" smtClean="0"/>
-              <a:t>14.02.2023</a:t>
+              <a:t>15.02.2023</a:t>
             </a:fld>
             <a:endParaRPr lang="ru-RU"/>
           </a:p>
@@ -1014,7 +1014,7 @@
           <a:p>
             <a:fld id="{E1C052FF-E99A-454E-9E17-9CB9EA5E51FA}" type="datetimeFigureOut">
               <a:rPr lang="ru-RU" smtClean="0"/>
-              <a:t>14.02.2023</a:t>
+              <a:t>15.02.2023</a:t>
             </a:fld>
             <a:endParaRPr lang="ru-RU"/>
           </a:p>
@@ -1246,7 +1246,7 @@
           <a:p>
             <a:fld id="{E1C052FF-E99A-454E-9E17-9CB9EA5E51FA}" type="datetimeFigureOut">
               <a:rPr lang="ru-RU" smtClean="0"/>
-              <a:t>14.02.2023</a:t>
+              <a:t>15.02.2023</a:t>
             </a:fld>
             <a:endParaRPr lang="ru-RU"/>
           </a:p>
@@ -1613,7 +1613,7 @@
           <a:p>
             <a:fld id="{E1C052FF-E99A-454E-9E17-9CB9EA5E51FA}" type="datetimeFigureOut">
               <a:rPr lang="ru-RU" smtClean="0"/>
-              <a:t>14.02.2023</a:t>
+              <a:t>15.02.2023</a:t>
             </a:fld>
             <a:endParaRPr lang="ru-RU"/>
           </a:p>
@@ -1731,7 +1731,7 @@
           <a:p>
             <a:fld id="{E1C052FF-E99A-454E-9E17-9CB9EA5E51FA}" type="datetimeFigureOut">
               <a:rPr lang="ru-RU" smtClean="0"/>
-              <a:t>14.02.2023</a:t>
+              <a:t>15.02.2023</a:t>
             </a:fld>
             <a:endParaRPr lang="ru-RU"/>
           </a:p>
@@ -1826,7 +1826,7 @@
           <a:p>
             <a:fld id="{E1C052FF-E99A-454E-9E17-9CB9EA5E51FA}" type="datetimeFigureOut">
               <a:rPr lang="ru-RU" smtClean="0"/>
-              <a:t>14.02.2023</a:t>
+              <a:t>15.02.2023</a:t>
             </a:fld>
             <a:endParaRPr lang="ru-RU"/>
           </a:p>
@@ -2103,7 +2103,7 @@
           <a:p>
             <a:fld id="{E1C052FF-E99A-454E-9E17-9CB9EA5E51FA}" type="datetimeFigureOut">
               <a:rPr lang="ru-RU" smtClean="0"/>
-              <a:t>14.02.2023</a:t>
+              <a:t>15.02.2023</a:t>
             </a:fld>
             <a:endParaRPr lang="ru-RU"/>
           </a:p>
@@ -2360,7 +2360,7 @@
           <a:p>
             <a:fld id="{E1C052FF-E99A-454E-9E17-9CB9EA5E51FA}" type="datetimeFigureOut">
               <a:rPr lang="ru-RU" smtClean="0"/>
-              <a:t>14.02.2023</a:t>
+              <a:t>15.02.2023</a:t>
             </a:fld>
             <a:endParaRPr lang="ru-RU"/>
           </a:p>
@@ -2573,7 +2573,7 @@
           <a:p>
             <a:fld id="{E1C052FF-E99A-454E-9E17-9CB9EA5E51FA}" type="datetimeFigureOut">
               <a:rPr lang="ru-RU" smtClean="0"/>
-              <a:t>14.02.2023</a:t>
+              <a:t>15.02.2023</a:t>
             </a:fld>
             <a:endParaRPr lang="ru-RU"/>
           </a:p>
@@ -3059,6 +3059,16 @@
               </a:rPr>
               <a:t>Автоматизированная система удаленного управления теплицей</a:t>
             </a:r>
+            <a:r>
+              <a:rPr lang="ru-RU" b="1" i="0" dirty="0">
+                <a:solidFill>
+                  <a:schemeClr val="bg1"/>
+                </a:solidFill>
+                <a:effectLst/>
+                <a:latin typeface="-apple-system"/>
+              </a:rPr>
+              <a:t/>
+            </a:r>
             <a:br>
               <a:rPr lang="ru-RU" b="1" i="0" dirty="0">
                 <a:solidFill>
@@ -3393,13 +3403,8 @@
           <a:p>
             <a:r>
               <a:rPr lang="ru-RU" dirty="0"/>
-              <a:t>Алимов Альберт </a:t>
-            </a:r>
-            <a:r>
-              <a:rPr lang="ru-RU" dirty="0" err="1"/>
-              <a:t>Радикович</a:t>
-            </a:r>
-            <a:endParaRPr lang="ru-RU" dirty="0"/>
+              <a:t>Алимов Альберт Радикович</a:t>
+            </a:r>
           </a:p>
         </p:txBody>
       </p:sp>
@@ -3432,12 +3437,8 @@
           <a:lstStyle/>
           <a:p>
             <a:r>
-              <a:rPr lang="ru-RU" dirty="0" err="1"/>
-              <a:t>Шершина</a:t>
-            </a:r>
-            <a:r>
               <a:rPr lang="ru-RU" dirty="0"/>
-              <a:t> </a:t>
+              <a:t>Шершина </a:t>
             </a:r>
           </a:p>
           <a:p>
@@ -3558,9 +3559,21 @@
   <p:clrMapOvr>
     <a:masterClrMapping/>
   </p:clrMapOvr>
-  <p:transition spd="slow">
-    <p:wipe/>
-  </p:transition>
+  <mc:AlternateContent xmlns:mc="http://schemas.openxmlformats.org/markup-compatibility/2006">
+    <mc:Choice xmlns:p14="http://schemas.microsoft.com/office/powerpoint/2010/main" Requires="p14">
+      <p:transition p14:dur="0"/>
+    </mc:Choice>
+    <mc:Fallback>
+      <p:transition/>
+    </mc:Fallback>
+  </mc:AlternateContent>
+  <p:timing>
+    <p:tnLst>
+      <p:par>
+        <p:cTn id="1" dur="indefinite" restart="never" nodeType="tmRoot"/>
+      </p:par>
+    </p:tnLst>
+  </p:timing>
 </p:sld>
 </file>
 
@@ -3608,18 +3621,18 @@
         </p:nvSpPr>
         <p:spPr>
           <a:xfrm>
-            <a:off x="3052046" y="0"/>
-            <a:ext cx="5796986" cy="530225"/>
+            <a:off x="2986731" y="235765"/>
+            <a:ext cx="6718971" cy="530225"/>
           </a:xfrm>
         </p:spPr>
         <p:txBody>
           <a:bodyPr>
-            <a:normAutofit fontScale="90000"/>
+            <a:noAutofit/>
           </a:bodyPr>
           <a:lstStyle/>
           <a:p>
             <a:r>
-              <a:rPr lang="ru-RU" dirty="0">
+              <a:rPr lang="ru-RU" b="1" dirty="0">
                 <a:solidFill>
                   <a:schemeClr val="bg1"/>
                 </a:solidFill>
@@ -3627,14 +3640,14 @@
               <a:t>Постановка задач и их выполнение</a:t>
             </a:r>
             <a:r>
-              <a:rPr lang="en-US" dirty="0">
+              <a:rPr lang="en-US" b="1" dirty="0">
                 <a:solidFill>
                   <a:schemeClr val="bg1"/>
                 </a:solidFill>
               </a:rPr>
               <a:t>.</a:t>
             </a:r>
-            <a:endParaRPr lang="ru-RU" dirty="0">
+            <a:endParaRPr lang="ru-RU" b="1" dirty="0">
               <a:solidFill>
                 <a:schemeClr val="bg1"/>
               </a:solidFill>
@@ -3654,7 +3667,7 @@
         </p:nvSpPr>
         <p:spPr>
           <a:xfrm>
-            <a:off x="3962400" y="752928"/>
+            <a:off x="4317274" y="1157876"/>
             <a:ext cx="7715037" cy="2582273"/>
           </a:xfrm>
           <a:effectLst>
@@ -3833,8 +3846,8 @@
         </p:nvSpPr>
         <p:spPr>
           <a:xfrm>
-            <a:off x="3839722" y="3557904"/>
-            <a:ext cx="7837715" cy="1477328"/>
+            <a:off x="2986731" y="4132035"/>
+            <a:ext cx="8424786" cy="2677656"/>
           </a:xfrm>
           <a:prstGeom prst="rect">
             <a:avLst/>
@@ -3848,7 +3861,7 @@
           <a:p>
             <a:pPr algn="ctr"/>
             <a:r>
-              <a:rPr lang="ru-RU" b="1" dirty="0">
+              <a:rPr lang="ru-RU" sz="2400" b="1" dirty="0">
                 <a:solidFill>
                   <a:schemeClr val="bg1"/>
                 </a:solidFill>
@@ -3857,121 +3870,110 @@
             </a:r>
           </a:p>
           <a:p>
-            <a:pPr algn="ctr"/>
-            <a:r>
-              <a:rPr lang="ru-RU" i="1" dirty="0">
+            <a:r>
+              <a:rPr lang="ru-RU" sz="2400" i="1" dirty="0" smtClean="0">
                 <a:solidFill>
                   <a:schemeClr val="bg1"/>
                 </a:solidFill>
               </a:rPr>
-              <a:t>Воронов Никита Рустамович </a:t>
-            </a:r>
-            <a:r>
-              <a:rPr lang="ru-RU" dirty="0">
+              <a:t>Воронов </a:t>
+            </a:r>
+            <a:r>
+              <a:rPr lang="ru-RU" sz="2400" i="1" dirty="0">
                 <a:solidFill>
                   <a:schemeClr val="bg1"/>
                 </a:solidFill>
               </a:rPr>
-              <a:t>– разработка мобильного приложения</a:t>
-            </a:r>
-            <a:r>
-              <a:rPr lang="en-US" dirty="0">
+              <a:t>Никита Рустамович </a:t>
+            </a:r>
+            <a:r>
+              <a:rPr lang="ru-RU" sz="2400" dirty="0">
                 <a:solidFill>
                   <a:schemeClr val="bg1"/>
                 </a:solidFill>
               </a:rPr>
+              <a:t>– разработка мобильного приложения</a:t>
+            </a:r>
+            <a:r>
+              <a:rPr lang="en-US" sz="2400" dirty="0">
+                <a:solidFill>
+                  <a:schemeClr val="bg1"/>
+                </a:solidFill>
+              </a:rPr>
               <a:t>.</a:t>
             </a:r>
-            <a:endParaRPr lang="ru-RU" dirty="0">
+            <a:endParaRPr lang="ru-RU" sz="2400" dirty="0">
               <a:solidFill>
                 <a:schemeClr val="bg1"/>
               </a:solidFill>
             </a:endParaRPr>
           </a:p>
           <a:p>
-            <a:pPr algn="ctr"/>
-            <a:r>
-              <a:rPr lang="ru-RU" i="1" dirty="0">
+            <a:r>
+              <a:rPr lang="ru-RU" sz="2400" i="1" dirty="0">
                 <a:solidFill>
                   <a:schemeClr val="bg1"/>
                 </a:solidFill>
               </a:rPr>
-              <a:t>Мандрыка Арина Юрьевна, </a:t>
-            </a:r>
-            <a:r>
-              <a:rPr lang="ru-RU" i="1" dirty="0" err="1">
+              <a:t>Мандрыка Арина Юрьевна, Шершина Анна Исаевна</a:t>
+            </a:r>
+            <a:r>
+              <a:rPr lang="ru-RU" sz="2400" i="1" u="sng" dirty="0">
                 <a:solidFill>
                   <a:schemeClr val="bg1"/>
                 </a:solidFill>
               </a:rPr>
-              <a:t>Шершина</a:t>
-            </a:r>
-            <a:r>
-              <a:rPr lang="ru-RU" i="1" dirty="0">
+              <a:t> </a:t>
+            </a:r>
+            <a:r>
+              <a:rPr lang="ru-RU" sz="2400" dirty="0">
                 <a:solidFill>
                   <a:schemeClr val="bg1"/>
                 </a:solidFill>
               </a:rPr>
-              <a:t> Анна Исаевна </a:t>
-            </a:r>
-            <a:r>
-              <a:rPr lang="ru-RU" dirty="0">
+              <a:t>- Создание веб – сайта</a:t>
+            </a:r>
+            <a:r>
+              <a:rPr lang="en-US" sz="2400" dirty="0">
                 <a:solidFill>
                   <a:schemeClr val="bg1"/>
                 </a:solidFill>
               </a:rPr>
-              <a:t>- Создание веб – сайта</a:t>
-            </a:r>
-            <a:r>
-              <a:rPr lang="en-US" dirty="0">
-                <a:solidFill>
-                  <a:schemeClr val="bg1"/>
-                </a:solidFill>
-              </a:rPr>
               <a:t>.</a:t>
             </a:r>
-            <a:endParaRPr lang="ru-RU" dirty="0">
+            <a:endParaRPr lang="ru-RU" sz="2400" dirty="0">
               <a:solidFill>
                 <a:schemeClr val="bg1"/>
               </a:solidFill>
             </a:endParaRPr>
           </a:p>
           <a:p>
-            <a:pPr algn="ctr"/>
-            <a:r>
-              <a:rPr lang="ru-RU" i="1" dirty="0">
+            <a:r>
+              <a:rPr lang="ru-RU" sz="2400" i="1" dirty="0">
                 <a:solidFill>
                   <a:schemeClr val="bg1"/>
                 </a:solidFill>
               </a:rPr>
-              <a:t>Алимов Альберт </a:t>
-            </a:r>
-            <a:r>
-              <a:rPr lang="ru-RU" i="1" dirty="0" err="1">
+              <a:t>Алимов Альберт Радикович, Донченко Дмитрий Антонович</a:t>
+            </a:r>
+            <a:r>
+              <a:rPr lang="ru-RU" sz="2400" i="1" u="sng" dirty="0">
                 <a:solidFill>
                   <a:schemeClr val="bg1"/>
                 </a:solidFill>
               </a:rPr>
-              <a:t>Радикович</a:t>
-            </a:r>
-            <a:r>
-              <a:rPr lang="ru-RU" i="1" dirty="0">
+              <a:t> </a:t>
+            </a:r>
+            <a:r>
+              <a:rPr lang="ru-RU" sz="2400" dirty="0">
                 <a:solidFill>
                   <a:schemeClr val="bg1"/>
                 </a:solidFill>
               </a:rPr>
-              <a:t>, Донченко Дмитрий Антонович </a:t>
-            </a:r>
-            <a:r>
-              <a:rPr lang="ru-RU" dirty="0">
-                <a:solidFill>
-                  <a:schemeClr val="bg1"/>
-                </a:solidFill>
-              </a:rPr>
               <a:t>– написание и реализация презентации с документацией</a:t>
             </a:r>
             <a:r>
-              <a:rPr lang="ru-RU" dirty="0"/>
+              <a:rPr lang="ru-RU" sz="2400" dirty="0"/>
               <a:t>.</a:t>
             </a:r>
           </a:p>
@@ -3987,18 +3989,16 @@
   <p:clrMapOvr>
     <a:masterClrMapping/>
   </p:clrMapOvr>
-  <mc:AlternateContent xmlns:mc="http://schemas.openxmlformats.org/markup-compatibility/2006" xmlns:p14="http://schemas.microsoft.com/office/powerpoint/2010/main">
-    <mc:Choice Requires="p14">
-      <p:transition spd="slow" p14:dur="1500">
-        <p:split orient="vert"/>
-      </p:transition>
-    </mc:Choice>
-    <mc:Fallback xmlns="">
-      <p:transition spd="slow">
-        <p:split orient="vert"/>
-      </p:transition>
-    </mc:Fallback>
-  </mc:AlternateContent>
+  <p:transition>
+    <p:split orient="vert"/>
+  </p:transition>
+  <p:timing>
+    <p:tnLst>
+      <p:par>
+        <p:cTn id="1" dur="indefinite" restart="never" nodeType="tmRoot"/>
+      </p:par>
+    </p:tnLst>
+  </p:timing>
 </p:sld>
 </file>
 
@@ -4009,7 +4009,7 @@
       <p:bgPr>
         <a:gradFill>
           <a:gsLst>
-            <a:gs pos="11000">
+            <a:gs pos="21000">
               <a:srgbClr val="0E7330"/>
             </a:gs>
             <a:gs pos="4000">
@@ -4053,8 +4053,8 @@
         </p:nvSpPr>
         <p:spPr>
           <a:xfrm>
-            <a:off x="714067" y="0"/>
-            <a:ext cx="10763865" cy="978729"/>
+            <a:off x="714067" y="33887"/>
+            <a:ext cx="10763865" cy="1089529"/>
           </a:xfrm>
           <a:prstGeom prst="rect">
             <a:avLst/>
@@ -4069,7 +4069,7 @@
           <a:p>
             <a:pPr algn="ctr"/>
             <a:r>
-              <a:rPr lang="ru-RU" sz="3200" b="1" dirty="0"/>
+              <a:rPr lang="ru-RU" sz="3600" b="1" dirty="0"/>
               <a:t>Обоснование выбора языка программирования и используемых программных средств</a:t>
             </a:r>
           </a:p>
@@ -4125,9 +4125,6 @@
           <a:p>
             <a:r>
               <a:rPr lang="ru-RU" b="0" i="0" dirty="0">
-                <a:solidFill>
-                  <a:srgbClr val="000000"/>
-                </a:solidFill>
                 <a:effectLst/>
                 <a:latin typeface="Arial" panose="020B0604020202020204" pitchFamily="34" charset="0"/>
               </a:rPr>
@@ -4135,9 +4132,6 @@
             </a:r>
             <a:r>
               <a:rPr lang="en-US" b="0" i="0" dirty="0">
-                <a:solidFill>
-                  <a:srgbClr val="000000"/>
-                </a:solidFill>
                 <a:effectLst/>
                 <a:latin typeface="Arial" panose="020B0604020202020204" pitchFamily="34" charset="0"/>
               </a:rPr>
@@ -4145,9 +4139,6 @@
             </a:r>
             <a:r>
               <a:rPr lang="ru-RU" b="0" i="0" dirty="0">
-                <a:solidFill>
-                  <a:srgbClr val="000000"/>
-                </a:solidFill>
                 <a:effectLst/>
                 <a:latin typeface="Arial" panose="020B0604020202020204" pitchFamily="34" charset="0"/>
               </a:rPr>
@@ -4156,7 +4147,7 @@
           </a:p>
           <a:p>
             <a:r>
-              <a:rPr lang="ru-RU" dirty="0" err="1"/>
+              <a:rPr lang="ru-RU" b="1" i="1" dirty="0" err="1"/>
               <a:t>Kivy</a:t>
             </a:r>
             <a:r>
@@ -4164,19 +4155,19 @@
               <a:t> — это библиотека </a:t>
             </a:r>
             <a:r>
+              <a:rPr lang="ru-RU" b="1" i="1" dirty="0" err="1"/>
+              <a:t>Python</a:t>
+            </a:r>
+            <a:r>
+              <a:rPr lang="ru-RU" dirty="0"/>
+              <a:t>, имеющая открытый код, предназначенная для разработки кроссплатформенных GUI приложений. Она позволяет писать вам приложения с графическим интерфейсом на чистом </a:t>
+            </a:r>
+            <a:r>
               <a:rPr lang="ru-RU" dirty="0" err="1"/>
               <a:t>Python</a:t>
             </a:r>
             <a:r>
               <a:rPr lang="ru-RU" dirty="0"/>
-              <a:t>, имеющая открытый код, предназначенная для разработки кроссплатформенных GUI приложений. Она позволяет писать вам приложения с графическим интерфейсом на чистом </a:t>
-            </a:r>
-            <a:r>
-              <a:rPr lang="ru-RU" dirty="0" err="1"/>
-              <a:t>Python</a:t>
-            </a:r>
-            <a:r>
-              <a:rPr lang="ru-RU" dirty="0"/>
               <a:t>, которые работают на основных платформах (</a:t>
             </a:r>
             <a:r>
@@ -4212,9 +4203,6 @@
               <a:t>, IOS)</a:t>
             </a:r>
             <a:endParaRPr lang="en-US" b="0" i="0" dirty="0">
-              <a:solidFill>
-                <a:srgbClr val="000000"/>
-              </a:solidFill>
               <a:effectLst/>
               <a:latin typeface="Arial" panose="020B0604020202020204" pitchFamily="34" charset="0"/>
             </a:endParaRPr>
@@ -4222,19 +4210,13 @@
           <a:p>
             <a:r>
               <a:rPr lang="ru-RU" b="0" i="0" dirty="0">
-                <a:solidFill>
-                  <a:srgbClr val="000000"/>
-                </a:solidFill>
                 <a:effectLst/>
                 <a:latin typeface="Arial" panose="020B0604020202020204" pitchFamily="34" charset="0"/>
               </a:rPr>
               <a:t>Фреймворк </a:t>
             </a:r>
             <a:r>
-              <a:rPr lang="ru-RU" b="0" i="0" dirty="0" err="1">
-                <a:solidFill>
-                  <a:srgbClr val="000000"/>
-                </a:solidFill>
+              <a:rPr lang="ru-RU" b="1" i="1" dirty="0" err="1">
                 <a:effectLst/>
                 <a:latin typeface="Arial" panose="020B0604020202020204" pitchFamily="34" charset="0"/>
               </a:rPr>
@@ -4242,9 +4224,6 @@
             </a:r>
             <a:r>
               <a:rPr lang="ru-RU" b="0" i="0" dirty="0">
-                <a:solidFill>
-                  <a:srgbClr val="000000"/>
-                </a:solidFill>
                 <a:effectLst/>
                 <a:latin typeface="Arial" panose="020B0604020202020204" pitchFamily="34" charset="0"/>
               </a:rPr>
@@ -4252,9 +4231,6 @@
             </a:r>
             <a:r>
               <a:rPr lang="ru-RU" b="0" i="0" dirty="0" err="1">
-                <a:solidFill>
-                  <a:srgbClr val="000000"/>
-                </a:solidFill>
                 <a:effectLst/>
                 <a:latin typeface="Arial" panose="020B0604020202020204" pitchFamily="34" charset="0"/>
               </a:rPr>
@@ -4262,9 +4238,6 @@
             </a:r>
             <a:r>
               <a:rPr lang="ru-RU" b="0" i="0" dirty="0">
-                <a:solidFill>
-                  <a:srgbClr val="000000"/>
-                </a:solidFill>
                 <a:effectLst/>
                 <a:latin typeface="Arial" panose="020B0604020202020204" pitchFamily="34" charset="0"/>
               </a:rPr>
@@ -4272,9 +4245,6 @@
             </a:r>
             <a:r>
               <a:rPr lang="en-US" b="0" i="0" dirty="0">
-                <a:solidFill>
-                  <a:srgbClr val="000000"/>
-                </a:solidFill>
                 <a:effectLst/>
                 <a:latin typeface="Arial" panose="020B0604020202020204" pitchFamily="34" charset="0"/>
               </a:rPr>
@@ -4282,19 +4252,13 @@
             </a:r>
             <a:r>
               <a:rPr lang="ru-RU" b="0" i="0" dirty="0">
-                <a:solidFill>
-                  <a:srgbClr val="000000"/>
-                </a:solidFill>
                 <a:effectLst/>
                 <a:latin typeface="Arial" panose="020B0604020202020204" pitchFamily="34" charset="0"/>
               </a:rPr>
               <a:t>Если сравнивать </a:t>
             </a:r>
             <a:r>
-              <a:rPr lang="ru-RU" b="0" i="0" dirty="0" err="1">
-                <a:solidFill>
-                  <a:srgbClr val="000000"/>
-                </a:solidFill>
+              <a:rPr lang="ru-RU" b="1" i="1" dirty="0" err="1">
                 <a:effectLst/>
                 <a:latin typeface="Arial" panose="020B0604020202020204" pitchFamily="34" charset="0"/>
               </a:rPr>
@@ -4302,19 +4266,13 @@
             </a:r>
             <a:r>
               <a:rPr lang="ru-RU" b="0" i="0" dirty="0">
-                <a:solidFill>
-                  <a:srgbClr val="000000"/>
-                </a:solidFill>
                 <a:effectLst/>
                 <a:latin typeface="Arial" panose="020B0604020202020204" pitchFamily="34" charset="0"/>
               </a:rPr>
               <a:t> с другими библиотеками языка Питон по набору функций, то среди крупных конкурентов можно выделить </a:t>
             </a:r>
             <a:r>
-              <a:rPr lang="ru-RU" b="0" i="0" dirty="0" err="1">
-                <a:solidFill>
-                  <a:srgbClr val="000000"/>
-                </a:solidFill>
+              <a:rPr lang="ru-RU" b="1" i="1" dirty="0" err="1">
                 <a:effectLst/>
                 <a:latin typeface="Arial" panose="020B0604020202020204" pitchFamily="34" charset="0"/>
               </a:rPr>
@@ -4322,9 +4280,6 @@
             </a:r>
             <a:r>
               <a:rPr lang="ru-RU" b="0" i="0" dirty="0">
-                <a:solidFill>
-                  <a:srgbClr val="000000"/>
-                </a:solidFill>
                 <a:effectLst/>
                 <a:latin typeface="Arial" panose="020B0604020202020204" pitchFamily="34" charset="0"/>
               </a:rPr>
@@ -4349,7 +4304,7 @@
         </p:blipFill>
         <p:spPr>
           <a:xfrm>
-            <a:off x="6095999" y="978729"/>
+            <a:off x="6262777" y="887289"/>
             <a:ext cx="5662074" cy="5662074"/>
           </a:xfrm>
           <a:prstGeom prst="rect">
@@ -4367,18 +4322,25 @@
   <p:clrMapOvr>
     <a:masterClrMapping/>
   </p:clrMapOvr>
-  <mc:AlternateContent xmlns:mc="http://schemas.openxmlformats.org/markup-compatibility/2006" xmlns:p14="http://schemas.microsoft.com/office/powerpoint/2010/main">
-    <mc:Choice Requires="p14">
-      <p:transition spd="slow" p14:dur="3400">
+  <mc:AlternateContent xmlns:mc="http://schemas.openxmlformats.org/markup-compatibility/2006">
+    <mc:Choice xmlns:p14="http://schemas.microsoft.com/office/powerpoint/2010/main" Requires="p14">
+      <p:transition spd="slow">
         <p14:reveal/>
       </p:transition>
     </mc:Choice>
-    <mc:Fallback xmlns="">
+    <mc:Fallback>
       <p:transition spd="slow">
         <p:fade/>
       </p:transition>
     </mc:Fallback>
   </mc:AlternateContent>
+  <p:timing>
+    <p:tnLst>
+      <p:par>
+        <p:cTn id="1" dur="indefinite" restart="never" nodeType="tmRoot"/>
+      </p:par>
+    </p:tnLst>
+  </p:timing>
 </p:sld>
 </file>
 
@@ -4389,14 +4351,19 @@
       <p:bgPr>
         <a:gradFill flip="none" rotWithShape="1">
           <a:gsLst>
-            <a:gs pos="27000">
-              <a:srgbClr val="0E7330"/>
+            <a:gs pos="22000">
+              <a:schemeClr val="accent2">
+                <a:lumMod val="50000"/>
+              </a:schemeClr>
             </a:gs>
             <a:gs pos="29000">
-              <a:schemeClr val="tx1"/>
+              <a:schemeClr val="accent2">
+                <a:lumMod val="60000"/>
+                <a:lumOff val="40000"/>
+              </a:schemeClr>
             </a:gs>
-            <a:gs pos="32000">
-              <a:schemeClr val="bg1"/>
+            <a:gs pos="44000">
+              <a:schemeClr val="accent2"/>
             </a:gs>
             <a:gs pos="100000">
               <a:schemeClr val="bg1"/>
@@ -4440,16 +4407,18 @@
         </p:nvSpPr>
         <p:spPr>
           <a:xfrm>
-            <a:off x="2950458" y="1"/>
-            <a:ext cx="6277588" cy="1000664"/>
-          </a:xfrm>
-        </p:spPr>
-        <p:txBody>
-          <a:bodyPr/>
-          <a:lstStyle/>
-          <a:p>
-            <a:r>
-              <a:rPr lang="ru-RU" dirty="0"/>
+            <a:off x="3095614" y="0"/>
+            <a:ext cx="6945710" cy="1000664"/>
+          </a:xfrm>
+        </p:spPr>
+        <p:txBody>
+          <a:bodyPr>
+            <a:noAutofit/>
+          </a:bodyPr>
+          <a:lstStyle/>
+          <a:p>
+            <a:r>
+              <a:rPr lang="ru-RU" sz="4800" b="1" u="sng" dirty="0"/>
               <a:t>Мобильное приложение</a:t>
             </a:r>
           </a:p>
@@ -4485,8 +4454,8 @@
         </p:blipFill>
         <p:spPr>
           <a:xfrm>
-            <a:off x="8496796" y="999015"/>
-            <a:ext cx="3695204" cy="5857336"/>
+            <a:off x="8193722" y="1000663"/>
+            <a:ext cx="3695204" cy="5620689"/>
           </a:xfrm>
         </p:spPr>
       </p:pic>
@@ -4520,8 +4489,8 @@
         </p:blipFill>
         <p:spPr>
           <a:xfrm>
-            <a:off x="0" y="999016"/>
-            <a:ext cx="3392129" cy="5858984"/>
+            <a:off x="289578" y="1000663"/>
+            <a:ext cx="3392129" cy="5650860"/>
           </a:xfrm>
         </p:spPr>
       </p:pic>
@@ -4539,8 +4508,8 @@
         </p:nvSpPr>
         <p:spPr>
           <a:xfrm>
-            <a:off x="4221633" y="1504743"/>
-            <a:ext cx="3735237" cy="2862322"/>
+            <a:off x="4221633" y="1000665"/>
+            <a:ext cx="3735237" cy="3477875"/>
           </a:xfrm>
           <a:prstGeom prst="rect">
             <a:avLst/>
@@ -4553,20 +4522,21 @@
           </a:bodyPr>
           <a:lstStyle/>
           <a:p>
-            <a:r>
-              <a:rPr lang="ru-RU" dirty="0"/>
+            <a:pPr algn="ctr"/>
+            <a:r>
+              <a:rPr lang="ru-RU" sz="2000" dirty="0" smtClean="0"/>
               <a:t>На этом слайде наглядно отображено техническое задание к нашему проекту</a:t>
             </a:r>
             <a:r>
-              <a:rPr lang="en-US" dirty="0"/>
+              <a:rPr lang="en-US" sz="2000" dirty="0" smtClean="0"/>
               <a:t>. </a:t>
             </a:r>
             <a:r>
-              <a:rPr lang="ru-RU" dirty="0"/>
+              <a:rPr lang="ru-RU" sz="2000" dirty="0" smtClean="0"/>
               <a:t>Меню мобильного приложение которое было разработано через </a:t>
             </a:r>
             <a:r>
-              <a:rPr lang="en-US" i="1" u="sng" dirty="0" err="1">
+              <a:rPr lang="en-US" sz="2000" i="1" u="sng" dirty="0" err="1" smtClean="0">
                 <a:effectLst>
                   <a:outerShdw blurRad="38100" dist="38100" dir="2700000" algn="tl">
                     <a:srgbClr val="000000">
@@ -4578,7 +4548,7 @@
               <a:t>kivy</a:t>
             </a:r>
             <a:r>
-              <a:rPr lang="en-US" i="1" u="sng" dirty="0">
+              <a:rPr lang="en-US" sz="2000" i="1" u="sng" dirty="0" smtClean="0">
                 <a:effectLst>
                   <a:outerShdw blurRad="38100" dist="38100" dir="2700000" algn="tl">
                     <a:srgbClr val="000000">
@@ -4590,26 +4560,26 @@
               <a:t> python</a:t>
             </a:r>
             <a:r>
-              <a:rPr lang="en-US" dirty="0"/>
+              <a:rPr lang="en-US" sz="2000" dirty="0" smtClean="0"/>
               <a:t>. </a:t>
             </a:r>
             <a:r>
-              <a:rPr lang="ru-RU" dirty="0"/>
+              <a:rPr lang="ru-RU" sz="2000" dirty="0" smtClean="0"/>
               <a:t>И чтобы оно было удобно для всех возрастов</a:t>
             </a:r>
             <a:r>
-              <a:rPr lang="en-US" dirty="0"/>
+              <a:rPr lang="en-US" sz="2000" dirty="0" smtClean="0"/>
               <a:t>, </a:t>
             </a:r>
             <a:r>
-              <a:rPr lang="ru-RU" dirty="0"/>
+              <a:rPr lang="ru-RU" sz="2000" dirty="0" smtClean="0"/>
               <a:t>было принято решение сделать его довольно простым для использования и добавить большой функционал</a:t>
             </a:r>
             <a:r>
-              <a:rPr lang="en-US" dirty="0"/>
+              <a:rPr lang="en-US" sz="2000" dirty="0" smtClean="0"/>
               <a:t>.</a:t>
             </a:r>
-            <a:endParaRPr lang="ru-RU" i="1" u="sng" dirty="0">
+            <a:endParaRPr lang="ru-RU" sz="2000" i="1" u="sng" dirty="0">
               <a:effectLst>
                 <a:outerShdw blurRad="38100" dist="38100" dir="2700000" algn="tl">
                   <a:srgbClr val="000000">
@@ -4631,18 +4601,25 @@
   <p:clrMapOvr>
     <a:masterClrMapping/>
   </p:clrMapOvr>
-  <mc:AlternateContent xmlns:mc="http://schemas.openxmlformats.org/markup-compatibility/2006" xmlns:p14="http://schemas.microsoft.com/office/powerpoint/2010/main">
-    <mc:Choice Requires="p14">
-      <p:transition spd="slow" p14:dur="3900">
+  <mc:AlternateContent xmlns:mc="http://schemas.openxmlformats.org/markup-compatibility/2006">
+    <mc:Choice xmlns:p14="http://schemas.microsoft.com/office/powerpoint/2010/main" Requires="p14">
+      <p:transition spd="slow" p14:dur="1250">
         <p14:glitter pattern="hexagon"/>
       </p:transition>
     </mc:Choice>
-    <mc:Fallback xmlns="">
+    <mc:Fallback>
       <p:transition spd="slow">
         <p:fade/>
       </p:transition>
     </mc:Fallback>
   </mc:AlternateContent>
+  <p:timing>
+    <p:tnLst>
+      <p:par>
+        <p:cTn id="1" dur="indefinite" restart="never" nodeType="tmRoot"/>
+      </p:par>
+    </p:tnLst>
+  </p:timing>
 </p:sld>
 </file>
 
@@ -4701,6 +4678,51 @@
       </p:pic>
       <p:sp>
         <p:nvSpPr>
+          <p:cNvPr id="3" name="Прямоугольник 2"/>
+          <p:cNvSpPr/>
+          <p:nvPr/>
+        </p:nvSpPr>
+        <p:spPr>
+          <a:xfrm>
+            <a:off x="147484" y="367046"/>
+            <a:ext cx="11857703" cy="1504331"/>
+          </a:xfrm>
+          <a:prstGeom prst="rect">
+            <a:avLst/>
+          </a:prstGeom>
+          <a:solidFill>
+            <a:srgbClr val="92D050">
+              <a:alpha val="66000"/>
+            </a:srgbClr>
+          </a:solidFill>
+        </p:spPr>
+        <p:style>
+          <a:lnRef idx="2">
+            <a:schemeClr val="accent1">
+              <a:shade val="50000"/>
+            </a:schemeClr>
+          </a:lnRef>
+          <a:fillRef idx="1">
+            <a:schemeClr val="accent1"/>
+          </a:fillRef>
+          <a:effectRef idx="0">
+            <a:schemeClr val="accent1"/>
+          </a:effectRef>
+          <a:fontRef idx="minor">
+            <a:schemeClr val="lt1"/>
+          </a:fontRef>
+        </p:style>
+        <p:txBody>
+          <a:bodyPr rtlCol="0" anchor="ctr"/>
+          <a:lstStyle/>
+          <a:p>
+            <a:pPr algn="ctr"/>
+            <a:endParaRPr lang="ru-RU"/>
+          </a:p>
+        </p:txBody>
+      </p:sp>
+      <p:sp>
+        <p:nvSpPr>
           <p:cNvPr id="2" name="Заголовок 1">
             <a:extLst>
               <a:ext uri="{FF2B5EF4-FFF2-40B4-BE49-F238E27FC236}">
@@ -4717,7 +4739,7 @@
         </p:nvSpPr>
         <p:spPr>
           <a:xfrm>
-            <a:off x="5135611" y="310552"/>
+            <a:off x="5135610" y="449413"/>
             <a:ext cx="1920778" cy="448574"/>
           </a:xfrm>
         </p:spPr>
@@ -4752,7 +4774,7 @@
         </p:nvSpPr>
         <p:spPr>
           <a:xfrm>
-            <a:off x="0" y="759126"/>
+            <a:off x="147484" y="810329"/>
             <a:ext cx="12191999" cy="1061048"/>
           </a:xfrm>
         </p:spPr>
@@ -4765,7 +4787,15 @@
             <a:pPr algn="ctr"/>
             <a:r>
               <a:rPr lang="ru-RU" dirty="0"/>
-              <a:t>Помимо приложения мы решили создать веб-сайт, с помощью которого каждый сможет скачать наше приложение, узнать как его скачивать и как им пользоваться. А также мы разместили информацию о том</a:t>
+              <a:t>Помимо приложения мы решили </a:t>
+            </a:r>
+            <a:r>
+              <a:rPr lang="ru-RU" dirty="0" smtClean="0"/>
+              <a:t>создать веб-сайт</a:t>
+            </a:r>
+            <a:r>
+              <a:rPr lang="ru-RU" dirty="0"/>
+              <a:t>, с помощью которого каждый сможет скачать наше приложение, узнать как его скачивать и как им пользоваться. А также мы разместили информацию о том</a:t>
             </a:r>
             <a:r>
               <a:rPr lang="en-US" dirty="0"/>
@@ -4805,18 +4835,25 @@
   <p:clrMapOvr>
     <a:masterClrMapping/>
   </p:clrMapOvr>
-  <mc:AlternateContent xmlns:mc="http://schemas.openxmlformats.org/markup-compatibility/2006" xmlns:p14="http://schemas.microsoft.com/office/powerpoint/2010/main">
-    <mc:Choice Requires="p14">
-      <p:transition spd="slow" p14:dur="1250">
+  <mc:AlternateContent xmlns:mc="http://schemas.openxmlformats.org/markup-compatibility/2006">
+    <mc:Choice xmlns:p14="http://schemas.microsoft.com/office/powerpoint/2010/main" Requires="p14">
+      <p:transition spd="slow">
         <p14:flip dir="r"/>
       </p:transition>
     </mc:Choice>
-    <mc:Fallback xmlns="">
+    <mc:Fallback>
       <p:transition spd="slow">
         <p:fade/>
       </p:transition>
     </mc:Fallback>
   </mc:AlternateContent>
+  <p:timing>
+    <p:tnLst>
+      <p:par>
+        <p:cTn id="1" dur="indefinite" restart="never" nodeType="tmRoot"/>
+      </p:par>
+    </p:tnLst>
+  </p:timing>
 </p:sld>
 </file>
 
@@ -4950,7 +4987,7 @@
         </p:blipFill>
         <p:spPr>
           <a:xfrm>
-            <a:off x="8808821" y="4899170"/>
+            <a:off x="9321261" y="5473936"/>
             <a:ext cx="2477167" cy="1257125"/>
           </a:xfrm>
           <a:prstGeom prst="rect">
@@ -4968,18 +5005,25 @@
   <p:clrMapOvr>
     <a:masterClrMapping/>
   </p:clrMapOvr>
-  <mc:AlternateContent xmlns:mc="http://schemas.openxmlformats.org/markup-compatibility/2006" xmlns:p15="http://schemas.microsoft.com/office/powerpoint/2012/main">
-    <mc:Choice Requires="p15">
-      <p:transition xmlns:p14="http://schemas.microsoft.com/office/powerpoint/2010/main" spd="slow" p14:dur="1250">
+  <mc:AlternateContent xmlns:mc="http://schemas.openxmlformats.org/markup-compatibility/2006">
+    <mc:Choice xmlns:p15="http://schemas.microsoft.com/office/powerpoint/2012/main" Requires="p15">
+      <p:transition>
         <p15:prstTrans prst="peelOff"/>
       </p:transition>
     </mc:Choice>
-    <mc:Fallback xmlns="">
-      <p:transition spd="slow">
+    <mc:Fallback>
+      <p:transition>
         <p:fade/>
       </p:transition>
     </mc:Fallback>
   </mc:AlternateContent>
+  <p:timing>
+    <p:tnLst>
+      <p:par>
+        <p:cTn id="1" dur="indefinite" restart="never" nodeType="tmRoot"/>
+      </p:par>
+    </p:tnLst>
+  </p:timing>
 </p:sld>
 </file>
 

--- a/документация и презентация/Автоматизированная система удаленного управления теплицей.pptx
+++ b/документация и презентация/Автоматизированная система удаленного управления теплицей.pptx
@@ -248,7 +248,7 @@
           <a:p>
             <a:fld id="{E1C052FF-E99A-454E-9E17-9CB9EA5E51FA}" type="datetimeFigureOut">
               <a:rPr lang="ru-RU" smtClean="0"/>
-              <a:t>15.02.2023</a:t>
+              <a:t>чт 16.02.23</a:t>
             </a:fld>
             <a:endParaRPr lang="ru-RU"/>
           </a:p>
@@ -418,7 +418,7 @@
           <a:p>
             <a:fld id="{E1C052FF-E99A-454E-9E17-9CB9EA5E51FA}" type="datetimeFigureOut">
               <a:rPr lang="ru-RU" smtClean="0"/>
-              <a:t>15.02.2023</a:t>
+              <a:t>чт 16.02.23</a:t>
             </a:fld>
             <a:endParaRPr lang="ru-RU"/>
           </a:p>
@@ -598,7 +598,7 @@
           <a:p>
             <a:fld id="{E1C052FF-E99A-454E-9E17-9CB9EA5E51FA}" type="datetimeFigureOut">
               <a:rPr lang="ru-RU" smtClean="0"/>
-              <a:t>15.02.2023</a:t>
+              <a:t>чт 16.02.23</a:t>
             </a:fld>
             <a:endParaRPr lang="ru-RU"/>
           </a:p>
@@ -768,7 +768,7 @@
           <a:p>
             <a:fld id="{E1C052FF-E99A-454E-9E17-9CB9EA5E51FA}" type="datetimeFigureOut">
               <a:rPr lang="ru-RU" smtClean="0"/>
-              <a:t>15.02.2023</a:t>
+              <a:t>чт 16.02.23</a:t>
             </a:fld>
             <a:endParaRPr lang="ru-RU"/>
           </a:p>
@@ -1014,7 +1014,7 @@
           <a:p>
             <a:fld id="{E1C052FF-E99A-454E-9E17-9CB9EA5E51FA}" type="datetimeFigureOut">
               <a:rPr lang="ru-RU" smtClean="0"/>
-              <a:t>15.02.2023</a:t>
+              <a:t>чт 16.02.23</a:t>
             </a:fld>
             <a:endParaRPr lang="ru-RU"/>
           </a:p>
@@ -1246,7 +1246,7 @@
           <a:p>
             <a:fld id="{E1C052FF-E99A-454E-9E17-9CB9EA5E51FA}" type="datetimeFigureOut">
               <a:rPr lang="ru-RU" smtClean="0"/>
-              <a:t>15.02.2023</a:t>
+              <a:t>чт 16.02.23</a:t>
             </a:fld>
             <a:endParaRPr lang="ru-RU"/>
           </a:p>
@@ -1613,7 +1613,7 @@
           <a:p>
             <a:fld id="{E1C052FF-E99A-454E-9E17-9CB9EA5E51FA}" type="datetimeFigureOut">
               <a:rPr lang="ru-RU" smtClean="0"/>
-              <a:t>15.02.2023</a:t>
+              <a:t>чт 16.02.23</a:t>
             </a:fld>
             <a:endParaRPr lang="ru-RU"/>
           </a:p>
@@ -1731,7 +1731,7 @@
           <a:p>
             <a:fld id="{E1C052FF-E99A-454E-9E17-9CB9EA5E51FA}" type="datetimeFigureOut">
               <a:rPr lang="ru-RU" smtClean="0"/>
-              <a:t>15.02.2023</a:t>
+              <a:t>чт 16.02.23</a:t>
             </a:fld>
             <a:endParaRPr lang="ru-RU"/>
           </a:p>
@@ -1826,7 +1826,7 @@
           <a:p>
             <a:fld id="{E1C052FF-E99A-454E-9E17-9CB9EA5E51FA}" type="datetimeFigureOut">
               <a:rPr lang="ru-RU" smtClean="0"/>
-              <a:t>15.02.2023</a:t>
+              <a:t>чт 16.02.23</a:t>
             </a:fld>
             <a:endParaRPr lang="ru-RU"/>
           </a:p>
@@ -2103,7 +2103,7 @@
           <a:p>
             <a:fld id="{E1C052FF-E99A-454E-9E17-9CB9EA5E51FA}" type="datetimeFigureOut">
               <a:rPr lang="ru-RU" smtClean="0"/>
-              <a:t>15.02.2023</a:t>
+              <a:t>чт 16.02.23</a:t>
             </a:fld>
             <a:endParaRPr lang="ru-RU"/>
           </a:p>
@@ -2360,7 +2360,7 @@
           <a:p>
             <a:fld id="{E1C052FF-E99A-454E-9E17-9CB9EA5E51FA}" type="datetimeFigureOut">
               <a:rPr lang="ru-RU" smtClean="0"/>
-              <a:t>15.02.2023</a:t>
+              <a:t>чт 16.02.23</a:t>
             </a:fld>
             <a:endParaRPr lang="ru-RU"/>
           </a:p>
@@ -2573,7 +2573,7 @@
           <a:p>
             <a:fld id="{E1C052FF-E99A-454E-9E17-9CB9EA5E51FA}" type="datetimeFigureOut">
               <a:rPr lang="ru-RU" smtClean="0"/>
-              <a:t>15.02.2023</a:t>
+              <a:t>чт 16.02.23</a:t>
             </a:fld>
             <a:endParaRPr lang="ru-RU"/>
           </a:p>
@@ -3059,16 +3059,6 @@
               </a:rPr>
               <a:t>Автоматизированная система удаленного управления теплицей</a:t>
             </a:r>
-            <a:r>
-              <a:rPr lang="ru-RU" b="1" i="0" dirty="0">
-                <a:solidFill>
-                  <a:schemeClr val="bg1"/>
-                </a:solidFill>
-                <a:effectLst/>
-                <a:latin typeface="-apple-system"/>
-              </a:rPr>
-              <a:t/>
-            </a:r>
             <a:br>
               <a:rPr lang="ru-RU" b="1" i="0" dirty="0">
                 <a:solidFill>
@@ -3559,21 +3549,6 @@
   <p:clrMapOvr>
     <a:masterClrMapping/>
   </p:clrMapOvr>
-  <mc:AlternateContent xmlns:mc="http://schemas.openxmlformats.org/markup-compatibility/2006">
-    <mc:Choice xmlns:p14="http://schemas.microsoft.com/office/powerpoint/2010/main" Requires="p14">
-      <p:transition p14:dur="0"/>
-    </mc:Choice>
-    <mc:Fallback>
-      <p:transition/>
-    </mc:Fallback>
-  </mc:AlternateContent>
-  <p:timing>
-    <p:tnLst>
-      <p:par>
-        <p:cTn id="1" dur="indefinite" restart="never" nodeType="tmRoot"/>
-      </p:par>
-    </p:tnLst>
-  </p:timing>
 </p:sld>
 </file>
 
@@ -3871,20 +3846,12 @@
           </a:p>
           <a:p>
             <a:r>
-              <a:rPr lang="ru-RU" sz="2400" i="1" dirty="0" smtClean="0">
-                <a:solidFill>
-                  <a:schemeClr val="bg1"/>
-                </a:solidFill>
-              </a:rPr>
-              <a:t>Воронов </a:t>
-            </a:r>
-            <a:r>
               <a:rPr lang="ru-RU" sz="2400" i="1" dirty="0">
                 <a:solidFill>
                   <a:schemeClr val="bg1"/>
                 </a:solidFill>
               </a:rPr>
-              <a:t>Никита Рустамович </a:t>
+              <a:t>Воронов Никита Рустамович </a:t>
             </a:r>
             <a:r>
               <a:rPr lang="ru-RU" sz="2400" dirty="0">
@@ -3992,13 +3959,6 @@
   <p:transition>
     <p:split orient="vert"/>
   </p:transition>
-  <p:timing>
-    <p:tnLst>
-      <p:par>
-        <p:cTn id="1" dur="indefinite" restart="never" nodeType="tmRoot"/>
-      </p:par>
-    </p:tnLst>
-  </p:timing>
 </p:sld>
 </file>
 
@@ -4322,25 +4282,18 @@
   <p:clrMapOvr>
     <a:masterClrMapping/>
   </p:clrMapOvr>
-  <mc:AlternateContent xmlns:mc="http://schemas.openxmlformats.org/markup-compatibility/2006">
-    <mc:Choice xmlns:p14="http://schemas.microsoft.com/office/powerpoint/2010/main" Requires="p14">
+  <mc:AlternateContent xmlns:mc="http://schemas.openxmlformats.org/markup-compatibility/2006" xmlns:p14="http://schemas.microsoft.com/office/powerpoint/2010/main">
+    <mc:Choice Requires="p14">
       <p:transition spd="slow">
         <p14:reveal/>
       </p:transition>
     </mc:Choice>
-    <mc:Fallback>
+    <mc:Fallback xmlns="">
       <p:transition spd="slow">
         <p:fade/>
       </p:transition>
     </mc:Fallback>
   </mc:AlternateContent>
-  <p:timing>
-    <p:tnLst>
-      <p:par>
-        <p:cTn id="1" dur="indefinite" restart="never" nodeType="tmRoot"/>
-      </p:par>
-    </p:tnLst>
-  </p:timing>
 </p:sld>
 </file>
 
@@ -4455,7 +4408,7 @@
         <p:spPr>
           <a:xfrm>
             <a:off x="8193722" y="1000663"/>
-            <a:ext cx="3695204" cy="5620689"/>
+            <a:ext cx="3695204" cy="5650860"/>
           </a:xfrm>
         </p:spPr>
       </p:pic>
@@ -4524,19 +4477,19 @@
           <a:p>
             <a:pPr algn="ctr"/>
             <a:r>
-              <a:rPr lang="ru-RU" sz="2000" dirty="0" smtClean="0"/>
+              <a:rPr lang="ru-RU" sz="2000" dirty="0"/>
               <a:t>На этом слайде наглядно отображено техническое задание к нашему проекту</a:t>
             </a:r>
             <a:r>
-              <a:rPr lang="en-US" sz="2000" dirty="0" smtClean="0"/>
+              <a:rPr lang="en-US" sz="2000" dirty="0"/>
               <a:t>. </a:t>
             </a:r>
             <a:r>
-              <a:rPr lang="ru-RU" sz="2000" dirty="0" smtClean="0"/>
+              <a:rPr lang="ru-RU" sz="2000" dirty="0"/>
               <a:t>Меню мобильного приложение которое было разработано через </a:t>
             </a:r>
             <a:r>
-              <a:rPr lang="en-US" sz="2000" i="1" u="sng" dirty="0" err="1" smtClean="0">
+              <a:rPr lang="en-US" sz="2000" i="1" u="sng" dirty="0" err="1">
                 <a:effectLst>
                   <a:outerShdw blurRad="38100" dist="38100" dir="2700000" algn="tl">
                     <a:srgbClr val="000000">
@@ -4548,7 +4501,7 @@
               <a:t>kivy</a:t>
             </a:r>
             <a:r>
-              <a:rPr lang="en-US" sz="2000" i="1" u="sng" dirty="0" smtClean="0">
+              <a:rPr lang="en-US" sz="2000" i="1" u="sng" dirty="0">
                 <a:effectLst>
                   <a:outerShdw blurRad="38100" dist="38100" dir="2700000" algn="tl">
                     <a:srgbClr val="000000">
@@ -4560,23 +4513,23 @@
               <a:t> python</a:t>
             </a:r>
             <a:r>
-              <a:rPr lang="en-US" sz="2000" dirty="0" smtClean="0"/>
+              <a:rPr lang="en-US" sz="2000" dirty="0"/>
               <a:t>. </a:t>
             </a:r>
             <a:r>
-              <a:rPr lang="ru-RU" sz="2000" dirty="0" smtClean="0"/>
+              <a:rPr lang="ru-RU" sz="2000" dirty="0"/>
               <a:t>И чтобы оно было удобно для всех возрастов</a:t>
             </a:r>
             <a:r>
-              <a:rPr lang="en-US" sz="2000" dirty="0" smtClean="0"/>
+              <a:rPr lang="en-US" sz="2000" dirty="0"/>
               <a:t>, </a:t>
             </a:r>
             <a:r>
-              <a:rPr lang="ru-RU" sz="2000" dirty="0" smtClean="0"/>
+              <a:rPr lang="ru-RU" sz="2000" dirty="0"/>
               <a:t>было принято решение сделать его довольно простым для использования и добавить большой функционал</a:t>
             </a:r>
             <a:r>
-              <a:rPr lang="en-US" sz="2000" dirty="0" smtClean="0"/>
+              <a:rPr lang="en-US" sz="2000" dirty="0"/>
               <a:t>.</a:t>
             </a:r>
             <a:endParaRPr lang="ru-RU" sz="2000" i="1" u="sng" dirty="0">
@@ -4601,25 +4554,18 @@
   <p:clrMapOvr>
     <a:masterClrMapping/>
   </p:clrMapOvr>
-  <mc:AlternateContent xmlns:mc="http://schemas.openxmlformats.org/markup-compatibility/2006">
-    <mc:Choice xmlns:p14="http://schemas.microsoft.com/office/powerpoint/2010/main" Requires="p14">
+  <mc:AlternateContent xmlns:mc="http://schemas.openxmlformats.org/markup-compatibility/2006" xmlns:p14="http://schemas.microsoft.com/office/powerpoint/2010/main">
+    <mc:Choice Requires="p14">
       <p:transition spd="slow" p14:dur="1250">
         <p14:glitter pattern="hexagon"/>
       </p:transition>
     </mc:Choice>
-    <mc:Fallback>
+    <mc:Fallback xmlns="">
       <p:transition spd="slow">
         <p:fade/>
       </p:transition>
     </mc:Fallback>
   </mc:AlternateContent>
-  <p:timing>
-    <p:tnLst>
-      <p:par>
-        <p:cTn id="1" dur="indefinite" restart="never" nodeType="tmRoot"/>
-      </p:par>
-    </p:tnLst>
-  </p:timing>
 </p:sld>
 </file>
 
@@ -4684,8 +4630,8 @@
         </p:nvSpPr>
         <p:spPr>
           <a:xfrm>
-            <a:off x="147484" y="367046"/>
-            <a:ext cx="11857703" cy="1504331"/>
+            <a:off x="370936" y="367046"/>
+            <a:ext cx="11490385" cy="1522139"/>
           </a:xfrm>
           <a:prstGeom prst="rect">
             <a:avLst/>
@@ -4774,8 +4720,8 @@
         </p:nvSpPr>
         <p:spPr>
           <a:xfrm>
-            <a:off x="147484" y="810329"/>
-            <a:ext cx="12191999" cy="1061048"/>
+            <a:off x="186813" y="810329"/>
+            <a:ext cx="11857702" cy="906328"/>
           </a:xfrm>
         </p:spPr>
         <p:txBody>
@@ -4787,15 +4733,7 @@
             <a:pPr algn="ctr"/>
             <a:r>
               <a:rPr lang="ru-RU" dirty="0"/>
-              <a:t>Помимо приложения мы решили </a:t>
-            </a:r>
-            <a:r>
-              <a:rPr lang="ru-RU" dirty="0" smtClean="0"/>
-              <a:t>создать веб-сайт</a:t>
-            </a:r>
-            <a:r>
-              <a:rPr lang="ru-RU" dirty="0"/>
-              <a:t>, с помощью которого каждый сможет скачать наше приложение, узнать как его скачивать и как им пользоваться. А также мы разместили информацию о том</a:t>
+              <a:t>Помимо приложения мы решили создать веб-сайт, с помощью которого каждый сможет скачать наше приложение, узнать как его скачивать и как им пользоваться. А также мы разместили информацию о том</a:t>
             </a:r>
             <a:r>
               <a:rPr lang="en-US" dirty="0"/>
@@ -4835,25 +4773,18 @@
   <p:clrMapOvr>
     <a:masterClrMapping/>
   </p:clrMapOvr>
-  <mc:AlternateContent xmlns:mc="http://schemas.openxmlformats.org/markup-compatibility/2006">
-    <mc:Choice xmlns:p14="http://schemas.microsoft.com/office/powerpoint/2010/main" Requires="p14">
+  <mc:AlternateContent xmlns:mc="http://schemas.openxmlformats.org/markup-compatibility/2006" xmlns:p14="http://schemas.microsoft.com/office/powerpoint/2010/main">
+    <mc:Choice Requires="p14">
       <p:transition spd="slow">
         <p14:flip dir="r"/>
       </p:transition>
     </mc:Choice>
-    <mc:Fallback>
+    <mc:Fallback xmlns="">
       <p:transition spd="slow">
         <p:fade/>
       </p:transition>
     </mc:Fallback>
   </mc:AlternateContent>
-  <p:timing>
-    <p:tnLst>
-      <p:par>
-        <p:cTn id="1" dur="indefinite" restart="never" nodeType="tmRoot"/>
-      </p:par>
-    </p:tnLst>
-  </p:timing>
 </p:sld>
 </file>
 
@@ -5005,25 +4936,18 @@
   <p:clrMapOvr>
     <a:masterClrMapping/>
   </p:clrMapOvr>
-  <mc:AlternateContent xmlns:mc="http://schemas.openxmlformats.org/markup-compatibility/2006">
-    <mc:Choice xmlns:p15="http://schemas.microsoft.com/office/powerpoint/2012/main" Requires="p15">
+  <mc:AlternateContent xmlns:mc="http://schemas.openxmlformats.org/markup-compatibility/2006" xmlns:p15="http://schemas.microsoft.com/office/powerpoint/2012/main">
+    <mc:Choice Requires="p15">
       <p:transition>
         <p15:prstTrans prst="peelOff"/>
       </p:transition>
     </mc:Choice>
-    <mc:Fallback>
+    <mc:Fallback xmlns="">
       <p:transition>
         <p:fade/>
       </p:transition>
     </mc:Fallback>
   </mc:AlternateContent>
-  <p:timing>
-    <p:tnLst>
-      <p:par>
-        <p:cTn id="1" dur="indefinite" restart="never" nodeType="tmRoot"/>
-      </p:par>
-    </p:tnLst>
-  </p:timing>
 </p:sld>
 </file>
 

--- a/документация и презентация/Автоматизированная система удаленного управления теплицей.pptx
+++ b/документация и презентация/Автоматизированная система удаленного управления теплицей.pptx
@@ -10,7 +10,8 @@
     <p:sldId id="257" r:id="rId4"/>
     <p:sldId id="259" r:id="rId5"/>
     <p:sldId id="261" r:id="rId6"/>
-    <p:sldId id="260" r:id="rId7"/>
+    <p:sldId id="262" r:id="rId7"/>
+    <p:sldId id="260" r:id="rId8"/>
   </p:sldIdLst>
   <p:sldSz cx="12192000" cy="6858000"/>
   <p:notesSz cx="6858000" cy="9144000"/>
@@ -117,6 +118,90 @@
 </p:presentation>
 </file>
 
+<file path=ppt/ink/ink1.xml><?xml version="1.0" encoding="utf-8"?>
+<inkml:ink xmlns:inkml="http://www.w3.org/2003/InkML">
+  <inkml:definitions>
+    <inkml:context xml:id="ctx0">
+      <inkml:inkSource xml:id="inkSrc0">
+        <inkml:traceFormat>
+          <inkml:channel name="X" type="integer" min="-2.14748E9" max="2.14748E9" units="cm"/>
+          <inkml:channel name="Y" type="integer" min="-2.14748E9" max="2.14748E9" units="cm"/>
+          <inkml:channel name="F" type="integer" max="32767" units="dev"/>
+        </inkml:traceFormat>
+        <inkml:channelProperties>
+          <inkml:channelProperty channel="X" name="resolution" value="1000" units="1/cm"/>
+          <inkml:channelProperty channel="Y" name="resolution" value="1000" units="1/cm"/>
+          <inkml:channelProperty channel="F" name="resolution" value="0" units="1/dev"/>
+        </inkml:channelProperties>
+      </inkml:inkSource>
+      <inkml:timestamp xml:id="ts0" timeString="2023-02-19T15:32:11.862"/>
+    </inkml:context>
+    <inkml:brush xml:id="br0">
+      <inkml:brushProperty name="width" value="0.10583" units="cm"/>
+      <inkml:brushProperty name="height" value="0.10583" units="cm"/>
+      <inkml:brushProperty name="color" value="#FFFFFF"/>
+    </inkml:brush>
+  </inkml:definitions>
+  <inkml:trace contextRef="#ctx0" brushRef="#br0">1 2902 24575,'1'2'0,"0"0"0,-1 0 0,1 0 0,1 1 0,-1-1 0,0 0 0,0-1 0,1 1 0,-1 0 0,1 0 0,0 0 0,0-1 0,-1 1 0,1-1 0,0 0 0,0 1 0,0-1 0,0 0 0,0 0 0,1 0 0,-1 0 0,0-1 0,0 1 0,1-1 0,-1 1 0,0-1 0,5 0 0,74 9 0,-71-8 0,192 25 0,-131-14 0,114 4 0,514-18 0,-674 0 0,0 0 0,-1-1 0,0-2 0,0-1 0,0 0 0,-1-2 0,24-10 0,159-88 0,-128 63 0,-28 15 0,0-3 0,-3-2 0,0-1 0,-2-3 0,-2-2 0,-2-1 0,-1-3 0,34-47 0,-54 55 0,-2-1 0,-1 0 0,-2-1 0,-1-1 0,-2 0 0,-2-1 0,8-58 0,1 5 0,29-257 0,-35 264 0,-4-1 0,-4 0 0,-9-153 0,-1 54 0,5 163 0,1-11 0,-2 0 0,-1 0 0,-12-62 0,11 84 0,0 0 0,-1 1 0,-1-1 0,1 1 0,-2 0 0,1 0 0,-2 1 0,1-1 0,-1 1 0,-1 1 0,1-1 0,-1 1 0,-1 1 0,0 0 0,-12-9 0,-18-11 0,2-2 0,1-1 0,-52-57 0,69 69 0,-1 1 0,0 1 0,-1 1 0,0 1 0,-1 0 0,-1 2 0,0 0 0,-1 2 0,-34-10 0,64 25 0,-1 0 0,1 0 0,-1 1 0,-1-1 0,1 1 0,-1 1 0,0-1 0,0 1 0,-1-1 0,0 1 0,0 0 0,0 0 0,-1 0 0,0 0 0,-1 1 0,2 13 0,5 20 0,-2 1 0,1 46 0,-11 320 0,8-518 0,-1 64 0,-2-1 0,-1 1 0,-3-1 0,-11-55 0,9 85 0,-1 0 0,0 1 0,-18-31 0,16 34 0,1 0 0,0-1 0,1 0 0,1-1 0,0 1 0,-3-19 0,5 15 0,1-1 0,0 1 0,1 0 0,1-1 0,1 1 0,1 0 0,0 0 0,7-22 0,-7 33 0,0 1 0,1 0 0,0 0 0,0 0 0,1 0 0,-1 0 0,1 0 0,1 1 0,-1 0 0,1 0 0,0 0 0,0 1 0,0-1 0,1 1 0,-1 0 0,1 1 0,0-1 0,0 1 0,0 1 0,1-1 0,-1 1 0,1 0 0,-1 0 0,14-1 0,131-9 0,-108 11 0,-1-2 0,50-10 0,-39 4 0,1 3 0,97 0 0,-241 5 0,-251 6 0,299 2-1365,10 4-5461</inkml:trace>
+</inkml:ink>
+</file>
+
+<file path=ppt/ink/ink2.xml><?xml version="1.0" encoding="utf-8"?>
+<inkml:ink xmlns:inkml="http://www.w3.org/2003/InkML">
+  <inkml:definitions>
+    <inkml:context xml:id="ctx0">
+      <inkml:inkSource xml:id="inkSrc0">
+        <inkml:traceFormat>
+          <inkml:channel name="X" type="integer" min="-2.14748E9" max="2.14748E9" units="cm"/>
+          <inkml:channel name="Y" type="integer" min="-2.14748E9" max="2.14748E9" units="cm"/>
+          <inkml:channel name="F" type="integer" max="32767" units="dev"/>
+        </inkml:traceFormat>
+        <inkml:channelProperties>
+          <inkml:channelProperty channel="X" name="resolution" value="1000" units="1/cm"/>
+          <inkml:channelProperty channel="Y" name="resolution" value="1000" units="1/cm"/>
+          <inkml:channelProperty channel="F" name="resolution" value="0" units="1/dev"/>
+        </inkml:channelProperties>
+      </inkml:inkSource>
+      <inkml:timestamp xml:id="ts0" timeString="2023-02-19T15:32:15.857"/>
+    </inkml:context>
+    <inkml:brush xml:id="br0">
+      <inkml:brushProperty name="width" value="0.1" units="cm"/>
+      <inkml:brushProperty name="height" value="0.1" units="cm"/>
+      <inkml:brushProperty name="color" value="#FFFFFF"/>
+    </inkml:brush>
+  </inkml:definitions>
+  <inkml:trace contextRef="#ctx0" brushRef="#br0">1 0 24575,'0'0'-8191</inkml:trace>
+</inkml:ink>
+</file>
+
+<file path=ppt/ink/ink3.xml><?xml version="1.0" encoding="utf-8"?>
+<inkml:ink xmlns:inkml="http://www.w3.org/2003/InkML">
+  <inkml:definitions>
+    <inkml:context xml:id="ctx0">
+      <inkml:inkSource xml:id="inkSrc0">
+        <inkml:traceFormat>
+          <inkml:channel name="X" type="integer" min="-2.14748E9" max="2.14748E9" units="cm"/>
+          <inkml:channel name="Y" type="integer" min="-2.14748E9" max="2.14748E9" units="cm"/>
+          <inkml:channel name="F" type="integer" max="32767" units="dev"/>
+        </inkml:traceFormat>
+        <inkml:channelProperties>
+          <inkml:channelProperty channel="X" name="resolution" value="1000" units="1/cm"/>
+          <inkml:channelProperty channel="Y" name="resolution" value="1000" units="1/cm"/>
+          <inkml:channelProperty channel="F" name="resolution" value="0" units="1/dev"/>
+        </inkml:channelProperties>
+      </inkml:inkSource>
+      <inkml:timestamp xml:id="ts0" timeString="2023-02-19T16:06:45.618"/>
+    </inkml:context>
+    <inkml:brush xml:id="br0">
+      <inkml:brushProperty name="width" value="0.1" units="cm"/>
+      <inkml:brushProperty name="height" value="0.1" units="cm"/>
+      <inkml:brushProperty name="color" value="#FFFFFF"/>
+    </inkml:brush>
+  </inkml:definitions>
+  <inkml:trace contextRef="#ctx0" brushRef="#br0">16 2555 24575,'-1'0'0,"1"0"0,-1 0 0,0 0 0,1-1 0,-1 1 0,0 0 0,0 0 0,1-1 0,-1 1 0,0-1 0,1 1 0,-1-1 0,1 1 0,-1-1 0,1 1 0,-1-1 0,1 1 0,-1-1 0,1 0 0,-1 1 0,1-1 0,0 0 0,-1 1 0,1-1 0,0 0 0,0 0 0,-1 1 0,1-1 0,0 0 0,0 0 0,0 1 0,0-1 0,0 0 0,0 0 0,0 1 0,0-1 0,0 0 0,1 0 0,-1 1 0,0-1 0,0 0 0,1 0 0,-1 1 0,0-1 0,1 0 0,16-43 0,-14 37 0,59-111 0,-4 10 0,-45 79 0,91-219 0,-87 210 0,2 1 0,1 1 0,1 1 0,40-50 0,-16 23 0,-7-4 0,-31 51 0,0 1 0,1 1 0,1-1 0,0 1 0,13-13 0,30-19 0,-41 37 0,-2 1 0,1-1 0,-1-1 0,-1 1 0,1-2 0,-1 1 0,9-16 0,-7 8 0,0 1 0,1 0 0,1 0 0,0 2 0,1-1 0,1 1 0,0 1 0,0 1 0,30-20 0,75-59 0,18-13 0,35-6 0,-119 70 0,-42 31 0,-1 1 0,2-1 0,-1 2 0,1 0 0,0 0 0,0 1 0,20-7 0,-16 8 0,1 0 0,-1-2 0,-1 0 0,1 0 0,-1-2 0,0 0 0,-1 0 0,17-16 0,-7 6 0,1 1 0,1 2 0,0 0 0,1 2 0,56-22 0,-63 31 0,-1 1 0,0 0 0,1 2 0,-1 0 0,29 1 0,-24 1 0,0-1 0,0-1 0,26-6 0,13-7 0,1 2 0,0 4 0,123-3 0,-148 13 0,0-2 0,0-1 0,71-13 0,41-17 0,-120 26 0,1 2 0,0 2 0,-1 0 0,39 4 0,59-2 0,-45-15 0,-61 10 0,0 1 0,31-2 0,-26 5 0,250 3 0,-275-1 0,0-1 0,0 0 0,-1 1 0,1-1 0,0 1 0,0 0 0,-1 0 0,1 0 0,0 0 0,-1 1 0,1-1 0,-1 1 0,0 0 0,1-1 0,-1 1 0,0 0 0,0 0 0,0 0 0,0 1 0,-1-1 0,1 0 0,-1 1 0,1-1 0,-1 1 0,0-1 0,0 1 0,0 0 0,0-1 0,0 1 0,-1 0 0,1 4 0,0-3 0,-1 1 0,0 0 0,0 0 0,-1-1 0,1 1 0,-1 0 0,0 0 0,0-1 0,-1 1 0,1-1 0,-1 1 0,0-1 0,0 0 0,-1 0 0,1 0 0,-1 0 0,0 0 0,-4 4 0,-175 161 0,172-160 0,0-1 0,-1 0 0,0-1 0,-1 0 0,1 0 0,-23 8 0,-31 17 0,30-10 0,-8 5 0,-51 41 0,85-54 0,23-14 0,25-14 0,-22 4 0,0-2 0,0 0 0,26-27 0,-29 25 0,1 2 0,-1-1 0,2 2 0,28-17 0,-37 25 0,1-1 0,-1 0 0,0-1 0,0 1 0,0-1 0,-1-1 0,0 1 0,0-1 0,0 0 0,-1-1 0,1 1 0,-2-1 0,1 0 0,-1 0 0,0-1 0,0 1 0,-1-1 0,0 0 0,-1 0 0,4-14 0,1 0 0,0 0 0,2 1 0,1 1 0,0 0 0,1 0 0,2 1 0,0 0 0,0 1 0,2 1 0,30-29 0,-43 45 0,-1 0 0,0-1 0,0 1 0,0 0 0,1-1 0,-1 1 0,0-1 0,-1 1 0,1-1 0,0 1 0,0-1 0,-1 0 0,1 1 0,-1-1 0,1 0 0,-1 0 0,0 1 0,0-1 0,0 0 0,0 0 0,0 1 0,0-1 0,0 0 0,0 0 0,-1 1 0,1-1 0,-1 0 0,1 0 0,-1 1 0,0-1 0,0 1 0,0-1 0,0 1 0,0-1 0,0 1 0,0-1 0,0 1 0,0 0 0,-1 0 0,-1-2 0,-8-6 0,0 0 0,-2 0 0,1 1 0,-16-8 0,-3-2 0,-31-30 0,49 36 0,0 1 0,-1 1 0,0 0 0,-1 1 0,0 0 0,-30-11 0,38 16 0,0 1 0,0-1 0,0 0 0,1-1 0,-1 0 0,1 0 0,0 0 0,0 0 0,1-1 0,0 0 0,0 0 0,0-1 0,1 1 0,0-1 0,-5-12 0,-25-33 0,20 30 0,28 29 0,29 30 0,175 168 0,-204-193-163,0 0 1,2-1-1,-1-1 0,1 0 0,18 7 0,-28-14-225,18 10-6438</inkml:trace>
+</inkml:ink>
+</file>
+
 <file path=ppt/slideLayouts/slideLayout1.xml><?xml version="1.0" encoding="utf-8"?>
 <p:sldLayout xmlns:a="http://schemas.openxmlformats.org/drawingml/2006/main" xmlns:r="http://schemas.openxmlformats.org/officeDocument/2006/relationships" xmlns:p="http://schemas.openxmlformats.org/presentationml/2006/main" type="title" preserve="1">
   <p:cSld name="Титульный слайд">
@@ -248,7 +333,7 @@
           <a:p>
             <a:fld id="{E1C052FF-E99A-454E-9E17-9CB9EA5E51FA}" type="datetimeFigureOut">
               <a:rPr lang="ru-RU" smtClean="0"/>
-              <a:t>чт 16.02.23</a:t>
+              <a:t>19.02.2023</a:t>
             </a:fld>
             <a:endParaRPr lang="ru-RU"/>
           </a:p>
@@ -418,7 +503,7 @@
           <a:p>
             <a:fld id="{E1C052FF-E99A-454E-9E17-9CB9EA5E51FA}" type="datetimeFigureOut">
               <a:rPr lang="ru-RU" smtClean="0"/>
-              <a:t>чт 16.02.23</a:t>
+              <a:t>19.02.2023</a:t>
             </a:fld>
             <a:endParaRPr lang="ru-RU"/>
           </a:p>
@@ -598,7 +683,7 @@
           <a:p>
             <a:fld id="{E1C052FF-E99A-454E-9E17-9CB9EA5E51FA}" type="datetimeFigureOut">
               <a:rPr lang="ru-RU" smtClean="0"/>
-              <a:t>чт 16.02.23</a:t>
+              <a:t>19.02.2023</a:t>
             </a:fld>
             <a:endParaRPr lang="ru-RU"/>
           </a:p>
@@ -768,7 +853,7 @@
           <a:p>
             <a:fld id="{E1C052FF-E99A-454E-9E17-9CB9EA5E51FA}" type="datetimeFigureOut">
               <a:rPr lang="ru-RU" smtClean="0"/>
-              <a:t>чт 16.02.23</a:t>
+              <a:t>19.02.2023</a:t>
             </a:fld>
             <a:endParaRPr lang="ru-RU"/>
           </a:p>
@@ -1014,7 +1099,7 @@
           <a:p>
             <a:fld id="{E1C052FF-E99A-454E-9E17-9CB9EA5E51FA}" type="datetimeFigureOut">
               <a:rPr lang="ru-RU" smtClean="0"/>
-              <a:t>чт 16.02.23</a:t>
+              <a:t>19.02.2023</a:t>
             </a:fld>
             <a:endParaRPr lang="ru-RU"/>
           </a:p>
@@ -1246,7 +1331,7 @@
           <a:p>
             <a:fld id="{E1C052FF-E99A-454E-9E17-9CB9EA5E51FA}" type="datetimeFigureOut">
               <a:rPr lang="ru-RU" smtClean="0"/>
-              <a:t>чт 16.02.23</a:t>
+              <a:t>19.02.2023</a:t>
             </a:fld>
             <a:endParaRPr lang="ru-RU"/>
           </a:p>
@@ -1613,7 +1698,7 @@
           <a:p>
             <a:fld id="{E1C052FF-E99A-454E-9E17-9CB9EA5E51FA}" type="datetimeFigureOut">
               <a:rPr lang="ru-RU" smtClean="0"/>
-              <a:t>чт 16.02.23</a:t>
+              <a:t>19.02.2023</a:t>
             </a:fld>
             <a:endParaRPr lang="ru-RU"/>
           </a:p>
@@ -1731,7 +1816,7 @@
           <a:p>
             <a:fld id="{E1C052FF-E99A-454E-9E17-9CB9EA5E51FA}" type="datetimeFigureOut">
               <a:rPr lang="ru-RU" smtClean="0"/>
-              <a:t>чт 16.02.23</a:t>
+              <a:t>19.02.2023</a:t>
             </a:fld>
             <a:endParaRPr lang="ru-RU"/>
           </a:p>
@@ -1826,7 +1911,7 @@
           <a:p>
             <a:fld id="{E1C052FF-E99A-454E-9E17-9CB9EA5E51FA}" type="datetimeFigureOut">
               <a:rPr lang="ru-RU" smtClean="0"/>
-              <a:t>чт 16.02.23</a:t>
+              <a:t>19.02.2023</a:t>
             </a:fld>
             <a:endParaRPr lang="ru-RU"/>
           </a:p>
@@ -2103,7 +2188,7 @@
           <a:p>
             <a:fld id="{E1C052FF-E99A-454E-9E17-9CB9EA5E51FA}" type="datetimeFigureOut">
               <a:rPr lang="ru-RU" smtClean="0"/>
-              <a:t>чт 16.02.23</a:t>
+              <a:t>19.02.2023</a:t>
             </a:fld>
             <a:endParaRPr lang="ru-RU"/>
           </a:p>
@@ -2360,7 +2445,7 @@
           <a:p>
             <a:fld id="{E1C052FF-E99A-454E-9E17-9CB9EA5E51FA}" type="datetimeFigureOut">
               <a:rPr lang="ru-RU" smtClean="0"/>
-              <a:t>чт 16.02.23</a:t>
+              <a:t>19.02.2023</a:t>
             </a:fld>
             <a:endParaRPr lang="ru-RU"/>
           </a:p>
@@ -2573,7 +2658,7 @@
           <a:p>
             <a:fld id="{E1C052FF-E99A-454E-9E17-9CB9EA5E51FA}" type="datetimeFigureOut">
               <a:rPr lang="ru-RU" smtClean="0"/>
-              <a:t>чт 16.02.23</a:t>
+              <a:t>19.02.2023</a:t>
             </a:fld>
             <a:endParaRPr lang="ru-RU"/>
           </a:p>
@@ -3108,14 +3193,37 @@
             </a:r>
             <a:r>
               <a:rPr lang="en-US" dirty="0"/>
-              <a:t>: UBER, </a:t>
-            </a:r>
-            <a:r>
-              <a:rPr lang="ru-RU" dirty="0"/>
-              <a:t> в которую входят ученики 10</a:t>
-            </a:r>
-            <a:r>
-              <a:rPr lang="ru-RU" sz="2400" dirty="0">
+              <a:t>: UBER</a:t>
+            </a:r>
+            <a:r>
+              <a:rPr lang="en-US" sz="2000" dirty="0">
+                <a:solidFill>
+                  <a:schemeClr val="tx1">
+                    <a:lumMod val="85000"/>
+                  </a:schemeClr>
+                </a:solidFill>
+              </a:rPr>
+              <a:t>,</a:t>
+            </a:r>
+          </a:p>
+          <a:p>
+            <a:r>
+              <a:rPr lang="ru-RU" sz="2000" dirty="0">
+                <a:solidFill>
+                  <a:schemeClr val="tx1">
+                    <a:lumMod val="85000"/>
+                  </a:schemeClr>
+                </a:solidFill>
+              </a:rPr>
+              <a:t>в которую входят ученики 10</a:t>
+            </a:r>
+            <a:r>
+              <a:rPr lang="ru-RU" sz="2000" dirty="0">
+                <a:solidFill>
+                  <a:schemeClr val="tx1">
+                    <a:lumMod val="85000"/>
+                  </a:schemeClr>
+                </a:solidFill>
                 <a:latin typeface="Helvetica Neue" panose="02000503000000020004" pitchFamily="2" charset="0"/>
                 <a:ea typeface="Helvetica Neue" panose="02000503000000020004" pitchFamily="2" charset="0"/>
                 <a:cs typeface="Helvetica Neue" panose="02000503000000020004" pitchFamily="2" charset="0"/>
@@ -3123,7 +3231,12 @@
               <a:t> класса</a:t>
             </a:r>
             <a:r>
-              <a:rPr lang="en-US" sz="2400" dirty="0">
+              <a:rPr lang="en-US" sz="2000" dirty="0">
+                <a:solidFill>
+                  <a:schemeClr val="tx1">
+                    <a:lumMod val="85000"/>
+                  </a:schemeClr>
+                </a:solidFill>
                 <a:latin typeface="Helvetica Neue" panose="02000503000000020004" pitchFamily="2" charset="0"/>
                 <a:ea typeface="Helvetica Neue" panose="02000503000000020004" pitchFamily="2" charset="0"/>
                 <a:cs typeface="Helvetica Neue" panose="02000503000000020004" pitchFamily="2" charset="0"/>
@@ -3131,7 +3244,12 @@
               <a:t>, </a:t>
             </a:r>
             <a:r>
-              <a:rPr lang="ru-RU" sz="2400" dirty="0">
+              <a:rPr lang="ru-RU" sz="2000" dirty="0">
+                <a:solidFill>
+                  <a:schemeClr val="tx1">
+                    <a:lumMod val="85000"/>
+                  </a:schemeClr>
+                </a:solidFill>
                 <a:latin typeface="Helvetica Neue" panose="02000503000000020004" pitchFamily="2" charset="0"/>
                 <a:ea typeface="Helvetica Neue" panose="02000503000000020004" pitchFamily="2" charset="0"/>
                 <a:cs typeface="Helvetica Neue" panose="02000503000000020004" pitchFamily="2" charset="0"/>
@@ -3139,14 +3257,25 @@
               <a:t>ГБОУ Школа №</a:t>
             </a:r>
             <a:r>
-              <a:rPr lang="en-US" sz="2400" dirty="0">
+              <a:rPr lang="en-US" sz="2000" dirty="0">
+                <a:solidFill>
+                  <a:schemeClr val="tx1">
+                    <a:lumMod val="85000"/>
+                  </a:schemeClr>
+                </a:solidFill>
                 <a:latin typeface="Helvetica Neue" panose="02000503000000020004" pitchFamily="2" charset="0"/>
                 <a:ea typeface="Helvetica Neue" panose="02000503000000020004" pitchFamily="2" charset="0"/>
                 <a:cs typeface="Helvetica Neue" panose="02000503000000020004" pitchFamily="2" charset="0"/>
               </a:rPr>
               <a:t>1532</a:t>
             </a:r>
-            <a:endParaRPr lang="ru-RU" dirty="0"/>
+            <a:endParaRPr lang="ru-RU" dirty="0">
+              <a:solidFill>
+                <a:schemeClr val="tx1">
+                  <a:lumMod val="85000"/>
+                </a:schemeClr>
+              </a:solidFill>
+            </a:endParaRPr>
           </a:p>
         </p:txBody>
       </p:sp>
@@ -3342,7 +3471,7 @@
         </p:nvSpPr>
         <p:spPr>
           <a:xfrm>
-            <a:off x="531868" y="4955562"/>
+            <a:off x="313292" y="4943805"/>
             <a:ext cx="1656272" cy="923330"/>
           </a:xfrm>
           <a:prstGeom prst="rect">
@@ -3356,6 +3485,7 @@
           </a:bodyPr>
           <a:lstStyle/>
           <a:p>
+            <a:pPr algn="ctr"/>
             <a:r>
               <a:rPr lang="ru-RU" dirty="0"/>
               <a:t>Воронов Никита Рустамович</a:t>
@@ -3377,7 +3507,7 @@
         </p:nvSpPr>
         <p:spPr>
           <a:xfrm>
-            <a:off x="2785270" y="4945833"/>
+            <a:off x="2702340" y="4953534"/>
             <a:ext cx="1426588" cy="923330"/>
           </a:xfrm>
           <a:prstGeom prst="rect">
@@ -3391,6 +3521,7 @@
           </a:bodyPr>
           <a:lstStyle/>
           <a:p>
+            <a:pPr algn="ctr"/>
             <a:r>
               <a:rPr lang="ru-RU" dirty="0"/>
               <a:t>Алимов Альберт Радикович</a:t>
@@ -3412,7 +3543,7 @@
         </p:nvSpPr>
         <p:spPr>
           <a:xfrm>
-            <a:off x="5369368" y="4955562"/>
+            <a:off x="5314612" y="4953534"/>
             <a:ext cx="1153783" cy="923330"/>
           </a:xfrm>
           <a:prstGeom prst="rect">
@@ -3426,18 +3557,21 @@
           </a:bodyPr>
           <a:lstStyle/>
           <a:p>
+            <a:pPr algn="ctr"/>
             <a:r>
               <a:rPr lang="ru-RU" dirty="0"/>
               <a:t>Шершина </a:t>
             </a:r>
           </a:p>
           <a:p>
+            <a:pPr algn="ctr"/>
             <a:r>
               <a:rPr lang="ru-RU" dirty="0"/>
               <a:t>Анна </a:t>
             </a:r>
           </a:p>
           <a:p>
+            <a:pPr algn="ctr"/>
             <a:r>
               <a:rPr lang="ru-RU" dirty="0"/>
               <a:t>Исаевна</a:t>
@@ -3459,7 +3593,7 @@
         </p:nvSpPr>
         <p:spPr>
           <a:xfrm>
-            <a:off x="7717412" y="4945833"/>
+            <a:off x="7654080" y="4941037"/>
             <a:ext cx="1426588" cy="923330"/>
           </a:xfrm>
           <a:prstGeom prst="rect">
@@ -3473,18 +3607,21 @@
           </a:bodyPr>
           <a:lstStyle/>
           <a:p>
+            <a:pPr algn="ctr"/>
             <a:r>
               <a:rPr lang="ru-RU" dirty="0"/>
               <a:t>Мандрыка </a:t>
             </a:r>
           </a:p>
           <a:p>
+            <a:pPr algn="ctr"/>
             <a:r>
               <a:rPr lang="ru-RU" dirty="0"/>
               <a:t>Арина </a:t>
             </a:r>
           </a:p>
           <a:p>
+            <a:pPr algn="ctr"/>
             <a:r>
               <a:rPr lang="ru-RU" dirty="0"/>
               <a:t>Юрьевна</a:t>
@@ -3520,22 +3657,77 @@
           </a:bodyPr>
           <a:lstStyle/>
           <a:p>
+            <a:pPr algn="ctr"/>
             <a:r>
               <a:rPr lang="ru-RU" dirty="0"/>
               <a:t>Донченко </a:t>
             </a:r>
           </a:p>
           <a:p>
+            <a:pPr algn="ctr"/>
             <a:r>
               <a:rPr lang="ru-RU" dirty="0"/>
               <a:t>Дмитрий </a:t>
             </a:r>
           </a:p>
           <a:p>
+            <a:pPr algn="ctr"/>
             <a:r>
               <a:rPr lang="ru-RU" dirty="0"/>
               <a:t>Антонович</a:t>
             </a:r>
+          </a:p>
+        </p:txBody>
+      </p:sp>
+      <p:sp>
+        <p:nvSpPr>
+          <p:cNvPr id="5" name="Прямоугольник 4">
+            <a:extLst>
+              <a:ext uri="{FF2B5EF4-FFF2-40B4-BE49-F238E27FC236}">
+                <a16:creationId xmlns:a16="http://schemas.microsoft.com/office/drawing/2014/main" id="{A36D3127-2C3A-BAA1-4663-F5A7720A79DD}"/>
+              </a:ext>
+            </a:extLst>
+          </p:cNvPr>
+          <p:cNvSpPr/>
+          <p:nvPr/>
+        </p:nvSpPr>
+        <p:spPr>
+          <a:xfrm>
+            <a:off x="7436386" y="6257581"/>
+            <a:ext cx="4627084" cy="352539"/>
+          </a:xfrm>
+          <a:prstGeom prst="rect">
+            <a:avLst/>
+          </a:prstGeom>
+          <a:solidFill>
+            <a:srgbClr val="1E1E1E"/>
+          </a:solidFill>
+          <a:ln>
+            <a:noFill/>
+          </a:ln>
+        </p:spPr>
+        <p:style>
+          <a:lnRef idx="2">
+            <a:schemeClr val="accent1">
+              <a:shade val="50000"/>
+            </a:schemeClr>
+          </a:lnRef>
+          <a:fillRef idx="1">
+            <a:schemeClr val="accent1"/>
+          </a:fillRef>
+          <a:effectRef idx="0">
+            <a:schemeClr val="accent1"/>
+          </a:effectRef>
+          <a:fontRef idx="minor">
+            <a:schemeClr val="lt1"/>
+          </a:fontRef>
+        </p:style>
+        <p:txBody>
+          <a:bodyPr rtlCol="0" anchor="ctr"/>
+          <a:lstStyle/>
+          <a:p>
+            <a:pPr algn="ctr"/>
+            <a:endParaRPr lang="ru-RU"/>
           </a:p>
         </p:txBody>
       </p:sp>
@@ -3586,6 +3778,57 @@
       </p:grpSpPr>
       <p:sp>
         <p:nvSpPr>
+          <p:cNvPr id="5" name="Прямоугольник 4">
+            <a:extLst>
+              <a:ext uri="{FF2B5EF4-FFF2-40B4-BE49-F238E27FC236}">
+                <a16:creationId xmlns:a16="http://schemas.microsoft.com/office/drawing/2014/main" id="{EBF1D506-7144-FECF-089A-C0E7EDA62AD9}"/>
+              </a:ext>
+            </a:extLst>
+          </p:cNvPr>
+          <p:cNvSpPr/>
+          <p:nvPr/>
+        </p:nvSpPr>
+        <p:spPr>
+          <a:xfrm>
+            <a:off x="0" y="0"/>
+            <a:ext cx="12192000" cy="6809691"/>
+          </a:xfrm>
+          <a:prstGeom prst="rect">
+            <a:avLst/>
+          </a:prstGeom>
+          <a:solidFill>
+            <a:schemeClr val="bg1">
+              <a:alpha val="20000"/>
+            </a:schemeClr>
+          </a:solidFill>
+        </p:spPr>
+        <p:style>
+          <a:lnRef idx="2">
+            <a:schemeClr val="accent1">
+              <a:shade val="50000"/>
+            </a:schemeClr>
+          </a:lnRef>
+          <a:fillRef idx="1">
+            <a:schemeClr val="accent1"/>
+          </a:fillRef>
+          <a:effectRef idx="0">
+            <a:schemeClr val="accent1"/>
+          </a:effectRef>
+          <a:fontRef idx="minor">
+            <a:schemeClr val="lt1"/>
+          </a:fontRef>
+        </p:style>
+        <p:txBody>
+          <a:bodyPr rtlCol="0" anchor="ctr"/>
+          <a:lstStyle/>
+          <a:p>
+            <a:pPr algn="ctr"/>
+            <a:endParaRPr lang="ru-RU"/>
+          </a:p>
+        </p:txBody>
+      </p:sp>
+      <p:sp>
+        <p:nvSpPr>
           <p:cNvPr id="2" name="Заголовок 1"/>
           <p:cNvSpPr>
             <a:spLocks noGrp="1"/>
@@ -3597,7 +3840,7 @@
         <p:spPr>
           <a:xfrm>
             <a:off x="2986731" y="235765"/>
-            <a:ext cx="6718971" cy="530225"/>
+            <a:ext cx="7590653" cy="530225"/>
           </a:xfrm>
         </p:spPr>
         <p:txBody>
@@ -3606,11 +3849,13 @@
           </a:bodyPr>
           <a:lstStyle/>
           <a:p>
+            <a:pPr algn="ctr"/>
             <a:r>
               <a:rPr lang="ru-RU" b="1" dirty="0">
                 <a:solidFill>
                   <a:schemeClr val="bg1"/>
                 </a:solidFill>
+                <a:latin typeface="KTF Jermilov Solid" panose="00000500000000000000" pitchFamily="2" charset="-52"/>
               </a:rPr>
               <a:t>Постановка задач и их выполнение</a:t>
             </a:r>
@@ -3619,6 +3864,7 @@
                 <a:solidFill>
                   <a:schemeClr val="bg1"/>
                 </a:solidFill>
+                <a:latin typeface="KTF Jermilov Solid" panose="00000500000000000000" pitchFamily="2" charset="-52"/>
               </a:rPr>
               <a:t>.</a:t>
             </a:r>
@@ -3626,6 +3872,7 @@
               <a:solidFill>
                 <a:schemeClr val="bg1"/>
               </a:solidFill>
+              <a:latin typeface="KTF Jermilov Solid" panose="00000500000000000000" pitchFamily="2" charset="-52"/>
             </a:endParaRPr>
           </a:p>
         </p:txBody>
@@ -3838,7 +4085,10 @@
             <a:r>
               <a:rPr lang="ru-RU" sz="2400" b="1" dirty="0">
                 <a:solidFill>
-                  <a:schemeClr val="bg1"/>
+                  <a:schemeClr val="bg1">
+                    <a:lumMod val="95000"/>
+                    <a:lumOff val="5000"/>
+                  </a:schemeClr>
                 </a:solidFill>
               </a:rPr>
               <a:t>Распределение:</a:t>
@@ -3848,7 +4098,10 @@
             <a:r>
               <a:rPr lang="ru-RU" sz="2400" i="1" dirty="0">
                 <a:solidFill>
-                  <a:schemeClr val="bg1"/>
+                  <a:schemeClr val="bg1">
+                    <a:lumMod val="95000"/>
+                    <a:lumOff val="5000"/>
+                  </a:schemeClr>
                 </a:solidFill>
               </a:rPr>
               <a:t>Воронов Никита Рустамович </a:t>
@@ -3856,7 +4109,10 @@
             <a:r>
               <a:rPr lang="ru-RU" sz="2400" dirty="0">
                 <a:solidFill>
-                  <a:schemeClr val="bg1"/>
+                  <a:schemeClr val="bg1">
+                    <a:lumMod val="95000"/>
+                    <a:lumOff val="5000"/>
+                  </a:schemeClr>
                 </a:solidFill>
               </a:rPr>
               <a:t>– разработка мобильного приложения</a:t>
@@ -3864,14 +4120,20 @@
             <a:r>
               <a:rPr lang="en-US" sz="2400" dirty="0">
                 <a:solidFill>
-                  <a:schemeClr val="bg1"/>
+                  <a:schemeClr val="bg1">
+                    <a:lumMod val="95000"/>
+                    <a:lumOff val="5000"/>
+                  </a:schemeClr>
                 </a:solidFill>
               </a:rPr>
               <a:t>.</a:t>
             </a:r>
             <a:endParaRPr lang="ru-RU" sz="2400" dirty="0">
               <a:solidFill>
-                <a:schemeClr val="bg1"/>
+                <a:schemeClr val="bg1">
+                  <a:lumMod val="95000"/>
+                  <a:lumOff val="5000"/>
+                </a:schemeClr>
               </a:solidFill>
             </a:endParaRPr>
           </a:p>
@@ -3879,7 +4141,10 @@
             <a:r>
               <a:rPr lang="ru-RU" sz="2400" i="1" dirty="0">
                 <a:solidFill>
-                  <a:schemeClr val="bg1"/>
+                  <a:schemeClr val="bg1">
+                    <a:lumMod val="95000"/>
+                    <a:lumOff val="5000"/>
+                  </a:schemeClr>
                 </a:solidFill>
               </a:rPr>
               <a:t>Мандрыка Арина Юрьевна, Шершина Анна Исаевна</a:t>
@@ -3887,7 +4152,10 @@
             <a:r>
               <a:rPr lang="ru-RU" sz="2400" i="1" u="sng" dirty="0">
                 <a:solidFill>
-                  <a:schemeClr val="bg1"/>
+                  <a:schemeClr val="bg1">
+                    <a:lumMod val="95000"/>
+                    <a:lumOff val="5000"/>
+                  </a:schemeClr>
                 </a:solidFill>
               </a:rPr>
               <a:t> </a:t>
@@ -3895,7 +4163,10 @@
             <a:r>
               <a:rPr lang="ru-RU" sz="2400" dirty="0">
                 <a:solidFill>
-                  <a:schemeClr val="bg1"/>
+                  <a:schemeClr val="bg1">
+                    <a:lumMod val="95000"/>
+                    <a:lumOff val="5000"/>
+                  </a:schemeClr>
                 </a:solidFill>
               </a:rPr>
               <a:t>- Создание веб – сайта</a:t>
@@ -3903,14 +4174,20 @@
             <a:r>
               <a:rPr lang="en-US" sz="2400" dirty="0">
                 <a:solidFill>
-                  <a:schemeClr val="bg1"/>
+                  <a:schemeClr val="bg1">
+                    <a:lumMod val="95000"/>
+                    <a:lumOff val="5000"/>
+                  </a:schemeClr>
                 </a:solidFill>
               </a:rPr>
               <a:t>.</a:t>
             </a:r>
             <a:endParaRPr lang="ru-RU" sz="2400" dirty="0">
               <a:solidFill>
-                <a:schemeClr val="bg1"/>
+                <a:schemeClr val="bg1">
+                  <a:lumMod val="95000"/>
+                  <a:lumOff val="5000"/>
+                </a:schemeClr>
               </a:solidFill>
             </a:endParaRPr>
           </a:p>
@@ -3918,7 +4195,10 @@
             <a:r>
               <a:rPr lang="ru-RU" sz="2400" i="1" dirty="0">
                 <a:solidFill>
-                  <a:schemeClr val="bg1"/>
+                  <a:schemeClr val="bg1">
+                    <a:lumMod val="95000"/>
+                    <a:lumOff val="5000"/>
+                  </a:schemeClr>
                 </a:solidFill>
               </a:rPr>
               <a:t>Алимов Альберт Радикович, Донченко Дмитрий Антонович</a:t>
@@ -3926,7 +4206,10 @@
             <a:r>
               <a:rPr lang="ru-RU" sz="2400" i="1" u="sng" dirty="0">
                 <a:solidFill>
-                  <a:schemeClr val="bg1"/>
+                  <a:schemeClr val="bg1">
+                    <a:lumMod val="95000"/>
+                    <a:lumOff val="5000"/>
+                  </a:schemeClr>
                 </a:solidFill>
               </a:rPr>
               <a:t> </a:t>
@@ -3934,14 +4217,13 @@
             <a:r>
               <a:rPr lang="ru-RU" sz="2400" dirty="0">
                 <a:solidFill>
-                  <a:schemeClr val="bg1"/>
+                  <a:schemeClr val="bg1">
+                    <a:lumMod val="95000"/>
+                    <a:lumOff val="5000"/>
+                  </a:schemeClr>
                 </a:solidFill>
               </a:rPr>
-              <a:t>– написание и реализация презентации с документацией</a:t>
-            </a:r>
-            <a:r>
-              <a:rPr lang="ru-RU" sz="2400" dirty="0"/>
-              <a:t>.</a:t>
+              <a:t>– написание и реализация презентации с документацией.</a:t>
             </a:r>
           </a:p>
         </p:txBody>
@@ -3969,14 +4251,26 @@
       <p:bgPr>
         <a:gradFill>
           <a:gsLst>
-            <a:gs pos="21000">
-              <a:srgbClr val="0E7330"/>
+            <a:gs pos="100000">
+              <a:schemeClr val="accent1">
+                <a:alpha val="58000"/>
+                <a:lumMod val="30000"/>
+              </a:schemeClr>
             </a:gs>
-            <a:gs pos="4000">
-              <a:srgbClr val="0E7330"/>
+            <a:gs pos="83000">
+              <a:schemeClr val="accent1">
+                <a:lumMod val="75000"/>
+                <a:alpha val="98000"/>
+              </a:schemeClr>
+            </a:gs>
+            <a:gs pos="14000">
+              <a:srgbClr val="073B18">
+                <a:lumMod val="98000"/>
+                <a:lumOff val="2000"/>
+              </a:srgbClr>
             </a:gs>
           </a:gsLst>
-          <a:lin ang="2700000" scaled="1"/>
+          <a:lin ang="3000000" scaled="0"/>
         </a:gradFill>
         <a:effectLst/>
       </p:bgPr>
@@ -4013,8 +4307,8 @@
         </p:nvSpPr>
         <p:spPr>
           <a:xfrm>
-            <a:off x="714067" y="33887"/>
-            <a:ext cx="10763865" cy="1089529"/>
+            <a:off x="714067" y="26962"/>
+            <a:ext cx="10763865" cy="1103379"/>
           </a:xfrm>
           <a:prstGeom prst="rect">
             <a:avLst/>
@@ -4029,7 +4323,9 @@
           <a:p>
             <a:pPr algn="ctr"/>
             <a:r>
-              <a:rPr lang="ru-RU" sz="3600" b="1" dirty="0"/>
+              <a:rPr lang="ru-RU" sz="3600" b="1" dirty="0">
+                <a:latin typeface="KTF Jermilov Solid" panose="00000500000000000000" pitchFamily="2" charset="-52"/>
+              </a:rPr>
               <a:t>Обоснование выбора языка программирования и используемых программных средств</a:t>
             </a:r>
           </a:p>
@@ -4037,214 +4333,55 @@
       </p:sp>
       <p:sp>
         <p:nvSpPr>
-          <p:cNvPr id="3" name="Объект 2">
+          <p:cNvPr id="7" name="Прямоугольник 6">
             <a:extLst>
               <a:ext uri="{FF2B5EF4-FFF2-40B4-BE49-F238E27FC236}">
-                <a16:creationId xmlns:a16="http://schemas.microsoft.com/office/drawing/2014/main" id="{663B82A7-8686-43F3-B356-1B16280825D6}"/>
+                <a16:creationId xmlns:a16="http://schemas.microsoft.com/office/drawing/2014/main" id="{A117DC3A-3F2E-89FD-5428-894A283D7BE4}"/>
               </a:ext>
             </a:extLst>
           </p:cNvPr>
-          <p:cNvSpPr>
-            <a:spLocks noGrp="1"/>
-          </p:cNvSpPr>
-          <p:nvPr>
-            <p:ph idx="1"/>
-          </p:nvPr>
+          <p:cNvSpPr/>
+          <p:nvPr/>
         </p:nvSpPr>
         <p:spPr>
           <a:xfrm>
-            <a:off x="0" y="978729"/>
-            <a:ext cx="6262777" cy="5879271"/>
+            <a:off x="1" y="1013552"/>
+            <a:ext cx="5640636" cy="5844448"/>
           </a:xfrm>
-          <a:gradFill>
-            <a:gsLst>
-              <a:gs pos="77000">
-                <a:srgbClr val="0E7330"/>
-              </a:gs>
-              <a:gs pos="64000">
-                <a:srgbClr val="0E7330"/>
-              </a:gs>
-            </a:gsLst>
-            <a:lin ang="2700000" scaled="1"/>
-          </a:gradFill>
+          <a:prstGeom prst="rect">
+            <a:avLst/>
+          </a:prstGeom>
+          <a:solidFill>
+            <a:schemeClr val="bg1">
+              <a:alpha val="30000"/>
+            </a:schemeClr>
+          </a:solidFill>
+          <a:ln>
+            <a:noFill/>
+          </a:ln>
         </p:spPr>
-        <p:txBody>
-          <a:bodyPr>
-            <a:normAutofit fontScale="77500" lnSpcReduction="20000"/>
-          </a:bodyPr>
-          <a:lstStyle/>
-          <a:p>
-            <a:endParaRPr lang="ru-RU" b="0" i="0" dirty="0">
-              <a:solidFill>
-                <a:srgbClr val="000000"/>
-              </a:solidFill>
-              <a:effectLst/>
-              <a:latin typeface="Arial" panose="020B0604020202020204" pitchFamily="34" charset="0"/>
-            </a:endParaRPr>
-          </a:p>
-          <a:p>
-            <a:r>
-              <a:rPr lang="ru-RU" b="0" i="0" dirty="0">
-                <a:effectLst/>
-                <a:latin typeface="Arial" panose="020B0604020202020204" pitchFamily="34" charset="0"/>
-              </a:rPr>
-              <a:t>На сегодняшний день на рынке информационных технологий существует большое количество различных средств разработки приложений и веб – сайтов</a:t>
-            </a:r>
-            <a:r>
-              <a:rPr lang="en-US" b="0" i="0" dirty="0">
-                <a:effectLst/>
-                <a:latin typeface="Arial" panose="020B0604020202020204" pitchFamily="34" charset="0"/>
-              </a:rPr>
-              <a:t>.</a:t>
-            </a:r>
-            <a:r>
-              <a:rPr lang="ru-RU" b="0" i="0" dirty="0">
-                <a:effectLst/>
-                <a:latin typeface="Arial" panose="020B0604020202020204" pitchFamily="34" charset="0"/>
-              </a:rPr>
-              <a:t> </a:t>
-            </a:r>
-          </a:p>
-          <a:p>
-            <a:r>
-              <a:rPr lang="ru-RU" b="1" i="1" dirty="0" err="1"/>
-              <a:t>Kivy</a:t>
-            </a:r>
-            <a:r>
-              <a:rPr lang="ru-RU" dirty="0"/>
-              <a:t> — это библиотека </a:t>
-            </a:r>
-            <a:r>
-              <a:rPr lang="ru-RU" b="1" i="1" dirty="0" err="1"/>
-              <a:t>Python</a:t>
-            </a:r>
-            <a:r>
-              <a:rPr lang="ru-RU" dirty="0"/>
-              <a:t>, имеющая открытый код, предназначенная для разработки кроссплатформенных GUI приложений. Она позволяет писать вам приложения с графическим интерфейсом на чистом </a:t>
-            </a:r>
-            <a:r>
-              <a:rPr lang="ru-RU" dirty="0" err="1"/>
-              <a:t>Python</a:t>
-            </a:r>
-            <a:r>
-              <a:rPr lang="ru-RU" dirty="0"/>
-              <a:t>, которые работают на основных платформах (</a:t>
-            </a:r>
-            <a:r>
-              <a:rPr lang="ru-RU" dirty="0" err="1"/>
-              <a:t>Windows</a:t>
-            </a:r>
-            <a:r>
-              <a:rPr lang="ru-RU" dirty="0"/>
-              <a:t>, </a:t>
-            </a:r>
-            <a:r>
-              <a:rPr lang="ru-RU" dirty="0" err="1"/>
-              <a:t>Linux</a:t>
-            </a:r>
-            <a:r>
-              <a:rPr lang="ru-RU" dirty="0"/>
-              <a:t>, </a:t>
-            </a:r>
-            <a:r>
-              <a:rPr lang="ru-RU" dirty="0" err="1"/>
-              <a:t>MacOS</a:t>
-            </a:r>
-            <a:r>
-              <a:rPr lang="ru-RU" dirty="0"/>
-              <a:t>, </a:t>
-            </a:r>
-            <a:r>
-              <a:rPr lang="ru-RU" dirty="0" err="1"/>
-              <a:t>Android</a:t>
-            </a:r>
-            <a:r>
-              <a:rPr lang="ru-RU" dirty="0"/>
-              <a:t>, IOS)</a:t>
-            </a:r>
-            <a:endParaRPr lang="en-US" b="0" i="0" dirty="0">
-              <a:effectLst/>
-              <a:latin typeface="Arial" panose="020B0604020202020204" pitchFamily="34" charset="0"/>
-            </a:endParaRPr>
-          </a:p>
-          <a:p>
-            <a:r>
-              <a:rPr lang="ru-RU" b="0" i="0" dirty="0">
-                <a:effectLst/>
-                <a:latin typeface="Arial" panose="020B0604020202020204" pitchFamily="34" charset="0"/>
-              </a:rPr>
-              <a:t>Фреймворк </a:t>
-            </a:r>
-            <a:r>
-              <a:rPr lang="ru-RU" b="1" i="1" dirty="0" err="1">
-                <a:effectLst/>
-                <a:latin typeface="Arial" panose="020B0604020202020204" pitchFamily="34" charset="0"/>
-              </a:rPr>
-              <a:t>Kivy</a:t>
-            </a:r>
-            <a:r>
-              <a:rPr lang="ru-RU" b="0" i="0" dirty="0">
-                <a:effectLst/>
-                <a:latin typeface="Arial" panose="020B0604020202020204" pitchFamily="34" charset="0"/>
-              </a:rPr>
-              <a:t> разрабатывается с 2011 года. С момента релиза на его основе было построено много проектов под платформу </a:t>
-            </a:r>
-            <a:r>
-              <a:rPr lang="ru-RU" b="0" i="0" dirty="0" err="1">
-                <a:effectLst/>
-                <a:latin typeface="Arial" panose="020B0604020202020204" pitchFamily="34" charset="0"/>
-              </a:rPr>
-              <a:t>Андирод</a:t>
-            </a:r>
-            <a:r>
-              <a:rPr lang="ru-RU" b="0" i="0" dirty="0">
-                <a:effectLst/>
-                <a:latin typeface="Arial" panose="020B0604020202020204" pitchFamily="34" charset="0"/>
-              </a:rPr>
-              <a:t>.</a:t>
-            </a:r>
-            <a:r>
-              <a:rPr lang="en-US" b="0" i="0" dirty="0">
-                <a:effectLst/>
-                <a:latin typeface="Arial" panose="020B0604020202020204" pitchFamily="34" charset="0"/>
-              </a:rPr>
-              <a:t> </a:t>
-            </a:r>
-            <a:r>
-              <a:rPr lang="ru-RU" b="0" i="0" dirty="0">
-                <a:effectLst/>
-                <a:latin typeface="Arial" panose="020B0604020202020204" pitchFamily="34" charset="0"/>
-              </a:rPr>
-              <a:t>Если сравнивать </a:t>
-            </a:r>
-            <a:r>
-              <a:rPr lang="ru-RU" b="1" i="1" dirty="0" err="1">
-                <a:effectLst/>
-                <a:latin typeface="Arial" panose="020B0604020202020204" pitchFamily="34" charset="0"/>
-              </a:rPr>
-              <a:t>Kivy</a:t>
-            </a:r>
-            <a:r>
-              <a:rPr lang="ru-RU" b="0" i="0" dirty="0">
-                <a:effectLst/>
-                <a:latin typeface="Arial" panose="020B0604020202020204" pitchFamily="34" charset="0"/>
-              </a:rPr>
-              <a:t> с другими библиотеками языка Питон по набору функций, то среди крупных конкурентов можно выделить </a:t>
-            </a:r>
-            <a:r>
-              <a:rPr lang="ru-RU" b="1" i="1" dirty="0" err="1">
-                <a:effectLst/>
-                <a:latin typeface="Arial" panose="020B0604020202020204" pitchFamily="34" charset="0"/>
-              </a:rPr>
-              <a:t>PyQT</a:t>
-            </a:r>
-            <a:r>
-              <a:rPr lang="ru-RU" b="0" i="0" dirty="0">
-                <a:effectLst/>
-                <a:latin typeface="Arial" panose="020B0604020202020204" pitchFamily="34" charset="0"/>
-              </a:rPr>
-              <a:t>. Все прочие библиотеки явно будут уступать по функционалу.</a:t>
-            </a:r>
+        <p:style>
+          <a:lnRef idx="2">
+            <a:schemeClr val="accent1">
+              <a:shade val="50000"/>
+            </a:schemeClr>
+          </a:lnRef>
+          <a:fillRef idx="1">
+            <a:schemeClr val="accent1"/>
+          </a:fillRef>
+          <a:effectRef idx="0">
+            <a:schemeClr val="accent1"/>
+          </a:effectRef>
+          <a:fontRef idx="minor">
+            <a:schemeClr val="lt1"/>
+          </a:fontRef>
+        </p:style>
+        <p:txBody>
+          <a:bodyPr rtlCol="0" anchor="ctr"/>
+          <a:lstStyle/>
+          <a:p>
+            <a:pPr algn="ctr"/>
+            <a:endParaRPr lang="ru-RU"/>
           </a:p>
         </p:txBody>
       </p:sp>
@@ -4264,8 +4401,229 @@
         </p:blipFill>
         <p:spPr>
           <a:xfrm>
-            <a:off x="6262777" y="887289"/>
-            <a:ext cx="5662074" cy="5662074"/>
+            <a:off x="6737685" y="1478082"/>
+            <a:ext cx="5346031" cy="5346031"/>
+          </a:xfrm>
+          <a:prstGeom prst="rect">
+            <a:avLst/>
+          </a:prstGeom>
+        </p:spPr>
+      </p:pic>
+      <p:sp>
+        <p:nvSpPr>
+          <p:cNvPr id="8" name="TextBox 7">
+            <a:extLst>
+              <a:ext uri="{FF2B5EF4-FFF2-40B4-BE49-F238E27FC236}">
+                <a16:creationId xmlns:a16="http://schemas.microsoft.com/office/drawing/2014/main" id="{AD653D46-2601-1C4A-917E-5B9A7685110B}"/>
+              </a:ext>
+            </a:extLst>
+          </p:cNvPr>
+          <p:cNvSpPr txBox="1"/>
+          <p:nvPr/>
+        </p:nvSpPr>
+        <p:spPr>
+          <a:xfrm>
+            <a:off x="207896" y="1198727"/>
+            <a:ext cx="5224845" cy="5632311"/>
+          </a:xfrm>
+          <a:prstGeom prst="rect">
+            <a:avLst/>
+          </a:prstGeom>
+          <a:noFill/>
+        </p:spPr>
+        <p:txBody>
+          <a:bodyPr wrap="square" rtlCol="0">
+            <a:spAutoFit/>
+          </a:bodyPr>
+          <a:lstStyle/>
+          <a:p>
+            <a:pPr marL="0" indent="0">
+              <a:buNone/>
+            </a:pPr>
+            <a:r>
+              <a:rPr lang="ru-RU" b="0" i="0" dirty="0">
+                <a:effectLst/>
+                <a:latin typeface="Arial" panose="020B0604020202020204" pitchFamily="34" charset="0"/>
+              </a:rPr>
+              <a:t>На сегодняшний день на рынке информационных технологий существует большое количество различных средств разработки приложений и веб – сайтов</a:t>
+            </a:r>
+            <a:r>
+              <a:rPr lang="en-US" b="0" i="0" dirty="0">
+                <a:effectLst/>
+                <a:latin typeface="Arial" panose="020B0604020202020204" pitchFamily="34" charset="0"/>
+              </a:rPr>
+              <a:t>.</a:t>
+            </a:r>
+            <a:r>
+              <a:rPr lang="ru-RU" b="0" i="0" dirty="0">
+                <a:effectLst/>
+                <a:latin typeface="Arial" panose="020B0604020202020204" pitchFamily="34" charset="0"/>
+              </a:rPr>
+              <a:t> </a:t>
+            </a:r>
+          </a:p>
+          <a:p>
+            <a:pPr marL="0" indent="0">
+              <a:buNone/>
+            </a:pPr>
+            <a:r>
+              <a:rPr lang="ru-RU" b="1" i="1" dirty="0"/>
+              <a:t>    </a:t>
+            </a:r>
+            <a:r>
+              <a:rPr lang="ru-RU" b="1" i="1" dirty="0" err="1"/>
+              <a:t>Kivy</a:t>
+            </a:r>
+            <a:r>
+              <a:rPr lang="ru-RU" dirty="0"/>
+              <a:t> — это библиотека </a:t>
+            </a:r>
+            <a:r>
+              <a:rPr lang="ru-RU" b="1" i="1" dirty="0"/>
+              <a:t>Python</a:t>
+            </a:r>
+            <a:r>
+              <a:rPr lang="ru-RU" dirty="0"/>
+              <a:t>, имеющая открытый код, предназначенная для разработки кроссплатформенных GUI приложений. Она позволяет писать вам приложения с графическим интерфейсом на чистом Python, которые работают на всех платформах (Windows, Linux, </a:t>
+            </a:r>
+            <a:r>
+              <a:rPr lang="ru-RU" dirty="0" err="1"/>
+              <a:t>MacOS</a:t>
+            </a:r>
+            <a:r>
+              <a:rPr lang="ru-RU" dirty="0"/>
+              <a:t>, </a:t>
+            </a:r>
+            <a:r>
+              <a:rPr lang="ru-RU" dirty="0" err="1"/>
+              <a:t>Android</a:t>
+            </a:r>
+            <a:r>
+              <a:rPr lang="ru-RU" dirty="0"/>
+              <a:t>, IOS)</a:t>
+            </a:r>
+            <a:endParaRPr lang="en-US" b="0" i="0" dirty="0">
+              <a:effectLst/>
+              <a:latin typeface="Arial" panose="020B0604020202020204" pitchFamily="34" charset="0"/>
+            </a:endParaRPr>
+          </a:p>
+          <a:p>
+            <a:pPr marL="0" indent="0">
+              <a:buNone/>
+            </a:pPr>
+            <a:r>
+              <a:rPr lang="ru-RU" b="0" i="0" dirty="0">
+                <a:effectLst/>
+                <a:latin typeface="Arial" panose="020B0604020202020204" pitchFamily="34" charset="0"/>
+              </a:rPr>
+              <a:t>   Фреймворк </a:t>
+            </a:r>
+            <a:r>
+              <a:rPr lang="ru-RU" b="1" i="1" dirty="0" err="1">
+                <a:effectLst/>
+                <a:latin typeface="Arial" panose="020B0604020202020204" pitchFamily="34" charset="0"/>
+              </a:rPr>
+              <a:t>Kivy</a:t>
+            </a:r>
+            <a:r>
+              <a:rPr lang="ru-RU" b="0" i="0" dirty="0">
+                <a:effectLst/>
+                <a:latin typeface="Arial" panose="020B0604020202020204" pitchFamily="34" charset="0"/>
+              </a:rPr>
+              <a:t> разрабатывается с 2011 года. С момента релиза на его основе было построено много проектов под платформу </a:t>
+            </a:r>
+            <a:r>
+              <a:rPr lang="ru-RU" b="0" i="0" dirty="0" err="1">
+                <a:effectLst/>
+                <a:latin typeface="Arial" panose="020B0604020202020204" pitchFamily="34" charset="0"/>
+              </a:rPr>
+              <a:t>Андирод</a:t>
+            </a:r>
+            <a:r>
+              <a:rPr lang="ru-RU" b="0" i="0" dirty="0">
+                <a:effectLst/>
+                <a:latin typeface="Arial" panose="020B0604020202020204" pitchFamily="34" charset="0"/>
+              </a:rPr>
+              <a:t>.</a:t>
+            </a:r>
+            <a:r>
+              <a:rPr lang="en-US" b="0" i="0" dirty="0">
+                <a:effectLst/>
+                <a:latin typeface="Arial" panose="020B0604020202020204" pitchFamily="34" charset="0"/>
+              </a:rPr>
+              <a:t> </a:t>
+            </a:r>
+            <a:r>
+              <a:rPr lang="ru-RU" b="0" i="0" dirty="0">
+                <a:effectLst/>
+                <a:latin typeface="Arial" panose="020B0604020202020204" pitchFamily="34" charset="0"/>
+              </a:rPr>
+              <a:t>Если сравнивать </a:t>
+            </a:r>
+            <a:r>
+              <a:rPr lang="ru-RU" b="1" i="1" dirty="0" err="1">
+                <a:effectLst/>
+                <a:latin typeface="Arial" panose="020B0604020202020204" pitchFamily="34" charset="0"/>
+              </a:rPr>
+              <a:t>Kivy</a:t>
+            </a:r>
+            <a:r>
+              <a:rPr lang="ru-RU" b="0" i="0" dirty="0">
+                <a:effectLst/>
+                <a:latin typeface="Arial" panose="020B0604020202020204" pitchFamily="34" charset="0"/>
+              </a:rPr>
+              <a:t> с другими библиотеками языка Питон по набору функций, то среди крупных конкурентов можно выделить </a:t>
+            </a:r>
+            <a:r>
+              <a:rPr lang="ru-RU" b="1" i="1" dirty="0" err="1">
+                <a:effectLst/>
+                <a:latin typeface="Arial" panose="020B0604020202020204" pitchFamily="34" charset="0"/>
+              </a:rPr>
+              <a:t>PyQT</a:t>
+            </a:r>
+            <a:r>
+              <a:rPr lang="ru-RU" b="0" i="0" dirty="0">
+                <a:effectLst/>
+                <a:latin typeface="Arial" panose="020B0604020202020204" pitchFamily="34" charset="0"/>
+              </a:rPr>
+              <a:t>. Все прочие библиотеки явно будут уступать по функционалу.</a:t>
+            </a:r>
+          </a:p>
+          <a:p>
+            <a:endParaRPr lang="ru-RU" dirty="0"/>
+          </a:p>
+        </p:txBody>
+      </p:sp>
+      <p:pic>
+        <p:nvPicPr>
+          <p:cNvPr id="10" name="Рисунок 9">
+            <a:extLst>
+              <a:ext uri="{FF2B5EF4-FFF2-40B4-BE49-F238E27FC236}">
+                <a16:creationId xmlns:a16="http://schemas.microsoft.com/office/drawing/2014/main" id="{5ACB3FC1-5981-8FB8-86D7-8D2A89F534AE}"/>
+              </a:ext>
+            </a:extLst>
+          </p:cNvPr>
+          <p:cNvPicPr>
+            <a:picLocks noChangeAspect="1"/>
+          </p:cNvPicPr>
+          <p:nvPr/>
+        </p:nvPicPr>
+        <p:blipFill>
+          <a:blip r:embed="rId3">
+            <a:extLst>
+              <a:ext uri="{28A0092B-C50C-407E-A947-70E740481C1C}">
+                <a14:useLocalDpi xmlns:a14="http://schemas.microsoft.com/office/drawing/2010/main" val="0"/>
+              </a:ext>
+            </a:extLst>
+          </a:blip>
+          <a:stretch>
+            <a:fillRect/>
+          </a:stretch>
+        </p:blipFill>
+        <p:spPr>
+          <a:xfrm>
+            <a:off x="6845059" y="1585456"/>
+            <a:ext cx="5131281" cy="5131281"/>
           </a:xfrm>
           <a:prstGeom prst="rect">
             <a:avLst/>
@@ -4282,18 +4640,101 @@
   <p:clrMapOvr>
     <a:masterClrMapping/>
   </p:clrMapOvr>
-  <mc:AlternateContent xmlns:mc="http://schemas.openxmlformats.org/markup-compatibility/2006" xmlns:p14="http://schemas.microsoft.com/office/powerpoint/2010/main">
-    <mc:Choice Requires="p14">
-      <p:transition spd="slow">
+  <mc:AlternateContent xmlns:mc="http://schemas.openxmlformats.org/markup-compatibility/2006">
+    <mc:Choice xmlns:p14="http://schemas.microsoft.com/office/powerpoint/2010/main" Requires="p14">
+      <p:transition spd="med">
         <p14:reveal/>
       </p:transition>
     </mc:Choice>
-    <mc:Fallback xmlns="">
-      <p:transition spd="slow">
+    <mc:Fallback>
+      <p:transition spd="med">
         <p:fade/>
       </p:transition>
     </mc:Fallback>
   </mc:AlternateContent>
+  <p:timing>
+    <p:tnLst>
+      <p:par>
+        <p:cTn id="1" dur="indefinite" restart="never" nodeType="tmRoot">
+          <p:childTnLst>
+            <p:seq concurrent="1" nextAc="seek">
+              <p:cTn id="2" dur="indefinite" nodeType="mainSeq">
+                <p:childTnLst>
+                  <p:par>
+                    <p:cTn id="3" fill="hold">
+                      <p:stCondLst>
+                        <p:cond delay="indefinite"/>
+                      </p:stCondLst>
+                      <p:childTnLst>
+                        <p:par>
+                          <p:cTn id="4" fill="hold">
+                            <p:stCondLst>
+                              <p:cond delay="0"/>
+                            </p:stCondLst>
+                            <p:childTnLst>
+                              <p:par>
+                                <p:cTn id="5" presetID="21" presetClass="entr" presetSubtype="1" fill="hold" nodeType="clickEffect">
+                                  <p:stCondLst>
+                                    <p:cond delay="0"/>
+                                  </p:stCondLst>
+                                  <p:childTnLst>
+                                    <p:set>
+                                      <p:cBhvr>
+                                        <p:cTn id="6" dur="1" fill="hold">
+                                          <p:stCondLst>
+                                            <p:cond delay="0"/>
+                                          </p:stCondLst>
+                                        </p:cTn>
+                                        <p:tgtEl>
+                                          <p:spTgt spid="10"/>
+                                        </p:tgtEl>
+                                        <p:attrNameLst>
+                                          <p:attrName>style.visibility</p:attrName>
+                                        </p:attrNameLst>
+                                      </p:cBhvr>
+                                      <p:to>
+                                        <p:strVal val="visible"/>
+                                      </p:to>
+                                    </p:set>
+                                    <p:animEffect transition="in" filter="wheel(1)">
+                                      <p:cBhvr>
+                                        <p:cTn id="7" dur="500"/>
+                                        <p:tgtEl>
+                                          <p:spTgt spid="10"/>
+                                        </p:tgtEl>
+                                      </p:cBhvr>
+                                    </p:animEffect>
+                                  </p:childTnLst>
+                                </p:cTn>
+                              </p:par>
+                            </p:childTnLst>
+                          </p:cTn>
+                        </p:par>
+                      </p:childTnLst>
+                    </p:cTn>
+                  </p:par>
+                </p:childTnLst>
+              </p:cTn>
+              <p:prevCondLst>
+                <p:cond evt="onPrev" delay="0">
+                  <p:tgtEl>
+                    <p:sldTgt/>
+                  </p:tgtEl>
+                </p:cond>
+              </p:prevCondLst>
+              <p:nextCondLst>
+                <p:cond evt="onNext" delay="0">
+                  <p:tgtEl>
+                    <p:sldTgt/>
+                  </p:tgtEl>
+                </p:cond>
+              </p:nextCondLst>
+            </p:seq>
+          </p:childTnLst>
+        </p:cTn>
+      </p:par>
+    </p:tnLst>
+  </p:timing>
 </p:sld>
 </file>
 
@@ -4360,8 +4801,8 @@
         </p:nvSpPr>
         <p:spPr>
           <a:xfrm>
-            <a:off x="3095614" y="0"/>
-            <a:ext cx="6945710" cy="1000664"/>
+            <a:off x="2734369" y="-11289"/>
+            <a:ext cx="7660618" cy="1000664"/>
           </a:xfrm>
         </p:spPr>
         <p:txBody>
@@ -4370,126 +4811,164 @@
           </a:bodyPr>
           <a:lstStyle/>
           <a:p>
-            <a:r>
-              <a:rPr lang="ru-RU" sz="4800" b="1" u="sng" dirty="0"/>
+            <a:pPr algn="ctr"/>
+            <a:r>
+              <a:rPr lang="ru-RU" sz="4800" b="1" u="sng" dirty="0">
+                <a:latin typeface="KTF Jermilov Solid" panose="00000500000000000000" pitchFamily="2" charset="-52"/>
+              </a:rPr>
               <a:t>Мобильное приложение</a:t>
             </a:r>
           </a:p>
         </p:txBody>
       </p:sp>
-      <p:pic>
-        <p:nvPicPr>
-          <p:cNvPr id="8" name="Объект 7">
+      <p:grpSp>
+        <p:nvGrpSpPr>
+          <p:cNvPr id="15" name="Группа 14">
             <a:extLst>
               <a:ext uri="{FF2B5EF4-FFF2-40B4-BE49-F238E27FC236}">
-                <a16:creationId xmlns:a16="http://schemas.microsoft.com/office/drawing/2014/main" id="{5F554E81-2E90-4319-8BE2-1068289DC84E}"/>
+                <a16:creationId xmlns:a16="http://schemas.microsoft.com/office/drawing/2014/main" id="{CB442D46-B6A6-781C-EBB4-2059680295DA}"/>
               </a:ext>
             </a:extLst>
           </p:cNvPr>
-          <p:cNvPicPr>
-            <a:picLocks noGrp="1" noChangeAspect="1"/>
-          </p:cNvPicPr>
-          <p:nvPr>
-            <p:ph sz="half" idx="1"/>
-          </p:nvPr>
-        </p:nvPicPr>
-        <p:blipFill>
-          <a:blip r:embed="rId2">
-            <a:extLst>
-              <a:ext uri="{28A0092B-C50C-407E-A947-70E740481C1C}">
-                <a14:useLocalDpi xmlns:a14="http://schemas.microsoft.com/office/drawing/2010/main" val="0"/>
-              </a:ext>
-            </a:extLst>
-          </a:blip>
-          <a:stretch>
-            <a:fillRect/>
-          </a:stretch>
-        </p:blipFill>
-        <p:spPr>
+          <p:cNvGrpSpPr/>
+          <p:nvPr/>
+        </p:nvGrpSpPr>
+        <p:grpSpPr>
           <a:xfrm>
-            <a:off x="8193722" y="1000663"/>
-            <a:ext cx="3695204" cy="5650860"/>
+            <a:off x="4032173" y="998789"/>
+            <a:ext cx="3924697" cy="3479751"/>
+            <a:chOff x="4032173" y="998789"/>
+            <a:chExt cx="3924697" cy="3479751"/>
           </a:xfrm>
-        </p:spPr>
-      </p:pic>
-      <p:pic>
-        <p:nvPicPr>
-          <p:cNvPr id="6" name="Объект 5">
-            <a:extLst>
-              <a:ext uri="{FF2B5EF4-FFF2-40B4-BE49-F238E27FC236}">
-                <a16:creationId xmlns:a16="http://schemas.microsoft.com/office/drawing/2014/main" id="{F7E147A8-765C-4700-9AED-345D5B5C75A6}"/>
-              </a:ext>
-            </a:extLst>
-          </p:cNvPr>
-          <p:cNvPicPr>
-            <a:picLocks noGrp="1" noChangeAspect="1"/>
-          </p:cNvPicPr>
-          <p:nvPr>
-            <p:ph sz="half" idx="2"/>
-          </p:nvPr>
-        </p:nvPicPr>
-        <p:blipFill>
-          <a:blip r:embed="rId3">
-            <a:extLst>
-              <a:ext uri="{28A0092B-C50C-407E-A947-70E740481C1C}">
-                <a14:useLocalDpi xmlns:a14="http://schemas.microsoft.com/office/drawing/2010/main" val="0"/>
-              </a:ext>
-            </a:extLst>
-          </a:blip>
-          <a:stretch>
-            <a:fillRect/>
-          </a:stretch>
-        </p:blipFill>
-        <p:spPr>
-          <a:xfrm>
-            <a:off x="289578" y="1000663"/>
-            <a:ext cx="3392129" cy="5650860"/>
-          </a:xfrm>
-        </p:spPr>
-      </p:pic>
-      <p:sp>
-        <p:nvSpPr>
-          <p:cNvPr id="12" name="TextBox 11">
-            <a:extLst>
-              <a:ext uri="{FF2B5EF4-FFF2-40B4-BE49-F238E27FC236}">
-                <a16:creationId xmlns:a16="http://schemas.microsoft.com/office/drawing/2014/main" id="{9898B2DA-FBF1-410C-B633-2FF0122C52D4}"/>
-              </a:ext>
-            </a:extLst>
-          </p:cNvPr>
-          <p:cNvSpPr txBox="1"/>
-          <p:nvPr/>
-        </p:nvSpPr>
-        <p:spPr>
-          <a:xfrm>
-            <a:off x="4221633" y="1000665"/>
-            <a:ext cx="3735237" cy="3477875"/>
-          </a:xfrm>
-          <a:prstGeom prst="rect">
-            <a:avLst/>
-          </a:prstGeom>
-          <a:noFill/>
-        </p:spPr>
-        <p:txBody>
-          <a:bodyPr wrap="square">
-            <a:spAutoFit/>
-          </a:bodyPr>
-          <a:lstStyle/>
-          <a:p>
-            <a:pPr algn="ctr"/>
-            <a:r>
-              <a:rPr lang="ru-RU" sz="2000" dirty="0"/>
-              <a:t>На этом слайде наглядно отображено техническое задание к нашему проекту</a:t>
-            </a:r>
-            <a:r>
-              <a:rPr lang="en-US" sz="2000" dirty="0"/>
-              <a:t>. </a:t>
-            </a:r>
-            <a:r>
-              <a:rPr lang="ru-RU" sz="2000" dirty="0"/>
-              <a:t>Меню мобильного приложение которое было разработано через </a:t>
-            </a:r>
-            <a:r>
-              <a:rPr lang="en-US" sz="2000" i="1" u="sng" dirty="0" err="1">
+        </p:grpSpPr>
+        <p:sp>
+          <p:nvSpPr>
+            <p:cNvPr id="3" name="Прямоугольник 2">
+              <a:extLst>
+                <a:ext uri="{FF2B5EF4-FFF2-40B4-BE49-F238E27FC236}">
+                  <a16:creationId xmlns:a16="http://schemas.microsoft.com/office/drawing/2014/main" id="{AE66D502-CC35-6B22-E6D9-8EA46ABD6911}"/>
+                </a:ext>
+              </a:extLst>
+            </p:cNvPr>
+            <p:cNvSpPr/>
+            <p:nvPr/>
+          </p:nvSpPr>
+          <p:spPr>
+            <a:xfrm>
+              <a:off x="4032173" y="1000663"/>
+              <a:ext cx="3924697" cy="3477877"/>
+            </a:xfrm>
+            <a:prstGeom prst="rect">
+              <a:avLst/>
+            </a:prstGeom>
+            <a:solidFill>
+              <a:schemeClr val="bg1">
+                <a:alpha val="20000"/>
+              </a:schemeClr>
+            </a:solidFill>
+            <a:ln>
+              <a:noFill/>
+            </a:ln>
+          </p:spPr>
+          <p:style>
+            <a:lnRef idx="2">
+              <a:schemeClr val="accent1">
+                <a:shade val="50000"/>
+              </a:schemeClr>
+            </a:lnRef>
+            <a:fillRef idx="1">
+              <a:schemeClr val="accent1"/>
+            </a:fillRef>
+            <a:effectRef idx="0">
+              <a:schemeClr val="accent1"/>
+            </a:effectRef>
+            <a:fontRef idx="minor">
+              <a:schemeClr val="lt1"/>
+            </a:fontRef>
+          </p:style>
+          <p:txBody>
+            <a:bodyPr rtlCol="0" anchor="ctr"/>
+            <a:lstStyle/>
+            <a:p>
+              <a:pPr algn="ctr"/>
+              <a:endParaRPr lang="ru-RU"/>
+            </a:p>
+          </p:txBody>
+        </p:sp>
+        <p:sp>
+          <p:nvSpPr>
+            <p:cNvPr id="12" name="TextBox 11">
+              <a:extLst>
+                <a:ext uri="{FF2B5EF4-FFF2-40B4-BE49-F238E27FC236}">
+                  <a16:creationId xmlns:a16="http://schemas.microsoft.com/office/drawing/2014/main" id="{9898B2DA-FBF1-410C-B633-2FF0122C52D4}"/>
+                </a:ext>
+              </a:extLst>
+            </p:cNvPr>
+            <p:cNvSpPr txBox="1"/>
+            <p:nvPr/>
+          </p:nvSpPr>
+          <p:spPr>
+            <a:xfrm>
+              <a:off x="4126902" y="998789"/>
+              <a:ext cx="3735237" cy="3477875"/>
+            </a:xfrm>
+            <a:prstGeom prst="rect">
+              <a:avLst/>
+            </a:prstGeom>
+            <a:noFill/>
+          </p:spPr>
+          <p:txBody>
+            <a:bodyPr wrap="square">
+              <a:spAutoFit/>
+            </a:bodyPr>
+            <a:lstStyle/>
+            <a:p>
+              <a:pPr algn="ctr"/>
+              <a:r>
+                <a:rPr lang="ru-RU" sz="2000" dirty="0"/>
+                <a:t>На этом слайде наглядно отображено техническое задание к нашему проекту</a:t>
+              </a:r>
+              <a:r>
+                <a:rPr lang="en-US" sz="2000" dirty="0"/>
+                <a:t>. </a:t>
+              </a:r>
+              <a:r>
+                <a:rPr lang="ru-RU" sz="2000" dirty="0"/>
+                <a:t>Меню мобильного приложение которое было разработано с помощью </a:t>
+              </a:r>
+              <a:r>
+                <a:rPr lang="en-US" sz="2000" i="1" u="sng" dirty="0">
+                  <a:effectLst>
+                    <a:outerShdw blurRad="38100" dist="38100" dir="2700000" algn="tl">
+                      <a:srgbClr val="000000">
+                        <a:alpha val="43137"/>
+                      </a:srgbClr>
+                    </a:outerShdw>
+                  </a:effectLst>
+                </a:rPr>
+                <a:t>kivy python</a:t>
+              </a:r>
+              <a:r>
+                <a:rPr lang="en-US" sz="2000" dirty="0"/>
+                <a:t>. </a:t>
+              </a:r>
+              <a:r>
+                <a:rPr lang="ru-RU" sz="2000" dirty="0"/>
+                <a:t>И чтобы оно было удобно для всех возрастов</a:t>
+              </a:r>
+              <a:r>
+                <a:rPr lang="en-US" sz="2000" dirty="0"/>
+                <a:t>, </a:t>
+              </a:r>
+              <a:r>
+                <a:rPr lang="ru-RU" sz="2000" dirty="0"/>
+                <a:t>было принято решение сделать его довольно простым для использования и добавить большой функционал</a:t>
+              </a:r>
+              <a:r>
+                <a:rPr lang="en-US" sz="2000" dirty="0"/>
+                <a:t>.</a:t>
+              </a:r>
+              <a:endParaRPr lang="ru-RU" sz="2000" i="1" u="sng" dirty="0">
                 <a:effectLst>
                   <a:outerShdw blurRad="38100" dist="38100" dir="2700000" algn="tl">
                     <a:srgbClr val="000000">
@@ -4497,53 +4976,129 @@
                     </a:srgbClr>
                   </a:outerShdw>
                 </a:effectLst>
-              </a:rPr>
-              <a:t>kivy</a:t>
-            </a:r>
-            <a:r>
-              <a:rPr lang="en-US" sz="2000" i="1" u="sng" dirty="0">
-                <a:effectLst>
-                  <a:outerShdw blurRad="38100" dist="38100" dir="2700000" algn="tl">
-                    <a:srgbClr val="000000">
-                      <a:alpha val="43137"/>
-                    </a:srgbClr>
-                  </a:outerShdw>
-                </a:effectLst>
-              </a:rPr>
-              <a:t> python</a:t>
-            </a:r>
-            <a:r>
-              <a:rPr lang="en-US" sz="2000" dirty="0"/>
-              <a:t>. </a:t>
-            </a:r>
-            <a:r>
-              <a:rPr lang="ru-RU" sz="2000" dirty="0"/>
-              <a:t>И чтобы оно было удобно для всех возрастов</a:t>
-            </a:r>
-            <a:r>
-              <a:rPr lang="en-US" sz="2000" dirty="0"/>
-              <a:t>, </a:t>
-            </a:r>
-            <a:r>
-              <a:rPr lang="ru-RU" sz="2000" dirty="0"/>
-              <a:t>было принято решение сделать его довольно простым для использования и добавить большой функционал</a:t>
-            </a:r>
-            <a:r>
-              <a:rPr lang="en-US" sz="2000" dirty="0"/>
-              <a:t>.</a:t>
-            </a:r>
-            <a:endParaRPr lang="ru-RU" sz="2000" i="1" u="sng" dirty="0">
-              <a:effectLst>
-                <a:outerShdw blurRad="38100" dist="38100" dir="2700000" algn="tl">
-                  <a:srgbClr val="000000">
-                    <a:alpha val="43137"/>
-                  </a:srgbClr>
-                </a:outerShdw>
-              </a:effectLst>
-            </a:endParaRPr>
-          </a:p>
-        </p:txBody>
-      </p:sp>
+              </a:endParaRPr>
+            </a:p>
+          </p:txBody>
+        </p:sp>
+      </p:grpSp>
+      <p:pic>
+        <p:nvPicPr>
+          <p:cNvPr id="14" name="Объект 13">
+            <a:extLst>
+              <a:ext uri="{FF2B5EF4-FFF2-40B4-BE49-F238E27FC236}">
+                <a16:creationId xmlns:a16="http://schemas.microsoft.com/office/drawing/2014/main" id="{2A3322F3-0A57-E4FA-EA8E-7934A6D31D62}"/>
+              </a:ext>
+            </a:extLst>
+          </p:cNvPr>
+          <p:cNvPicPr>
+            <a:picLocks noGrp="1" noChangeAspect="1"/>
+          </p:cNvPicPr>
+          <p:nvPr>
+            <p:ph sz="half" idx="1"/>
+          </p:nvPr>
+        </p:nvPicPr>
+        <p:blipFill>
+          <a:blip r:embed="rId2"/>
+          <a:stretch>
+            <a:fillRect/>
+          </a:stretch>
+        </p:blipFill>
+        <p:spPr>
+          <a:xfrm>
+            <a:off x="8002458" y="1000662"/>
+            <a:ext cx="4083551" cy="5378103"/>
+          </a:xfrm>
+        </p:spPr>
+      </p:pic>
+      <p:pic>
+        <p:nvPicPr>
+          <p:cNvPr id="19" name="Объект 18">
+            <a:extLst>
+              <a:ext uri="{FF2B5EF4-FFF2-40B4-BE49-F238E27FC236}">
+                <a16:creationId xmlns:a16="http://schemas.microsoft.com/office/drawing/2014/main" id="{CA6BB3D1-8278-4F8C-EBF5-D6E5C054FE7E}"/>
+              </a:ext>
+            </a:extLst>
+          </p:cNvPr>
+          <p:cNvPicPr>
+            <a:picLocks noGrp="1" noChangeAspect="1"/>
+          </p:cNvPicPr>
+          <p:nvPr>
+            <p:ph sz="half" idx="2"/>
+          </p:nvPr>
+        </p:nvPicPr>
+        <p:blipFill>
+          <a:blip r:embed="rId3"/>
+          <a:stretch>
+            <a:fillRect/>
+          </a:stretch>
+        </p:blipFill>
+        <p:spPr>
+          <a:xfrm>
+            <a:off x="74494" y="998788"/>
+            <a:ext cx="3933026" cy="5247775"/>
+          </a:xfrm>
+        </p:spPr>
+      </p:pic>
+      <p:pic>
+        <p:nvPicPr>
+          <p:cNvPr id="21" name="Рисунок 20">
+            <a:extLst>
+              <a:ext uri="{FF2B5EF4-FFF2-40B4-BE49-F238E27FC236}">
+                <a16:creationId xmlns:a16="http://schemas.microsoft.com/office/drawing/2014/main" id="{38C31EE8-8DAC-7F1C-146C-D3935DBA7828}"/>
+              </a:ext>
+            </a:extLst>
+          </p:cNvPr>
+          <p:cNvPicPr>
+            <a:picLocks noChangeAspect="1"/>
+          </p:cNvPicPr>
+          <p:nvPr/>
+        </p:nvPicPr>
+        <p:blipFill>
+          <a:blip r:embed="rId4"/>
+          <a:stretch>
+            <a:fillRect/>
+          </a:stretch>
+        </p:blipFill>
+        <p:spPr>
+          <a:xfrm>
+            <a:off x="12334684" y="1012131"/>
+            <a:ext cx="4231109" cy="5355163"/>
+          </a:xfrm>
+          <a:prstGeom prst="rect">
+            <a:avLst/>
+          </a:prstGeom>
+        </p:spPr>
+      </p:pic>
+      <p:pic>
+        <p:nvPicPr>
+          <p:cNvPr id="23" name="Рисунок 22">
+            <a:extLst>
+              <a:ext uri="{FF2B5EF4-FFF2-40B4-BE49-F238E27FC236}">
+                <a16:creationId xmlns:a16="http://schemas.microsoft.com/office/drawing/2014/main" id="{FE63E3B9-4678-1B08-E858-6D1A44AE9EC5}"/>
+              </a:ext>
+            </a:extLst>
+          </p:cNvPr>
+          <p:cNvPicPr>
+            <a:picLocks noChangeAspect="1"/>
+          </p:cNvPicPr>
+          <p:nvPr/>
+        </p:nvPicPr>
+        <p:blipFill>
+          <a:blip r:embed="rId5"/>
+          <a:stretch>
+            <a:fillRect/>
+          </a:stretch>
+        </p:blipFill>
+        <p:spPr>
+          <a:xfrm>
+            <a:off x="16814468" y="1023602"/>
+            <a:ext cx="4312089" cy="5355163"/>
+          </a:xfrm>
+          <a:prstGeom prst="rect">
+            <a:avLst/>
+          </a:prstGeom>
+        </p:spPr>
+      </p:pic>
     </p:spTree>
     <p:extLst>
       <p:ext uri="{BB962C8B-B14F-4D97-AF65-F5344CB8AC3E}">
@@ -4566,6 +5121,322 @@
       </p:transition>
     </mc:Fallback>
   </mc:AlternateContent>
+  <p:timing>
+    <p:tnLst>
+      <p:par>
+        <p:cTn id="1" dur="indefinite" restart="never" nodeType="tmRoot">
+          <p:childTnLst>
+            <p:seq concurrent="1" nextAc="seek">
+              <p:cTn id="2" dur="indefinite" nodeType="mainSeq">
+                <p:childTnLst>
+                  <p:par>
+                    <p:cTn id="3" fill="hold">
+                      <p:stCondLst>
+                        <p:cond delay="indefinite"/>
+                      </p:stCondLst>
+                      <p:childTnLst>
+                        <p:par>
+                          <p:cTn id="4" fill="hold">
+                            <p:stCondLst>
+                              <p:cond delay="0"/>
+                            </p:stCondLst>
+                            <p:childTnLst>
+                              <p:par>
+                                <p:cTn id="5" presetID="42" presetClass="exit" presetSubtype="0" fill="hold" nodeType="clickEffect">
+                                  <p:stCondLst>
+                                    <p:cond delay="0"/>
+                                  </p:stCondLst>
+                                  <p:childTnLst>
+                                    <p:animEffect transition="out" filter="fade">
+                                      <p:cBhvr>
+                                        <p:cTn id="6" dur="1000"/>
+                                        <p:tgtEl>
+                                          <p:spTgt spid="19"/>
+                                        </p:tgtEl>
+                                      </p:cBhvr>
+                                    </p:animEffect>
+                                    <p:anim calcmode="lin" valueType="num">
+                                      <p:cBhvr>
+                                        <p:cTn id="7" dur="1000"/>
+                                        <p:tgtEl>
+                                          <p:spTgt spid="19"/>
+                                        </p:tgtEl>
+                                        <p:attrNameLst>
+                                          <p:attrName>ppt_x</p:attrName>
+                                        </p:attrNameLst>
+                                      </p:cBhvr>
+                                      <p:tavLst>
+                                        <p:tav tm="0">
+                                          <p:val>
+                                            <p:strVal val="ppt_x"/>
+                                          </p:val>
+                                        </p:tav>
+                                        <p:tav tm="100000">
+                                          <p:val>
+                                            <p:strVal val="ppt_x"/>
+                                          </p:val>
+                                        </p:tav>
+                                      </p:tavLst>
+                                    </p:anim>
+                                    <p:anim calcmode="lin" valueType="num">
+                                      <p:cBhvr>
+                                        <p:cTn id="8" dur="1000"/>
+                                        <p:tgtEl>
+                                          <p:spTgt spid="19"/>
+                                        </p:tgtEl>
+                                        <p:attrNameLst>
+                                          <p:attrName>ppt_y</p:attrName>
+                                        </p:attrNameLst>
+                                      </p:cBhvr>
+                                      <p:tavLst>
+                                        <p:tav tm="0">
+                                          <p:val>
+                                            <p:strVal val="ppt_y"/>
+                                          </p:val>
+                                        </p:tav>
+                                        <p:tav tm="100000">
+                                          <p:val>
+                                            <p:strVal val="ppt_y+.1"/>
+                                          </p:val>
+                                        </p:tav>
+                                      </p:tavLst>
+                                    </p:anim>
+                                    <p:set>
+                                      <p:cBhvr>
+                                        <p:cTn id="9" dur="1" fill="hold">
+                                          <p:stCondLst>
+                                            <p:cond delay="999"/>
+                                          </p:stCondLst>
+                                        </p:cTn>
+                                        <p:tgtEl>
+                                          <p:spTgt spid="19"/>
+                                        </p:tgtEl>
+                                        <p:attrNameLst>
+                                          <p:attrName>style.visibility</p:attrName>
+                                        </p:attrNameLst>
+                                      </p:cBhvr>
+                                      <p:to>
+                                        <p:strVal val="hidden"/>
+                                      </p:to>
+                                    </p:set>
+                                  </p:childTnLst>
+                                </p:cTn>
+                              </p:par>
+                              <p:par>
+                                <p:cTn id="10" presetID="42" presetClass="path" presetSubtype="0" accel="50000" decel="50000" fill="hold" nodeType="withEffect">
+                                  <p:stCondLst>
+                                    <p:cond delay="0"/>
+                                  </p:stCondLst>
+                                  <p:childTnLst>
+                                    <p:animMotion origin="layout" path="M 0.00026 -0.00301 L -0.65899 -0.00139 " pathEditMode="relative" rAng="0" ptsTypes="AA">
+                                      <p:cBhvr>
+                                        <p:cTn id="11" dur="1500" fill="hold"/>
+                                        <p:tgtEl>
+                                          <p:spTgt spid="14"/>
+                                        </p:tgtEl>
+                                        <p:attrNameLst>
+                                          <p:attrName>ppt_x</p:attrName>
+                                          <p:attrName>ppt_y</p:attrName>
+                                        </p:attrNameLst>
+                                      </p:cBhvr>
+                                      <p:rCtr x="-32969" y="69"/>
+                                    </p:animMotion>
+                                  </p:childTnLst>
+                                </p:cTn>
+                              </p:par>
+                              <p:par>
+                                <p:cTn id="12" presetID="42" presetClass="path" presetSubtype="0" accel="50000" decel="50000" fill="hold" nodeType="withEffect">
+                                  <p:stCondLst>
+                                    <p:cond delay="0"/>
+                                  </p:stCondLst>
+                                  <p:childTnLst>
+                                    <p:animMotion origin="layout" path="M 3.75E-6 -2.96296E-6 L -0.36107 -0.00301 " pathEditMode="relative" rAng="0" ptsTypes="AA">
+                                      <p:cBhvr>
+                                        <p:cTn id="13" dur="1500" fill="hold"/>
+                                        <p:tgtEl>
+                                          <p:spTgt spid="21"/>
+                                        </p:tgtEl>
+                                        <p:attrNameLst>
+                                          <p:attrName>ppt_x</p:attrName>
+                                          <p:attrName>ppt_y</p:attrName>
+                                        </p:attrNameLst>
+                                      </p:cBhvr>
+                                      <p:rCtr x="-18190" y="185"/>
+                                    </p:animMotion>
+                                  </p:childTnLst>
+                                </p:cTn>
+                              </p:par>
+                            </p:childTnLst>
+                          </p:cTn>
+                        </p:par>
+                      </p:childTnLst>
+                    </p:cTn>
+                  </p:par>
+                  <p:par>
+                    <p:cTn id="14" fill="hold">
+                      <p:stCondLst>
+                        <p:cond delay="indefinite"/>
+                      </p:stCondLst>
+                      <p:childTnLst>
+                        <p:par>
+                          <p:cTn id="15" fill="hold">
+                            <p:stCondLst>
+                              <p:cond delay="0"/>
+                            </p:stCondLst>
+                            <p:childTnLst>
+                              <p:par>
+                                <p:cTn id="16" presetID="42" presetClass="exit" presetSubtype="0" fill="hold" nodeType="clickEffect">
+                                  <p:stCondLst>
+                                    <p:cond delay="0"/>
+                                  </p:stCondLst>
+                                  <p:childTnLst>
+                                    <p:animEffect transition="out" filter="fade">
+                                      <p:cBhvr>
+                                        <p:cTn id="17" dur="1000"/>
+                                        <p:tgtEl>
+                                          <p:spTgt spid="14"/>
+                                        </p:tgtEl>
+                                      </p:cBhvr>
+                                    </p:animEffect>
+                                    <p:anim calcmode="lin" valueType="num">
+                                      <p:cBhvr>
+                                        <p:cTn id="18" dur="1000"/>
+                                        <p:tgtEl>
+                                          <p:spTgt spid="14"/>
+                                        </p:tgtEl>
+                                        <p:attrNameLst>
+                                          <p:attrName>ppt_x</p:attrName>
+                                        </p:attrNameLst>
+                                      </p:cBhvr>
+                                      <p:tavLst>
+                                        <p:tav tm="0">
+                                          <p:val>
+                                            <p:strVal val="ppt_x"/>
+                                          </p:val>
+                                        </p:tav>
+                                        <p:tav tm="100000">
+                                          <p:val>
+                                            <p:strVal val="ppt_x"/>
+                                          </p:val>
+                                        </p:tav>
+                                      </p:tavLst>
+                                    </p:anim>
+                                    <p:anim calcmode="lin" valueType="num">
+                                      <p:cBhvr>
+                                        <p:cTn id="19" dur="1000"/>
+                                        <p:tgtEl>
+                                          <p:spTgt spid="14"/>
+                                        </p:tgtEl>
+                                        <p:attrNameLst>
+                                          <p:attrName>ppt_y</p:attrName>
+                                        </p:attrNameLst>
+                                      </p:cBhvr>
+                                      <p:tavLst>
+                                        <p:tav tm="0">
+                                          <p:val>
+                                            <p:strVal val="ppt_y"/>
+                                          </p:val>
+                                        </p:tav>
+                                        <p:tav tm="100000">
+                                          <p:val>
+                                            <p:strVal val="ppt_y+.1"/>
+                                          </p:val>
+                                        </p:tav>
+                                      </p:tavLst>
+                                    </p:anim>
+                                    <p:set>
+                                      <p:cBhvr>
+                                        <p:cTn id="20" dur="1" fill="hold">
+                                          <p:stCondLst>
+                                            <p:cond delay="999"/>
+                                          </p:stCondLst>
+                                        </p:cTn>
+                                        <p:tgtEl>
+                                          <p:spTgt spid="14"/>
+                                        </p:tgtEl>
+                                        <p:attrNameLst>
+                                          <p:attrName>style.visibility</p:attrName>
+                                        </p:attrNameLst>
+                                      </p:cBhvr>
+                                      <p:to>
+                                        <p:strVal val="hidden"/>
+                                      </p:to>
+                                    </p:set>
+                                  </p:childTnLst>
+                                </p:cTn>
+                              </p:par>
+                              <p:par>
+                                <p:cTn id="21" presetID="42" presetClass="path" presetSubtype="0" accel="50000" decel="50000" fill="hold" nodeType="withEffect">
+                                  <p:stCondLst>
+                                    <p:cond delay="0"/>
+                                  </p:stCondLst>
+                                  <p:childTnLst>
+                                    <p:animMotion origin="layout" path="M -0.36107 -0.00301 L -1.01107 -0.00787 " pathEditMode="relative" rAng="0" ptsTypes="AA">
+                                      <p:cBhvr>
+                                        <p:cTn id="22" dur="1500" fill="hold"/>
+                                        <p:tgtEl>
+                                          <p:spTgt spid="21"/>
+                                        </p:tgtEl>
+                                        <p:attrNameLst>
+                                          <p:attrName>ppt_x</p:attrName>
+                                          <p:attrName>ppt_y</p:attrName>
+                                        </p:attrNameLst>
+                                      </p:cBhvr>
+                                      <p:rCtr x="-32500" y="-255"/>
+                                    </p:animMotion>
+                                  </p:childTnLst>
+                                </p:cTn>
+                              </p:par>
+                              <p:par>
+                                <p:cTn id="23" presetID="42" presetClass="path" presetSubtype="0" accel="50000" decel="50000" fill="hold" nodeType="withEffect">
+                                  <p:stCondLst>
+                                    <p:cond delay="0"/>
+                                  </p:stCondLst>
+                                  <p:childTnLst>
+                                    <p:animMotion origin="layout" path="M 4.16667E-7 -3.33333E-6 L -0.7319 -0.00463 " pathEditMode="relative" rAng="0" ptsTypes="AA">
+                                      <p:cBhvr>
+                                        <p:cTn id="24" dur="1500" fill="hold"/>
+                                        <p:tgtEl>
+                                          <p:spTgt spid="23"/>
+                                        </p:tgtEl>
+                                        <p:attrNameLst>
+                                          <p:attrName>ppt_x</p:attrName>
+                                          <p:attrName>ppt_y</p:attrName>
+                                        </p:attrNameLst>
+                                      </p:cBhvr>
+                                      <p:rCtr x="-37057" y="-486"/>
+                                    </p:animMotion>
+                                  </p:childTnLst>
+                                </p:cTn>
+                              </p:par>
+                            </p:childTnLst>
+                          </p:cTn>
+                        </p:par>
+                      </p:childTnLst>
+                    </p:cTn>
+                  </p:par>
+                </p:childTnLst>
+              </p:cTn>
+              <p:prevCondLst>
+                <p:cond evt="onPrev" delay="0">
+                  <p:tgtEl>
+                    <p:sldTgt/>
+                  </p:tgtEl>
+                </p:cond>
+              </p:prevCondLst>
+              <p:nextCondLst>
+                <p:cond evt="onNext" delay="0">
+                  <p:tgtEl>
+                    <p:sldTgt/>
+                  </p:tgtEl>
+                </p:cond>
+              </p:nextCondLst>
+            </p:seq>
+          </p:childTnLst>
+        </p:cTn>
+      </p:par>
+    </p:tnLst>
+  </p:timing>
 </p:sld>
 </file>
 
@@ -4624,6 +5495,57 @@
       </p:pic>
       <p:sp>
         <p:nvSpPr>
+          <p:cNvPr id="5" name="Прямоугольник 4">
+            <a:extLst>
+              <a:ext uri="{FF2B5EF4-FFF2-40B4-BE49-F238E27FC236}">
+                <a16:creationId xmlns:a16="http://schemas.microsoft.com/office/drawing/2014/main" id="{7041E1BE-7A49-90DF-76E8-FCE305DE62AF}"/>
+              </a:ext>
+            </a:extLst>
+          </p:cNvPr>
+          <p:cNvSpPr/>
+          <p:nvPr/>
+        </p:nvSpPr>
+        <p:spPr>
+          <a:xfrm>
+            <a:off x="0" y="0"/>
+            <a:ext cx="12191999" cy="6920916"/>
+          </a:xfrm>
+          <a:prstGeom prst="rect">
+            <a:avLst/>
+          </a:prstGeom>
+          <a:solidFill>
+            <a:schemeClr val="bg1">
+              <a:alpha val="39000"/>
+            </a:schemeClr>
+          </a:solidFill>
+        </p:spPr>
+        <p:style>
+          <a:lnRef idx="2">
+            <a:schemeClr val="accent1">
+              <a:shade val="50000"/>
+            </a:schemeClr>
+          </a:lnRef>
+          <a:fillRef idx="1">
+            <a:schemeClr val="accent1"/>
+          </a:fillRef>
+          <a:effectRef idx="0">
+            <a:schemeClr val="accent1"/>
+          </a:effectRef>
+          <a:fontRef idx="minor">
+            <a:schemeClr val="lt1"/>
+          </a:fontRef>
+        </p:style>
+        <p:txBody>
+          <a:bodyPr rtlCol="0" anchor="ctr"/>
+          <a:lstStyle/>
+          <a:p>
+            <a:pPr algn="ctr"/>
+            <a:endParaRPr lang="ru-RU"/>
+          </a:p>
+        </p:txBody>
+      </p:sp>
+      <p:sp>
+        <p:nvSpPr>
           <p:cNvPr id="3" name="Прямоугольник 2"/>
           <p:cNvSpPr/>
           <p:nvPr/>
@@ -4638,7 +5560,7 @@
           </a:prstGeom>
           <a:solidFill>
             <a:srgbClr val="92D050">
-              <a:alpha val="66000"/>
+              <a:alpha val="34000"/>
             </a:srgbClr>
           </a:solidFill>
         </p:spPr>
@@ -4696,7 +5618,9 @@
           <a:lstStyle/>
           <a:p>
             <a:r>
-              <a:rPr lang="ru-RU" b="1" dirty="0"/>
+              <a:rPr lang="ru-RU" b="1" dirty="0">
+                <a:latin typeface="KTF Jermilov Solid" panose="00000500000000000000" pitchFamily="2" charset="-52"/>
+              </a:rPr>
               <a:t>Веб - сайт</a:t>
             </a:r>
           </a:p>
@@ -4721,7 +5645,7 @@
         <p:spPr>
           <a:xfrm>
             <a:off x="186813" y="810329"/>
-            <a:ext cx="11857702" cy="906328"/>
+            <a:ext cx="11857702" cy="1265606"/>
           </a:xfrm>
         </p:spPr>
         <p:txBody>
@@ -4732,30 +5656,46 @@
           <a:p>
             <a:pPr algn="ctr"/>
             <a:r>
-              <a:rPr lang="ru-RU" dirty="0"/>
-              <a:t>Помимо приложения мы решили создать веб-сайт, с помощью которого каждый сможет скачать наше приложение, узнать как его скачивать и как им пользоваться. А также мы разместили информацию о том</a:t>
-            </a:r>
-            <a:r>
-              <a:rPr lang="en-US" dirty="0"/>
+              <a:rPr lang="ru-RU" sz="1800" dirty="0"/>
+              <a:t>Помимо приложения мы решили создать веб-сайт, с помощью которого каждый сможет скачать наше приложение, узнать</a:t>
+            </a:r>
+            <a:r>
+              <a:rPr lang="en-US" sz="1800" dirty="0"/>
+              <a:t>: </a:t>
+            </a:r>
+            <a:r>
+              <a:rPr lang="ru-RU" sz="1800" dirty="0"/>
+              <a:t>как его скачивать</a:t>
+            </a:r>
+            <a:r>
+              <a:rPr lang="en-US" sz="1800" dirty="0"/>
+              <a:t>, </a:t>
+            </a:r>
+            <a:r>
+              <a:rPr lang="ru-RU" sz="1800" dirty="0"/>
+              <a:t>как им пользоваться. А также мы разместили информацию о том</a:t>
+            </a:r>
+            <a:r>
+              <a:rPr lang="en-US" sz="1800" dirty="0"/>
               <a:t>,</a:t>
             </a:r>
             <a:r>
-              <a:rPr lang="ru-RU" dirty="0"/>
+              <a:rPr lang="ru-RU" sz="1800" dirty="0"/>
               <a:t> чем полезно автоматическое управление</a:t>
             </a:r>
             <a:r>
-              <a:rPr lang="en-US" dirty="0"/>
+              <a:rPr lang="en-US" sz="1800" dirty="0"/>
               <a:t>, </a:t>
             </a:r>
             <a:r>
-              <a:rPr lang="ru-RU" dirty="0"/>
+              <a:rPr lang="ru-RU" sz="1800" dirty="0"/>
               <a:t>полезные рекомендации по регулировке температуры и влажности</a:t>
             </a:r>
             <a:r>
-              <a:rPr lang="en-US" dirty="0"/>
+              <a:rPr lang="en-US" sz="1800" dirty="0"/>
               <a:t>.</a:t>
             </a:r>
-            <a:endParaRPr lang="ru-RU" dirty="0"/>
+            <a:endParaRPr lang="ru-RU" sz="1800" dirty="0"/>
           </a:p>
           <a:p>
             <a:pPr algn="ctr"/>
@@ -4791,6 +5731,14 @@
 <file path=ppt/slides/slide6.xml><?xml version="1.0" encoding="utf-8"?>
 <p:sld xmlns:a="http://schemas.openxmlformats.org/drawingml/2006/main" xmlns:r="http://schemas.openxmlformats.org/officeDocument/2006/relationships" xmlns:p="http://schemas.openxmlformats.org/presentationml/2006/main">
   <p:cSld>
+    <p:bg>
+      <p:bgPr>
+        <a:solidFill>
+          <a:schemeClr val="bg1"/>
+        </a:solidFill>
+        <a:effectLst/>
+      </p:bgPr>
+    </p:bg>
     <p:spTree>
       <p:nvGrpSpPr>
         <p:cNvPr id="1" name=""/>
@@ -4805,12 +5753,574 @@
           <a:chExt cx="0" cy="0"/>
         </a:xfrm>
       </p:grpSpPr>
+      <p:sp>
+        <p:nvSpPr>
+          <p:cNvPr id="8" name="Rectangle 7">
+            <a:extLst>
+              <a:ext uri="{FF2B5EF4-FFF2-40B4-BE49-F238E27FC236}">
+                <a16:creationId xmlns:a16="http://schemas.microsoft.com/office/drawing/2014/main" id="{42A4FC2C-047E-45A5-965D-8E1E3BF09BC6}"/>
+              </a:ext>
+              <a:ext uri="{C183D7F6-B498-43B3-948B-1728B52AA6E4}">
+                <adec:decorative xmlns:adec="http://schemas.microsoft.com/office/drawing/2017/decorative" val="1"/>
+              </a:ext>
+            </a:extLst>
+          </p:cNvPr>
+          <p:cNvSpPr>
+            <a:spLocks noGrp="1" noRot="1" noChangeAspect="1" noMove="1" noResize="1" noEditPoints="1" noAdjustHandles="1" noChangeArrowheads="1" noChangeShapeType="1" noTextEdit="1"/>
+          </p:cNvSpPr>
+          <p:nvPr>
+            <p:extLst>
+              <p:ext uri="{386F3935-93C4-4BCD-93E2-E3B085C9AB24}">
+                <p16:designElem xmlns:p16="http://schemas.microsoft.com/office/powerpoint/2015/main" val="1"/>
+              </p:ext>
+            </p:extLst>
+          </p:nvPr>
+        </p:nvSpPr>
+        <p:spPr bwMode="white">
+          <a:xfrm>
+            <a:off x="1524" y="0"/>
+            <a:ext cx="12188952" cy="6858000"/>
+          </a:xfrm>
+          <a:prstGeom prst="rect">
+            <a:avLst/>
+          </a:prstGeom>
+          <a:noFill/>
+          <a:ln>
+            <a:noFill/>
+          </a:ln>
+        </p:spPr>
+        <p:style>
+          <a:lnRef idx="2">
+            <a:schemeClr val="accent1">
+              <a:shade val="50000"/>
+            </a:schemeClr>
+          </a:lnRef>
+          <a:fillRef idx="1">
+            <a:schemeClr val="accent1"/>
+          </a:fillRef>
+          <a:effectRef idx="0">
+            <a:schemeClr val="accent1"/>
+          </a:effectRef>
+          <a:fontRef idx="minor">
+            <a:schemeClr val="lt1"/>
+          </a:fontRef>
+        </p:style>
+        <p:txBody>
+          <a:bodyPr rtlCol="0" anchor="ctr"/>
+          <a:lstStyle>
+            <a:defPPr>
+              <a:defRPr lang="en-US"/>
+            </a:defPPr>
+            <a:lvl1pPr marL="0" algn="l" defTabSz="914400" rtl="0" eaLnBrk="1" latinLnBrk="0" hangingPunct="1">
+              <a:defRPr sz="1800" kern="1200">
+                <a:solidFill>
+                  <a:schemeClr val="lt1"/>
+                </a:solidFill>
+                <a:latin typeface="+mn-lt"/>
+                <a:ea typeface="+mn-ea"/>
+                <a:cs typeface="+mn-cs"/>
+              </a:defRPr>
+            </a:lvl1pPr>
+            <a:lvl2pPr marL="457200" algn="l" defTabSz="914400" rtl="0" eaLnBrk="1" latinLnBrk="0" hangingPunct="1">
+              <a:defRPr sz="1800" kern="1200">
+                <a:solidFill>
+                  <a:schemeClr val="lt1"/>
+                </a:solidFill>
+                <a:latin typeface="+mn-lt"/>
+                <a:ea typeface="+mn-ea"/>
+                <a:cs typeface="+mn-cs"/>
+              </a:defRPr>
+            </a:lvl2pPr>
+            <a:lvl3pPr marL="914400" algn="l" defTabSz="914400" rtl="0" eaLnBrk="1" latinLnBrk="0" hangingPunct="1">
+              <a:defRPr sz="1800" kern="1200">
+                <a:solidFill>
+                  <a:schemeClr val="lt1"/>
+                </a:solidFill>
+                <a:latin typeface="+mn-lt"/>
+                <a:ea typeface="+mn-ea"/>
+                <a:cs typeface="+mn-cs"/>
+              </a:defRPr>
+            </a:lvl3pPr>
+            <a:lvl4pPr marL="1371600" algn="l" defTabSz="914400" rtl="0" eaLnBrk="1" latinLnBrk="0" hangingPunct="1">
+              <a:defRPr sz="1800" kern="1200">
+                <a:solidFill>
+                  <a:schemeClr val="lt1"/>
+                </a:solidFill>
+                <a:latin typeface="+mn-lt"/>
+                <a:ea typeface="+mn-ea"/>
+                <a:cs typeface="+mn-cs"/>
+              </a:defRPr>
+            </a:lvl4pPr>
+            <a:lvl5pPr marL="1828800" algn="l" defTabSz="914400" rtl="0" eaLnBrk="1" latinLnBrk="0" hangingPunct="1">
+              <a:defRPr sz="1800" kern="1200">
+                <a:solidFill>
+                  <a:schemeClr val="lt1"/>
+                </a:solidFill>
+                <a:latin typeface="+mn-lt"/>
+                <a:ea typeface="+mn-ea"/>
+                <a:cs typeface="+mn-cs"/>
+              </a:defRPr>
+            </a:lvl5pPr>
+            <a:lvl6pPr marL="2286000" algn="l" defTabSz="914400" rtl="0" eaLnBrk="1" latinLnBrk="0" hangingPunct="1">
+              <a:defRPr sz="1800" kern="1200">
+                <a:solidFill>
+                  <a:schemeClr val="lt1"/>
+                </a:solidFill>
+                <a:latin typeface="+mn-lt"/>
+                <a:ea typeface="+mn-ea"/>
+                <a:cs typeface="+mn-cs"/>
+              </a:defRPr>
+            </a:lvl6pPr>
+            <a:lvl7pPr marL="2743200" algn="l" defTabSz="914400" rtl="0" eaLnBrk="1" latinLnBrk="0" hangingPunct="1">
+              <a:defRPr sz="1800" kern="1200">
+                <a:solidFill>
+                  <a:schemeClr val="lt1"/>
+                </a:solidFill>
+                <a:latin typeface="+mn-lt"/>
+                <a:ea typeface="+mn-ea"/>
+                <a:cs typeface="+mn-cs"/>
+              </a:defRPr>
+            </a:lvl7pPr>
+            <a:lvl8pPr marL="3200400" algn="l" defTabSz="914400" rtl="0" eaLnBrk="1" latinLnBrk="0" hangingPunct="1">
+              <a:defRPr sz="1800" kern="1200">
+                <a:solidFill>
+                  <a:schemeClr val="lt1"/>
+                </a:solidFill>
+                <a:latin typeface="+mn-lt"/>
+                <a:ea typeface="+mn-ea"/>
+                <a:cs typeface="+mn-cs"/>
+              </a:defRPr>
+            </a:lvl8pPr>
+            <a:lvl9pPr marL="3657600" algn="l" defTabSz="914400" rtl="0" eaLnBrk="1" latinLnBrk="0" hangingPunct="1">
+              <a:defRPr sz="1800" kern="1200">
+                <a:solidFill>
+                  <a:schemeClr val="lt1"/>
+                </a:solidFill>
+                <a:latin typeface="+mn-lt"/>
+                <a:ea typeface="+mn-ea"/>
+                <a:cs typeface="+mn-cs"/>
+              </a:defRPr>
+            </a:lvl9pPr>
+          </a:lstStyle>
+          <a:p>
+            <a:pPr algn="ctr"/>
+            <a:endParaRPr lang="en-US"/>
+          </a:p>
+        </p:txBody>
+      </p:sp>
       <p:pic>
         <p:nvPicPr>
-          <p:cNvPr id="4" name="Рисунок 3">
+          <p:cNvPr id="3" name="Рисунок 2" descr="Изображение выглядит как текст, табло">
             <a:extLst>
               <a:ext uri="{FF2B5EF4-FFF2-40B4-BE49-F238E27FC236}">
-                <a16:creationId xmlns:a16="http://schemas.microsoft.com/office/drawing/2014/main" id="{CE7C507F-8020-4A94-B77E-A484651B0B04}"/>
+                <a16:creationId xmlns:a16="http://schemas.microsoft.com/office/drawing/2014/main" id="{BDF1FCB7-F653-AD4D-3D6A-4C98083D5FF0}"/>
+              </a:ext>
+            </a:extLst>
+          </p:cNvPr>
+          <p:cNvPicPr>
+            <a:picLocks noChangeAspect="1"/>
+          </p:cNvPicPr>
+          <p:nvPr/>
+        </p:nvPicPr>
+        <p:blipFill rotWithShape="1">
+          <a:blip r:embed="rId2">
+            <a:alphaModFix amt="35000"/>
+            <a:extLst>
+              <a:ext uri="{28A0092B-C50C-407E-A947-70E740481C1C}">
+                <a14:useLocalDpi xmlns:a14="http://schemas.microsoft.com/office/drawing/2010/main" val="0"/>
+              </a:ext>
+            </a:extLst>
+          </a:blip>
+          <a:srcRect b="19"/>
+          <a:stretch/>
+        </p:blipFill>
+        <p:spPr>
+          <a:xfrm>
+            <a:off x="20" y="-48145"/>
+            <a:ext cx="12191980" cy="6856718"/>
+          </a:xfrm>
+          <a:prstGeom prst="rect">
+            <a:avLst/>
+          </a:prstGeom>
+        </p:spPr>
+      </p:pic>
+      <p:grpSp>
+        <p:nvGrpSpPr>
+          <p:cNvPr id="10" name="Группа 9">
+            <a:extLst>
+              <a:ext uri="{FF2B5EF4-FFF2-40B4-BE49-F238E27FC236}">
+                <a16:creationId xmlns:a16="http://schemas.microsoft.com/office/drawing/2014/main" id="{583B35D6-E8C8-8948-AD1F-748A20EE0A42}"/>
+              </a:ext>
+            </a:extLst>
+          </p:cNvPr>
+          <p:cNvGrpSpPr/>
+          <p:nvPr/>
+        </p:nvGrpSpPr>
+        <p:grpSpPr>
+          <a:xfrm>
+            <a:off x="445667" y="454179"/>
+            <a:ext cx="4296508" cy="4296508"/>
+            <a:chOff x="1655885" y="593588"/>
+            <a:chExt cx="4296508" cy="4296508"/>
+          </a:xfrm>
+        </p:grpSpPr>
+        <p:sp>
+          <p:nvSpPr>
+            <p:cNvPr id="9" name="Прямоугольник 8">
+              <a:extLst>
+                <a:ext uri="{FF2B5EF4-FFF2-40B4-BE49-F238E27FC236}">
+                  <a16:creationId xmlns:a16="http://schemas.microsoft.com/office/drawing/2014/main" id="{8443CDC7-2730-03FA-A507-FB9127B83BDA}"/>
+                </a:ext>
+              </a:extLst>
+            </p:cNvPr>
+            <p:cNvSpPr/>
+            <p:nvPr/>
+          </p:nvSpPr>
+          <p:spPr>
+            <a:xfrm>
+              <a:off x="1758462" y="738554"/>
+              <a:ext cx="4091354" cy="3974123"/>
+            </a:xfrm>
+            <a:prstGeom prst="rect">
+              <a:avLst/>
+            </a:prstGeom>
+            <a:solidFill>
+              <a:schemeClr val="tx1">
+                <a:alpha val="95000"/>
+              </a:schemeClr>
+            </a:solidFill>
+            <a:ln>
+              <a:noFill/>
+            </a:ln>
+          </p:spPr>
+          <p:style>
+            <a:lnRef idx="2">
+              <a:schemeClr val="accent1">
+                <a:shade val="50000"/>
+              </a:schemeClr>
+            </a:lnRef>
+            <a:fillRef idx="1">
+              <a:schemeClr val="accent1"/>
+            </a:fillRef>
+            <a:effectRef idx="0">
+              <a:schemeClr val="accent1"/>
+            </a:effectRef>
+            <a:fontRef idx="minor">
+              <a:schemeClr val="lt1"/>
+            </a:fontRef>
+          </p:style>
+          <p:txBody>
+            <a:bodyPr rtlCol="0" anchor="ctr"/>
+            <a:lstStyle/>
+            <a:p>
+              <a:pPr algn="ctr"/>
+              <a:endParaRPr lang="ru-RU" dirty="0"/>
+            </a:p>
+          </p:txBody>
+        </p:sp>
+        <p:pic>
+          <p:nvPicPr>
+            <p:cNvPr id="7" name="Рисунок 6">
+              <a:extLst>
+                <a:ext uri="{FF2B5EF4-FFF2-40B4-BE49-F238E27FC236}">
+                  <a16:creationId xmlns:a16="http://schemas.microsoft.com/office/drawing/2014/main" id="{0428C877-7BC3-9D77-83B1-F9FFAA5F14F2}"/>
+                </a:ext>
+              </a:extLst>
+            </p:cNvPr>
+            <p:cNvPicPr>
+              <a:picLocks noChangeAspect="1"/>
+            </p:cNvPicPr>
+            <p:nvPr/>
+          </p:nvPicPr>
+          <p:blipFill>
+            <a:blip r:embed="rId3">
+              <a:extLst>
+                <a:ext uri="{28A0092B-C50C-407E-A947-70E740481C1C}">
+                  <a14:useLocalDpi xmlns:a14="http://schemas.microsoft.com/office/drawing/2010/main" val="0"/>
+                </a:ext>
+              </a:extLst>
+            </a:blip>
+            <a:stretch>
+              <a:fillRect/>
+            </a:stretch>
+          </p:blipFill>
+          <p:spPr>
+            <a:xfrm>
+              <a:off x="1655885" y="593588"/>
+              <a:ext cx="4296508" cy="4296508"/>
+            </a:xfrm>
+            <a:prstGeom prst="rect">
+              <a:avLst/>
+            </a:prstGeom>
+          </p:spPr>
+        </p:pic>
+      </p:grpSp>
+      <p:sp>
+        <p:nvSpPr>
+          <p:cNvPr id="11" name="TextBox 10">
+            <a:extLst>
+              <a:ext uri="{FF2B5EF4-FFF2-40B4-BE49-F238E27FC236}">
+                <a16:creationId xmlns:a16="http://schemas.microsoft.com/office/drawing/2014/main" id="{00BB9364-8C1F-7F61-50E8-009742FD2541}"/>
+              </a:ext>
+            </a:extLst>
+          </p:cNvPr>
+          <p:cNvSpPr txBox="1"/>
+          <p:nvPr/>
+        </p:nvSpPr>
+        <p:spPr>
+          <a:xfrm>
+            <a:off x="230803" y="4782605"/>
+            <a:ext cx="4726236" cy="461665"/>
+          </a:xfrm>
+          <a:prstGeom prst="rect">
+            <a:avLst/>
+          </a:prstGeom>
+          <a:noFill/>
+        </p:spPr>
+        <p:txBody>
+          <a:bodyPr wrap="square" rtlCol="0">
+            <a:spAutoFit/>
+          </a:bodyPr>
+          <a:lstStyle/>
+          <a:p>
+            <a:pPr algn="ctr"/>
+            <a:r>
+              <a:rPr lang="ru-RU" sz="2400" b="1" u="sng" dirty="0">
+                <a:latin typeface="KTF Jermilov Solid" panose="00000500000000000000" pitchFamily="2" charset="-52"/>
+              </a:rPr>
+              <a:t>Ссылка на репозиторий</a:t>
+            </a:r>
+          </a:p>
+        </p:txBody>
+      </p:sp>
+      <mc:AlternateContent xmlns:mc="http://schemas.openxmlformats.org/markup-compatibility/2006">
+        <mc:Choice xmlns:p14="http://schemas.microsoft.com/office/powerpoint/2010/main" Requires="p14">
+          <p:contentPart p14:bwMode="auto" r:id="rId4">
+            <p14:nvContentPartPr>
+              <p14:cNvPr id="16" name="Рукописный ввод 15">
+                <a:extLst>
+                  <a:ext uri="{FF2B5EF4-FFF2-40B4-BE49-F238E27FC236}">
+                    <a16:creationId xmlns:a16="http://schemas.microsoft.com/office/drawing/2014/main" id="{DEB76EE9-510C-5ED6-D0F3-D95300563CF2}"/>
+                  </a:ext>
+                </a:extLst>
+              </p14:cNvPr>
+              <p14:cNvContentPartPr/>
+              <p14:nvPr/>
+            </p14:nvContentPartPr>
+            <p14:xfrm>
+              <a:off x="4380470" y="4080436"/>
+              <a:ext cx="928564" cy="1081953"/>
+            </p14:xfrm>
+          </p:contentPart>
+        </mc:Choice>
+        <mc:Fallback>
+          <p:pic>
+            <p:nvPicPr>
+              <p:cNvPr id="16" name="Рукописный ввод 15">
+                <a:extLst>
+                  <a:ext uri="{FF2B5EF4-FFF2-40B4-BE49-F238E27FC236}">
+                    <a16:creationId xmlns:a16="http://schemas.microsoft.com/office/drawing/2014/main" id="{DEB76EE9-510C-5ED6-D0F3-D95300563CF2}"/>
+                  </a:ext>
+                </a:extLst>
+              </p:cNvPr>
+              <p:cNvPicPr/>
+              <p:nvPr/>
+            </p:nvPicPr>
+            <p:blipFill>
+              <a:blip r:embed="rId5"/>
+              <a:stretch>
+                <a:fillRect/>
+              </a:stretch>
+            </p:blipFill>
+            <p:spPr>
+              <a:xfrm>
+                <a:off x="4361747" y="4061353"/>
+                <a:ext cx="966369" cy="1119758"/>
+              </a:xfrm>
+              <a:prstGeom prst="rect">
+                <a:avLst/>
+              </a:prstGeom>
+            </p:spPr>
+          </p:pic>
+        </mc:Fallback>
+      </mc:AlternateContent>
+      <mc:AlternateContent xmlns:mc="http://schemas.openxmlformats.org/markup-compatibility/2006">
+        <mc:Choice xmlns:p14="http://schemas.microsoft.com/office/powerpoint/2010/main" Requires="p14">
+          <p:contentPart p14:bwMode="auto" r:id="rId6">
+            <p14:nvContentPartPr>
+              <p14:cNvPr id="17" name="Рукописный ввод 16">
+                <a:extLst>
+                  <a:ext uri="{FF2B5EF4-FFF2-40B4-BE49-F238E27FC236}">
+                    <a16:creationId xmlns:a16="http://schemas.microsoft.com/office/drawing/2014/main" id="{48899277-C426-01FD-F8F7-6CF92F0F503C}"/>
+                  </a:ext>
+                </a:extLst>
+              </p14:cNvPr>
+              <p14:cNvContentPartPr/>
+              <p14:nvPr/>
+            </p14:nvContentPartPr>
+            <p14:xfrm>
+              <a:off x="-683662" y="1200370"/>
+              <a:ext cx="360" cy="360"/>
+            </p14:xfrm>
+          </p:contentPart>
+        </mc:Choice>
+        <mc:Fallback>
+          <p:pic>
+            <p:nvPicPr>
+              <p:cNvPr id="17" name="Рукописный ввод 16">
+                <a:extLst>
+                  <a:ext uri="{FF2B5EF4-FFF2-40B4-BE49-F238E27FC236}">
+                    <a16:creationId xmlns:a16="http://schemas.microsoft.com/office/drawing/2014/main" id="{48899277-C426-01FD-F8F7-6CF92F0F503C}"/>
+                  </a:ext>
+                </a:extLst>
+              </p:cNvPr>
+              <p:cNvPicPr/>
+              <p:nvPr/>
+            </p:nvPicPr>
+            <p:blipFill>
+              <a:blip r:embed="rId7"/>
+              <a:stretch>
+                <a:fillRect/>
+              </a:stretch>
+            </p:blipFill>
+            <p:spPr>
+              <a:xfrm>
+                <a:off x="-701302" y="1182370"/>
+                <a:ext cx="36000" cy="36000"/>
+              </a:xfrm>
+              <a:prstGeom prst="rect">
+                <a:avLst/>
+              </a:prstGeom>
+            </p:spPr>
+          </p:pic>
+        </mc:Fallback>
+      </mc:AlternateContent>
+      <p:sp>
+        <p:nvSpPr>
+          <p:cNvPr id="19" name="Прямоугольник 18">
+            <a:extLst>
+              <a:ext uri="{FF2B5EF4-FFF2-40B4-BE49-F238E27FC236}">
+                <a16:creationId xmlns:a16="http://schemas.microsoft.com/office/drawing/2014/main" id="{8F5E1A27-EEAA-E676-BC6E-F2AAC9D92E8C}"/>
+              </a:ext>
+            </a:extLst>
+          </p:cNvPr>
+          <p:cNvSpPr/>
+          <p:nvPr/>
+        </p:nvSpPr>
+        <p:spPr>
+          <a:xfrm>
+            <a:off x="8626207" y="0"/>
+            <a:ext cx="3564269" cy="1622820"/>
+          </a:xfrm>
+          <a:prstGeom prst="rect">
+            <a:avLst/>
+          </a:prstGeom>
+          <a:solidFill>
+            <a:schemeClr val="bg1">
+              <a:alpha val="50000"/>
+            </a:schemeClr>
+          </a:solidFill>
+          <a:ln w="19050">
+            <a:solidFill>
+              <a:schemeClr val="bg1">
+                <a:lumMod val="95000"/>
+                <a:lumOff val="5000"/>
+              </a:schemeClr>
+            </a:solidFill>
+          </a:ln>
+        </p:spPr>
+        <p:style>
+          <a:lnRef idx="2">
+            <a:schemeClr val="accent1">
+              <a:shade val="50000"/>
+            </a:schemeClr>
+          </a:lnRef>
+          <a:fillRef idx="1">
+            <a:schemeClr val="accent1"/>
+          </a:fillRef>
+          <a:effectRef idx="0">
+            <a:schemeClr val="accent1"/>
+          </a:effectRef>
+          <a:fontRef idx="minor">
+            <a:schemeClr val="lt1"/>
+          </a:fontRef>
+        </p:style>
+        <p:txBody>
+          <a:bodyPr rtlCol="0" anchor="ctr"/>
+          <a:lstStyle/>
+          <a:p>
+            <a:pPr algn="ctr"/>
+            <a:endParaRPr lang="ru-RU"/>
+          </a:p>
+        </p:txBody>
+      </p:sp>
+      <p:sp>
+        <p:nvSpPr>
+          <p:cNvPr id="18" name="TextBox 17">
+            <a:extLst>
+              <a:ext uri="{FF2B5EF4-FFF2-40B4-BE49-F238E27FC236}">
+                <a16:creationId xmlns:a16="http://schemas.microsoft.com/office/drawing/2014/main" id="{1FBE74FD-A6F1-0827-BF4E-2495E4FAE01E}"/>
+              </a:ext>
+            </a:extLst>
+          </p:cNvPr>
+          <p:cNvSpPr txBox="1"/>
+          <p:nvPr/>
+        </p:nvSpPr>
+        <p:spPr>
+          <a:xfrm>
+            <a:off x="6031598" y="224415"/>
+            <a:ext cx="5392894" cy="1446550"/>
+          </a:xfrm>
+          <a:prstGeom prst="rect">
+            <a:avLst/>
+          </a:prstGeom>
+          <a:noFill/>
+        </p:spPr>
+        <p:txBody>
+          <a:bodyPr wrap="square" rtlCol="0">
+            <a:spAutoFit/>
+          </a:bodyPr>
+          <a:lstStyle/>
+          <a:p>
+            <a:pPr algn="r"/>
+            <a:r>
+              <a:rPr lang="ru-RU" sz="4400" dirty="0">
+                <a:effectLst>
+                  <a:outerShdw blurRad="38100" dist="38100" dir="2700000" algn="tl">
+                    <a:srgbClr val="000000">
+                      <a:alpha val="43137"/>
+                    </a:srgbClr>
+                  </a:outerShdw>
+                </a:effectLst>
+                <a:latin typeface="KTF Jermilov Solid" panose="00000500000000000000" pitchFamily="2" charset="-52"/>
+              </a:rPr>
+              <a:t>Полезные </a:t>
+            </a:r>
+          </a:p>
+          <a:p>
+            <a:pPr algn="r"/>
+            <a:r>
+              <a:rPr lang="ru-RU" sz="4400" dirty="0">
+                <a:effectLst>
+                  <a:outerShdw blurRad="38100" dist="38100" dir="2700000" algn="tl">
+                    <a:srgbClr val="000000">
+                      <a:alpha val="43137"/>
+                    </a:srgbClr>
+                  </a:outerShdw>
+                </a:effectLst>
+                <a:latin typeface="KTF Jermilov Solid" panose="00000500000000000000" pitchFamily="2" charset="-52"/>
+              </a:rPr>
+              <a:t>ссылки</a:t>
+            </a:r>
+          </a:p>
+        </p:txBody>
+      </p:sp>
+      <p:pic>
+        <p:nvPicPr>
+          <p:cNvPr id="21" name="Рисунок 20">
+            <a:extLst>
+              <a:ext uri="{FF2B5EF4-FFF2-40B4-BE49-F238E27FC236}">
+                <a16:creationId xmlns:a16="http://schemas.microsoft.com/office/drawing/2014/main" id="{F49A8D4C-66BC-38AA-E321-14471252CA6F}"/>
               </a:ext>
             </a:extLst>
           </p:cNvPr>
@@ -4820,21 +6330,146 @@
           <p:nvPr/>
         </p:nvPicPr>
         <p:blipFill>
-          <a:blip r:embed="rId2"/>
+          <a:blip r:embed="rId8">
+            <a:extLst>
+              <a:ext uri="{28A0092B-C50C-407E-A947-70E740481C1C}">
+                <a14:useLocalDpi xmlns:a14="http://schemas.microsoft.com/office/drawing/2010/main" val="0"/>
+              </a:ext>
+            </a:extLst>
+          </a:blip>
           <a:stretch>
             <a:fillRect/>
           </a:stretch>
         </p:blipFill>
         <p:spPr>
           <a:xfrm>
-            <a:off x="0" y="0"/>
-            <a:ext cx="12192000" cy="6858000"/>
+            <a:off x="7678757" y="2529531"/>
+            <a:ext cx="4086339" cy="4086339"/>
           </a:xfrm>
           <a:prstGeom prst="rect">
             <a:avLst/>
           </a:prstGeom>
         </p:spPr>
       </p:pic>
+      <p:sp>
+        <p:nvSpPr>
+          <p:cNvPr id="22" name="TextBox 21">
+            <a:extLst>
+              <a:ext uri="{FF2B5EF4-FFF2-40B4-BE49-F238E27FC236}">
+                <a16:creationId xmlns:a16="http://schemas.microsoft.com/office/drawing/2014/main" id="{07D753D7-7ED3-9E95-EF8C-A28E552B624C}"/>
+              </a:ext>
+            </a:extLst>
+          </p:cNvPr>
+          <p:cNvSpPr txBox="1"/>
+          <p:nvPr/>
+        </p:nvSpPr>
+        <p:spPr>
+          <a:xfrm>
+            <a:off x="3888954" y="5640636"/>
+            <a:ext cx="2555913" cy="461665"/>
+          </a:xfrm>
+          <a:prstGeom prst="rect">
+            <a:avLst/>
+          </a:prstGeom>
+          <a:noFill/>
+        </p:spPr>
+        <p:txBody>
+          <a:bodyPr wrap="square" rtlCol="0">
+            <a:spAutoFit/>
+          </a:bodyPr>
+          <a:lstStyle/>
+          <a:p>
+            <a:pPr algn="ctr"/>
+            <a:r>
+              <a:rPr lang="ru-RU" sz="2400" u="sng" dirty="0">
+                <a:latin typeface="KTF Jermilov Solid" panose="00000500000000000000" pitchFamily="2" charset="-52"/>
+              </a:rPr>
+              <a:t>Ссылка на сайт</a:t>
+            </a:r>
+          </a:p>
+        </p:txBody>
+      </p:sp>
+      <mc:AlternateContent xmlns:mc="http://schemas.openxmlformats.org/markup-compatibility/2006">
+        <mc:Choice xmlns:p14="http://schemas.microsoft.com/office/powerpoint/2010/main" Requires="p14">
+          <p:contentPart p14:bwMode="auto" r:id="rId9">
+            <p14:nvContentPartPr>
+              <p14:cNvPr id="23" name="Рукописный ввод 22">
+                <a:extLst>
+                  <a:ext uri="{FF2B5EF4-FFF2-40B4-BE49-F238E27FC236}">
+                    <a16:creationId xmlns:a16="http://schemas.microsoft.com/office/drawing/2014/main" id="{FF19AA9C-7386-9383-4866-2D0DE4D9F58F}"/>
+                  </a:ext>
+                </a:extLst>
+              </p14:cNvPr>
+              <p14:cNvContentPartPr/>
+              <p14:nvPr/>
+            </p14:nvContentPartPr>
+            <p14:xfrm>
+              <a:off x="6196658" y="4533250"/>
+              <a:ext cx="1329120" cy="920160"/>
+            </p14:xfrm>
+          </p:contentPart>
+        </mc:Choice>
+        <mc:Fallback>
+          <p:pic>
+            <p:nvPicPr>
+              <p:cNvPr id="23" name="Рукописный ввод 22">
+                <a:extLst>
+                  <a:ext uri="{FF2B5EF4-FFF2-40B4-BE49-F238E27FC236}">
+                    <a16:creationId xmlns:a16="http://schemas.microsoft.com/office/drawing/2014/main" id="{FF19AA9C-7386-9383-4866-2D0DE4D9F58F}"/>
+                  </a:ext>
+                </a:extLst>
+              </p:cNvPr>
+              <p:cNvPicPr/>
+              <p:nvPr/>
+            </p:nvPicPr>
+            <p:blipFill>
+              <a:blip r:embed="rId10"/>
+              <a:stretch>
+                <a:fillRect/>
+              </a:stretch>
+            </p:blipFill>
+            <p:spPr>
+              <a:xfrm>
+                <a:off x="6179018" y="4515610"/>
+                <a:ext cx="1364760" cy="955800"/>
+              </a:xfrm>
+              <a:prstGeom prst="rect">
+                <a:avLst/>
+              </a:prstGeom>
+            </p:spPr>
+          </p:pic>
+        </mc:Fallback>
+      </mc:AlternateContent>
+    </p:spTree>
+    <p:extLst>
+      <p:ext uri="{BB962C8B-B14F-4D97-AF65-F5344CB8AC3E}">
+        <p14:creationId xmlns:p14="http://schemas.microsoft.com/office/powerpoint/2010/main" val="2594208185"/>
+      </p:ext>
+    </p:extLst>
+  </p:cSld>
+  <p:clrMapOvr>
+    <a:masterClrMapping/>
+  </p:clrMapOvr>
+</p:sld>
+</file>
+
+<file path=ppt/slides/slide7.xml><?xml version="1.0" encoding="utf-8"?>
+<p:sld xmlns:a="http://schemas.openxmlformats.org/drawingml/2006/main" xmlns:r="http://schemas.openxmlformats.org/officeDocument/2006/relationships" xmlns:p="http://schemas.openxmlformats.org/presentationml/2006/main">
+  <p:cSld>
+    <p:spTree>
+      <p:nvGrpSpPr>
+        <p:cNvPr id="1" name=""/>
+        <p:cNvGrpSpPr/>
+        <p:nvPr/>
+      </p:nvGrpSpPr>
+      <p:grpSpPr>
+        <a:xfrm>
+          <a:off x="0" y="0"/>
+          <a:ext cx="0" cy="0"/>
+          <a:chOff x="0" y="0"/>
+          <a:chExt cx="0" cy="0"/>
+        </a:xfrm>
+      </p:grpSpPr>
       <p:sp>
         <p:nvSpPr>
           <p:cNvPr id="3" name="Подзаголовок 2">
@@ -4895,37 +6530,6 @@
           </a:p>
         </p:txBody>
       </p:sp>
-      <p:pic>
-        <p:nvPicPr>
-          <p:cNvPr id="5" name="Рисунок 4">
-            <a:hlinkClick r:id="rId3"/>
-            <a:extLst>
-              <a:ext uri="{FF2B5EF4-FFF2-40B4-BE49-F238E27FC236}">
-                <a16:creationId xmlns:a16="http://schemas.microsoft.com/office/drawing/2014/main" id="{8C9F78AB-76D6-46D5-9AAD-EE52B5DE432F}"/>
-              </a:ext>
-            </a:extLst>
-          </p:cNvPr>
-          <p:cNvPicPr>
-            <a:picLocks noChangeAspect="1"/>
-          </p:cNvPicPr>
-          <p:nvPr/>
-        </p:nvPicPr>
-        <p:blipFill>
-          <a:blip r:embed="rId4"/>
-          <a:stretch>
-            <a:fillRect/>
-          </a:stretch>
-        </p:blipFill>
-        <p:spPr>
-          <a:xfrm>
-            <a:off x="9321261" y="5473936"/>
-            <a:ext cx="2477167" cy="1257125"/>
-          </a:xfrm>
-          <a:prstGeom prst="rect">
-            <a:avLst/>
-          </a:prstGeom>
-        </p:spPr>
-      </p:pic>
     </p:spTree>
     <p:extLst>
       <p:ext uri="{BB962C8B-B14F-4D97-AF65-F5344CB8AC3E}">

--- a/документация и презентация/Автоматизированная система удаленного управления теплицей.pptx
+++ b/документация и презентация/Автоматизированная система удаленного управления теплицей.pptx
@@ -3751,12 +3751,12 @@
       <p:bgPr>
         <a:blipFill dpi="0" rotWithShape="1">
           <a:blip r:embed="rId2">
-            <a:alphaModFix amt="98000"/>
+            <a:alphaModFix amt="49000"/>
             <a:lum/>
           </a:blip>
           <a:srcRect/>
           <a:stretch>
-            <a:fillRect t="-20000" b="-20000"/>
+            <a:fillRect/>
           </a:stretch>
         </a:blipFill>
         <a:effectLst/>
@@ -3956,7 +3956,23 @@
                   <a:schemeClr val="bg1"/>
                 </a:solidFill>
               </a:rPr>
-              <a:t>Привести наш продукт в готовый вид(автоматизировать теплицу</a:t>
+              <a:t>Привести наш продукт в готовый вид</a:t>
+            </a:r>
+            <a:r>
+              <a:rPr lang="en-US" sz="1800" dirty="0">
+                <a:solidFill>
+                  <a:schemeClr val="bg1"/>
+                </a:solidFill>
+              </a:rPr>
+              <a:t> </a:t>
+            </a:r>
+            <a:r>
+              <a:rPr lang="ru-RU" sz="1800" dirty="0">
+                <a:solidFill>
+                  <a:schemeClr val="bg1"/>
+                </a:solidFill>
+              </a:rPr>
+              <a:t>(автоматизировать теплицу</a:t>
             </a:r>
             <a:r>
               <a:rPr lang="en-US" sz="1800" dirty="0">
@@ -4423,8 +4439,8 @@
         </p:nvSpPr>
         <p:spPr>
           <a:xfrm>
-            <a:off x="207896" y="1198727"/>
-            <a:ext cx="5224845" cy="5632311"/>
+            <a:off x="207896" y="1844925"/>
+            <a:ext cx="5224845" cy="4124206"/>
           </a:xfrm>
           <a:prstGeom prst="rect">
             <a:avLst/>
@@ -4441,25 +4457,32 @@
               <a:buNone/>
             </a:pPr>
             <a:r>
-              <a:rPr lang="ru-RU" b="0" i="0" dirty="0">
-                <a:effectLst/>
-                <a:latin typeface="Arial" panose="020B0604020202020204" pitchFamily="34" charset="0"/>
+              <a:rPr lang="ru-RU" sz="2400" b="1" i="1" dirty="0"/>
+              <a:t>    </a:t>
+            </a:r>
+            <a:r>
+              <a:rPr lang="ru-RU" sz="2400" b="1" i="1" dirty="0">
+                <a:cs typeface="Times New Roman" panose="02020603050405020304" pitchFamily="18" charset="0"/>
               </a:rPr>
-              <a:t>На сегодняшний день на рынке информационных технологий существует большое количество различных средств разработки приложений и веб – сайтов</a:t>
-            </a:r>
-            <a:r>
-              <a:rPr lang="en-US" b="0" i="0" dirty="0">
-                <a:effectLst/>
-                <a:latin typeface="Arial" panose="020B0604020202020204" pitchFamily="34" charset="0"/>
+              <a:t>Kivy</a:t>
+            </a:r>
+            <a:r>
+              <a:rPr lang="ru-RU" sz="2000" dirty="0">
+                <a:cs typeface="Times New Roman" panose="02020603050405020304" pitchFamily="18" charset="0"/>
               </a:rPr>
-              <a:t>.</a:t>
-            </a:r>
-            <a:r>
-              <a:rPr lang="ru-RU" b="0" i="0" dirty="0">
-                <a:effectLst/>
-                <a:latin typeface="Arial" panose="020B0604020202020204" pitchFamily="34" charset="0"/>
+              <a:t> — это библиотека </a:t>
+            </a:r>
+            <a:r>
+              <a:rPr lang="ru-RU" sz="2000" b="1" i="1" dirty="0">
+                <a:cs typeface="Times New Roman" panose="02020603050405020304" pitchFamily="18" charset="0"/>
               </a:rPr>
-              <a:t> </a:t>
+              <a:t>Python</a:t>
+            </a:r>
+            <a:r>
+              <a:rPr lang="ru-RU" sz="2000" dirty="0">
+                <a:cs typeface="Times New Roman" panose="02020603050405020304" pitchFamily="18" charset="0"/>
+              </a:rPr>
+              <a:t>, имеющая открытый код, предназначенная для разработки кроссплатформенных GUI приложений. Она позволяет писать вам приложения с графическим интерфейсом на чистом Python, которые работают на всех платформах.</a:t>
             </a:r>
           </a:p>
           <a:p>
@@ -4467,126 +4490,57 @@
               <a:buNone/>
             </a:pPr>
             <a:r>
-              <a:rPr lang="ru-RU" b="1" i="1" dirty="0"/>
+              <a:rPr lang="ru-RU" sz="2000" dirty="0"/>
               <a:t>    </a:t>
             </a:r>
             <a:r>
-              <a:rPr lang="ru-RU" b="1" i="1" dirty="0" err="1"/>
-              <a:t>Kivy</a:t>
-            </a:r>
-            <a:r>
-              <a:rPr lang="ru-RU" dirty="0"/>
-              <a:t> — это библиотека </a:t>
-            </a:r>
-            <a:r>
-              <a:rPr lang="ru-RU" b="1" i="1" dirty="0"/>
-              <a:t>Python</a:t>
-            </a:r>
-            <a:r>
-              <a:rPr lang="ru-RU" dirty="0"/>
-              <a:t>, имеющая открытый код, предназначенная для разработки кроссплатформенных GUI приложений. Она позволяет писать вам приложения с графическим интерфейсом на чистом Python, которые работают на всех платформах (Windows, Linux, </a:t>
-            </a:r>
-            <a:r>
-              <a:rPr lang="ru-RU" dirty="0" err="1"/>
-              <a:t>MacOS</a:t>
-            </a:r>
-            <a:r>
-              <a:rPr lang="ru-RU" dirty="0"/>
-              <a:t>, </a:t>
-            </a:r>
-            <a:r>
-              <a:rPr lang="ru-RU" dirty="0" err="1"/>
-              <a:t>Android</a:t>
-            </a:r>
-            <a:r>
-              <a:rPr lang="ru-RU" dirty="0"/>
-              <a:t>, IOS)</a:t>
-            </a:r>
-            <a:endParaRPr lang="en-US" b="0" i="0" dirty="0">
-              <a:effectLst/>
-              <a:latin typeface="Arial" panose="020B0604020202020204" pitchFamily="34" charset="0"/>
-            </a:endParaRPr>
-          </a:p>
-          <a:p>
-            <a:pPr marL="0" indent="0">
-              <a:buNone/>
-            </a:pPr>
-            <a:r>
-              <a:rPr lang="ru-RU" b="0" i="0" dirty="0">
+              <a:rPr lang="ru-RU" sz="2000" b="0" i="0" dirty="0">
                 <a:effectLst/>
-                <a:latin typeface="Arial" panose="020B0604020202020204" pitchFamily="34" charset="0"/>
+                <a:cs typeface="Times New Roman" panose="02020603050405020304" pitchFamily="18" charset="0"/>
               </a:rPr>
-              <a:t>   Фреймворк </a:t>
-            </a:r>
-            <a:r>
-              <a:rPr lang="ru-RU" b="1" i="1" dirty="0" err="1">
+              <a:t>Фреймворк </a:t>
+            </a:r>
+            <a:r>
+              <a:rPr lang="ru-RU" sz="2000" dirty="0">
                 <a:effectLst/>
-                <a:latin typeface="Arial" panose="020B0604020202020204" pitchFamily="34" charset="0"/>
+                <a:cs typeface="Times New Roman" panose="02020603050405020304" pitchFamily="18" charset="0"/>
               </a:rPr>
               <a:t>Kivy</a:t>
             </a:r>
             <a:r>
-              <a:rPr lang="ru-RU" b="0" i="0" dirty="0">
+              <a:rPr lang="ru-RU" sz="2000" b="0" i="0" dirty="0">
                 <a:effectLst/>
-                <a:latin typeface="Arial" panose="020B0604020202020204" pitchFamily="34" charset="0"/>
+                <a:cs typeface="Times New Roman" panose="02020603050405020304" pitchFamily="18" charset="0"/>
               </a:rPr>
-              <a:t> разрабатывается с 2011 года. С момента релиза на его основе было построено много проектов под платформу </a:t>
-            </a:r>
-            <a:r>
-              <a:rPr lang="ru-RU" b="0" i="0" dirty="0" err="1">
+              <a:t> разрабатывается с 2011 года. С момента релиза на его основе было построено много проектов под платформу</a:t>
+            </a:r>
+            <a:r>
+              <a:rPr lang="en-US" sz="2000" b="0" i="0" dirty="0">
                 <a:effectLst/>
-                <a:latin typeface="Arial" panose="020B0604020202020204" pitchFamily="34" charset="0"/>
+                <a:cs typeface="Times New Roman" panose="02020603050405020304" pitchFamily="18" charset="0"/>
               </a:rPr>
-              <a:t>Андирод</a:t>
-            </a:r>
-            <a:r>
-              <a:rPr lang="ru-RU" b="0" i="0" dirty="0">
+              <a:t> Android</a:t>
+            </a:r>
+            <a:r>
+              <a:rPr lang="ru-RU" sz="2000" b="0" i="0" dirty="0">
                 <a:effectLst/>
-                <a:latin typeface="Arial" panose="020B0604020202020204" pitchFamily="34" charset="0"/>
+                <a:cs typeface="Times New Roman" panose="02020603050405020304" pitchFamily="18" charset="0"/>
               </a:rPr>
               <a:t>.</a:t>
             </a:r>
             <a:r>
-              <a:rPr lang="en-US" b="0" i="0" dirty="0">
+              <a:rPr lang="en-US" sz="2000" b="0" i="0" dirty="0">
                 <a:effectLst/>
-                <a:latin typeface="Arial" panose="020B0604020202020204" pitchFamily="34" charset="0"/>
+                <a:cs typeface="Times New Roman" panose="02020603050405020304" pitchFamily="18" charset="0"/>
               </a:rPr>
               <a:t> </a:t>
             </a:r>
             <a:r>
-              <a:rPr lang="ru-RU" b="0" i="0" dirty="0">
+              <a:rPr lang="ru-RU" sz="2000" b="0" i="0" dirty="0">
                 <a:effectLst/>
-                <a:latin typeface="Arial" panose="020B0604020202020204" pitchFamily="34" charset="0"/>
+                <a:cs typeface="Times New Roman" panose="02020603050405020304" pitchFamily="18" charset="0"/>
               </a:rPr>
-              <a:t>Если сравнивать </a:t>
-            </a:r>
-            <a:r>
-              <a:rPr lang="ru-RU" b="1" i="1" dirty="0" err="1">
-                <a:effectLst/>
-                <a:latin typeface="Arial" panose="020B0604020202020204" pitchFamily="34" charset="0"/>
-              </a:rPr>
-              <a:t>Kivy</a:t>
-            </a:r>
-            <a:r>
-              <a:rPr lang="ru-RU" b="0" i="0" dirty="0">
-                <a:effectLst/>
-                <a:latin typeface="Arial" panose="020B0604020202020204" pitchFamily="34" charset="0"/>
-              </a:rPr>
-              <a:t> с другими библиотеками языка Питон по набору функций, то среди крупных конкурентов можно выделить </a:t>
-            </a:r>
-            <a:r>
-              <a:rPr lang="ru-RU" b="1" i="1" dirty="0" err="1">
-                <a:effectLst/>
-                <a:latin typeface="Arial" panose="020B0604020202020204" pitchFamily="34" charset="0"/>
-              </a:rPr>
-              <a:t>PyQT</a:t>
-            </a:r>
-            <a:r>
-              <a:rPr lang="ru-RU" b="0" i="0" dirty="0">
-                <a:effectLst/>
-                <a:latin typeface="Arial" panose="020B0604020202020204" pitchFamily="34" charset="0"/>
-              </a:rPr>
-              <a:t>. Все прочие библиотеки явно будут уступать по функционалу.</a:t>
+              <a:t>Все прочие библиотеки явно будут уступать по функционалу.</a:t>
             </a:r>
           </a:p>
           <a:p>
@@ -4640,13 +4594,13 @@
   <p:clrMapOvr>
     <a:masterClrMapping/>
   </p:clrMapOvr>
-  <mc:AlternateContent xmlns:mc="http://schemas.openxmlformats.org/markup-compatibility/2006">
-    <mc:Choice xmlns:p14="http://schemas.microsoft.com/office/powerpoint/2010/main" Requires="p14">
+  <mc:AlternateContent xmlns:mc="http://schemas.openxmlformats.org/markup-compatibility/2006" xmlns:p14="http://schemas.microsoft.com/office/powerpoint/2010/main">
+    <mc:Choice Requires="p14">
       <p:transition spd="med">
         <p14:reveal/>
       </p:transition>
     </mc:Choice>
-    <mc:Fallback>
+    <mc:Fallback xmlns="">
       <p:transition spd="med">
         <p:fade/>
       </p:transition>
@@ -6093,8 +6047,8 @@
           </a:p>
         </p:txBody>
       </p:sp>
-      <mc:AlternateContent xmlns:mc="http://schemas.openxmlformats.org/markup-compatibility/2006">
-        <mc:Choice xmlns:p14="http://schemas.microsoft.com/office/powerpoint/2010/main" Requires="p14">
+      <mc:AlternateContent xmlns:mc="http://schemas.openxmlformats.org/markup-compatibility/2006" xmlns:p14="http://schemas.microsoft.com/office/powerpoint/2010/main">
+        <mc:Choice Requires="p14">
           <p:contentPart p14:bwMode="auto" r:id="rId4">
             <p14:nvContentPartPr>
               <p14:cNvPr id="16" name="Рукописный ввод 15">
@@ -6113,7 +6067,7 @@
             </p14:xfrm>
           </p:contentPart>
         </mc:Choice>
-        <mc:Fallback>
+        <mc:Fallback xmlns="">
           <p:pic>
             <p:nvPicPr>
               <p:cNvPr id="16" name="Рукописный ввод 15">
@@ -6144,8 +6098,8 @@
           </p:pic>
         </mc:Fallback>
       </mc:AlternateContent>
-      <mc:AlternateContent xmlns:mc="http://schemas.openxmlformats.org/markup-compatibility/2006">
-        <mc:Choice xmlns:p14="http://schemas.microsoft.com/office/powerpoint/2010/main" Requires="p14">
+      <mc:AlternateContent xmlns:mc="http://schemas.openxmlformats.org/markup-compatibility/2006" xmlns:p14="http://schemas.microsoft.com/office/powerpoint/2010/main">
+        <mc:Choice Requires="p14">
           <p:contentPart p14:bwMode="auto" r:id="rId6">
             <p14:nvContentPartPr>
               <p14:cNvPr id="17" name="Рукописный ввод 16">
@@ -6164,7 +6118,7 @@
             </p14:xfrm>
           </p:contentPart>
         </mc:Choice>
-        <mc:Fallback>
+        <mc:Fallback xmlns="">
           <p:pic>
             <p:nvPicPr>
               <p:cNvPr id="17" name="Рукописный ввод 16">
@@ -6389,8 +6343,8 @@
           </a:p>
         </p:txBody>
       </p:sp>
-      <mc:AlternateContent xmlns:mc="http://schemas.openxmlformats.org/markup-compatibility/2006">
-        <mc:Choice xmlns:p14="http://schemas.microsoft.com/office/powerpoint/2010/main" Requires="p14">
+      <mc:AlternateContent xmlns:mc="http://schemas.openxmlformats.org/markup-compatibility/2006" xmlns:p14="http://schemas.microsoft.com/office/powerpoint/2010/main">
+        <mc:Choice Requires="p14">
           <p:contentPart p14:bwMode="auto" r:id="rId9">
             <p14:nvContentPartPr>
               <p14:cNvPr id="23" name="Рукописный ввод 22">
@@ -6409,7 +6363,7 @@
             </p14:xfrm>
           </p:contentPart>
         </mc:Choice>
-        <mc:Fallback>
+        <mc:Fallback xmlns="">
           <p:pic>
             <p:nvPicPr>
               <p:cNvPr id="23" name="Рукописный ввод 22">
@@ -6470,66 +6424,274 @@
           <a:chExt cx="0" cy="0"/>
         </a:xfrm>
       </p:grpSpPr>
-      <p:sp>
-        <p:nvSpPr>
-          <p:cNvPr id="3" name="Подзаголовок 2">
+      <p:pic>
+        <p:nvPicPr>
+          <p:cNvPr id="7" name="Рисунок 6">
             <a:extLst>
               <a:ext uri="{FF2B5EF4-FFF2-40B4-BE49-F238E27FC236}">
-                <a16:creationId xmlns:a16="http://schemas.microsoft.com/office/drawing/2014/main" id="{21BA3E97-984E-47B8-8A45-732F91C4A212}"/>
+                <a16:creationId xmlns:a16="http://schemas.microsoft.com/office/drawing/2014/main" id="{42B93572-97DF-849B-62B9-834AD513A50E}"/>
               </a:ext>
             </a:extLst>
           </p:cNvPr>
-          <p:cNvSpPr>
-            <a:spLocks noGrp="1"/>
-          </p:cNvSpPr>
-          <p:nvPr>
-            <p:ph type="subTitle" idx="1"/>
-          </p:nvPr>
-        </p:nvSpPr>
+          <p:cNvPicPr>
+            <a:picLocks noChangeAspect="1"/>
+          </p:cNvPicPr>
+          <p:nvPr/>
+        </p:nvPicPr>
+        <p:blipFill>
+          <a:blip r:embed="rId2">
+            <a:extLst>
+              <a:ext uri="{28A0092B-C50C-407E-A947-70E740481C1C}">
+                <a14:useLocalDpi xmlns:a14="http://schemas.microsoft.com/office/drawing/2010/main" val="0"/>
+              </a:ext>
+            </a:extLst>
+          </a:blip>
+          <a:stretch>
+            <a:fillRect/>
+          </a:stretch>
+        </p:blipFill>
         <p:spPr>
           <a:xfrm>
-            <a:off x="1060499" y="3429000"/>
-            <a:ext cx="9499346" cy="1086058"/>
-          </a:xfrm>
-        </p:spPr>
-        <p:txBody>
-          <a:bodyPr>
-            <a:normAutofit fontScale="55000" lnSpcReduction="20000"/>
+            <a:off x="0" y="0"/>
+            <a:ext cx="12192000" cy="6858000"/>
+          </a:xfrm>
+          <a:prstGeom prst="rect">
+            <a:avLst/>
+          </a:prstGeom>
+        </p:spPr>
+      </p:pic>
+      <p:sp>
+        <p:nvSpPr>
+          <p:cNvPr id="2" name="TextBox 1">
+            <a:extLst>
+              <a:ext uri="{FF2B5EF4-FFF2-40B4-BE49-F238E27FC236}">
+                <a16:creationId xmlns:a16="http://schemas.microsoft.com/office/drawing/2014/main" id="{8F53BCA5-4329-CEF7-70B3-1CAE7209FF0D}"/>
+              </a:ext>
+            </a:extLst>
+          </p:cNvPr>
+          <p:cNvSpPr txBox="1"/>
+          <p:nvPr/>
+        </p:nvSpPr>
+        <p:spPr>
+          <a:xfrm>
+            <a:off x="2015590" y="2875002"/>
+            <a:ext cx="9028702" cy="1107996"/>
+          </a:xfrm>
+          <a:prstGeom prst="rect">
+            <a:avLst/>
+          </a:prstGeom>
+          <a:noFill/>
+        </p:spPr>
+        <p:txBody>
+          <a:bodyPr wrap="square" rtlCol="0">
+            <a:spAutoFit/>
           </a:bodyPr>
           <a:lstStyle/>
           <a:p>
             <a:r>
-              <a:rPr lang="ru-RU" sz="5400" dirty="0">
-                <a:solidFill>
-                  <a:schemeClr val="bg1"/>
-                </a:solidFill>
+              <a:rPr lang="ru-RU" sz="6600" dirty="0">
+                <a:latin typeface="KTF Jermilov Solid" panose="00000500000000000000" pitchFamily="2" charset="-52"/>
               </a:rPr>
-              <a:t>Если вас что-то заинтересовало и вы хотите подробнее ознакомиться с проделанной нами работой, то переходите по ссылке в </a:t>
-            </a:r>
-            <a:r>
-              <a:rPr lang="en-US" sz="5400" b="1" i="1" dirty="0">
-                <a:solidFill>
-                  <a:schemeClr val="bg1"/>
-                </a:solidFill>
-              </a:rPr>
-              <a:t>GitHub</a:t>
-            </a:r>
-            <a:r>
-              <a:rPr lang="en-US" sz="5400" dirty="0">
-                <a:solidFill>
-                  <a:schemeClr val="bg1"/>
-                </a:solidFill>
-              </a:rPr>
-              <a:t>.</a:t>
-            </a:r>
-            <a:endParaRPr lang="ru-RU" sz="5400" dirty="0">
-              <a:solidFill>
-                <a:schemeClr val="bg1"/>
-              </a:solidFill>
-            </a:endParaRPr>
-          </a:p>
-        </p:txBody>
-      </p:sp>
+              <a:t>Спасибо за внимание</a:t>
+            </a:r>
+          </a:p>
+        </p:txBody>
+      </p:sp>
+      <p:pic>
+        <p:nvPicPr>
+          <p:cNvPr id="9" name="Рисунок 8">
+            <a:extLst>
+              <a:ext uri="{FF2B5EF4-FFF2-40B4-BE49-F238E27FC236}">
+                <a16:creationId xmlns:a16="http://schemas.microsoft.com/office/drawing/2014/main" id="{11B93896-7632-4951-A0FB-E80529CDCDE2}"/>
+              </a:ext>
+            </a:extLst>
+          </p:cNvPr>
+          <p:cNvPicPr>
+            <a:picLocks noChangeAspect="1"/>
+          </p:cNvPicPr>
+          <p:nvPr/>
+        </p:nvPicPr>
+        <p:blipFill>
+          <a:blip r:embed="rId3">
+            <a:extLst>
+              <a:ext uri="{28A0092B-C50C-407E-A947-70E740481C1C}">
+                <a14:useLocalDpi xmlns:a14="http://schemas.microsoft.com/office/drawing/2010/main" val="0"/>
+              </a:ext>
+              <a:ext uri="{96DAC541-7B7A-43D3-8B79-37D633B846F1}">
+                <asvg:svgBlip xmlns:asvg="http://schemas.microsoft.com/office/drawing/2016/SVG/main" r:embed="rId4"/>
+              </a:ext>
+            </a:extLst>
+          </a:blip>
+          <a:stretch>
+            <a:fillRect/>
+          </a:stretch>
+        </p:blipFill>
+        <p:spPr>
+          <a:xfrm>
+            <a:off x="9574931" y="6204176"/>
+            <a:ext cx="590184" cy="590184"/>
+          </a:xfrm>
+          <a:prstGeom prst="rect">
+            <a:avLst/>
+          </a:prstGeom>
+        </p:spPr>
+      </p:pic>
+      <p:pic>
+        <p:nvPicPr>
+          <p:cNvPr id="11" name="Рисунок 10">
+            <a:extLst>
+              <a:ext uri="{FF2B5EF4-FFF2-40B4-BE49-F238E27FC236}">
+                <a16:creationId xmlns:a16="http://schemas.microsoft.com/office/drawing/2014/main" id="{4600B71C-95FF-C75E-ACA8-AF7B528266AD}"/>
+              </a:ext>
+            </a:extLst>
+          </p:cNvPr>
+          <p:cNvPicPr>
+            <a:picLocks noChangeAspect="1"/>
+          </p:cNvPicPr>
+          <p:nvPr/>
+        </p:nvPicPr>
+        <p:blipFill>
+          <a:blip r:embed="rId5">
+            <a:extLst>
+              <a:ext uri="{28A0092B-C50C-407E-A947-70E740481C1C}">
+                <a14:useLocalDpi xmlns:a14="http://schemas.microsoft.com/office/drawing/2010/main" val="0"/>
+              </a:ext>
+              <a:ext uri="{96DAC541-7B7A-43D3-8B79-37D633B846F1}">
+                <asvg:svgBlip xmlns:asvg="http://schemas.microsoft.com/office/drawing/2016/SVG/main" r:embed="rId6"/>
+              </a:ext>
+            </a:extLst>
+          </a:blip>
+          <a:stretch>
+            <a:fillRect/>
+          </a:stretch>
+        </p:blipFill>
+        <p:spPr>
+          <a:xfrm>
+            <a:off x="10841490" y="6185596"/>
+            <a:ext cx="590184" cy="590184"/>
+          </a:xfrm>
+          <a:prstGeom prst="rect">
+            <a:avLst/>
+          </a:prstGeom>
+        </p:spPr>
+      </p:pic>
+      <p:pic>
+        <p:nvPicPr>
+          <p:cNvPr id="13" name="Рисунок 12">
+            <a:extLst>
+              <a:ext uri="{FF2B5EF4-FFF2-40B4-BE49-F238E27FC236}">
+                <a16:creationId xmlns:a16="http://schemas.microsoft.com/office/drawing/2014/main" id="{28282308-573F-E34D-FB89-844BEEB19B88}"/>
+              </a:ext>
+            </a:extLst>
+          </p:cNvPr>
+          <p:cNvPicPr>
+            <a:picLocks noChangeAspect="1"/>
+          </p:cNvPicPr>
+          <p:nvPr/>
+        </p:nvPicPr>
+        <p:blipFill>
+          <a:blip r:embed="rId7">
+            <a:extLst>
+              <a:ext uri="{28A0092B-C50C-407E-A947-70E740481C1C}">
+                <a14:useLocalDpi xmlns:a14="http://schemas.microsoft.com/office/drawing/2010/main" val="0"/>
+              </a:ext>
+              <a:ext uri="{96DAC541-7B7A-43D3-8B79-37D633B846F1}">
+                <asvg:svgBlip xmlns:asvg="http://schemas.microsoft.com/office/drawing/2016/SVG/main" r:embed="rId8"/>
+              </a:ext>
+            </a:extLst>
+          </a:blip>
+          <a:stretch>
+            <a:fillRect/>
+          </a:stretch>
+        </p:blipFill>
+        <p:spPr>
+          <a:xfrm>
+            <a:off x="11489135" y="6172199"/>
+            <a:ext cx="645404" cy="645404"/>
+          </a:xfrm>
+          <a:prstGeom prst="rect">
+            <a:avLst/>
+          </a:prstGeom>
+        </p:spPr>
+      </p:pic>
+      <p:pic>
+        <p:nvPicPr>
+          <p:cNvPr id="15" name="Рисунок 14">
+            <a:extLst>
+              <a:ext uri="{FF2B5EF4-FFF2-40B4-BE49-F238E27FC236}">
+                <a16:creationId xmlns:a16="http://schemas.microsoft.com/office/drawing/2014/main" id="{34AD49A5-1FB2-22DB-2488-928B4643B392}"/>
+              </a:ext>
+            </a:extLst>
+          </p:cNvPr>
+          <p:cNvPicPr>
+            <a:picLocks noChangeAspect="1"/>
+          </p:cNvPicPr>
+          <p:nvPr/>
+        </p:nvPicPr>
+        <p:blipFill>
+          <a:blip r:embed="rId9">
+            <a:extLst>
+              <a:ext uri="{28A0092B-C50C-407E-A947-70E740481C1C}">
+                <a14:useLocalDpi xmlns:a14="http://schemas.microsoft.com/office/drawing/2010/main" val="0"/>
+              </a:ext>
+              <a:ext uri="{96DAC541-7B7A-43D3-8B79-37D633B846F1}">
+                <asvg:svgBlip xmlns:asvg="http://schemas.microsoft.com/office/drawing/2016/SVG/main" r:embed="rId10"/>
+              </a:ext>
+            </a:extLst>
+          </a:blip>
+          <a:stretch>
+            <a:fillRect/>
+          </a:stretch>
+        </p:blipFill>
+        <p:spPr>
+          <a:xfrm>
+            <a:off x="10193845" y="6227419"/>
+            <a:ext cx="590184" cy="590184"/>
+          </a:xfrm>
+          <a:prstGeom prst="rect">
+            <a:avLst/>
+          </a:prstGeom>
+        </p:spPr>
+      </p:pic>
+      <p:pic>
+        <p:nvPicPr>
+          <p:cNvPr id="17" name="Рисунок 16">
+            <a:extLst>
+              <a:ext uri="{FF2B5EF4-FFF2-40B4-BE49-F238E27FC236}">
+                <a16:creationId xmlns:a16="http://schemas.microsoft.com/office/drawing/2014/main" id="{42CA74BF-7834-EAD1-BB80-DFE560712DA2}"/>
+              </a:ext>
+            </a:extLst>
+          </p:cNvPr>
+          <p:cNvPicPr>
+            <a:picLocks noChangeAspect="1"/>
+          </p:cNvPicPr>
+          <p:nvPr/>
+        </p:nvPicPr>
+        <p:blipFill>
+          <a:blip r:embed="rId11">
+            <a:extLst>
+              <a:ext uri="{28A0092B-C50C-407E-A947-70E740481C1C}">
+                <a14:useLocalDpi xmlns:a14="http://schemas.microsoft.com/office/drawing/2010/main" val="0"/>
+              </a:ext>
+              <a:ext uri="{96DAC541-7B7A-43D3-8B79-37D633B846F1}">
+                <asvg:svgBlip xmlns:asvg="http://schemas.microsoft.com/office/drawing/2016/SVG/main" r:embed="rId12"/>
+              </a:ext>
+            </a:extLst>
+          </a:blip>
+          <a:stretch>
+            <a:fillRect/>
+          </a:stretch>
+        </p:blipFill>
+        <p:spPr>
+          <a:xfrm>
+            <a:off x="8869825" y="6204176"/>
+            <a:ext cx="590185" cy="590185"/>
+          </a:xfrm>
+          <a:prstGeom prst="rect">
+            <a:avLst/>
+          </a:prstGeom>
+        </p:spPr>
+      </p:pic>
     </p:spTree>
     <p:extLst>
       <p:ext uri="{BB962C8B-B14F-4D97-AF65-F5344CB8AC3E}">

--- a/документация и презентация/Автоматизированная система удаленного управления теплицей.pptx
+++ b/документация и презентация/Автоматизированная система удаленного управления теплицей.pptx
@@ -333,7 +333,7 @@
           <a:p>
             <a:fld id="{E1C052FF-E99A-454E-9E17-9CB9EA5E51FA}" type="datetimeFigureOut">
               <a:rPr lang="ru-RU" smtClean="0"/>
-              <a:t>19.02.2023</a:t>
+              <a:t>20.02.2023</a:t>
             </a:fld>
             <a:endParaRPr lang="ru-RU"/>
           </a:p>
@@ -503,7 +503,7 @@
           <a:p>
             <a:fld id="{E1C052FF-E99A-454E-9E17-9CB9EA5E51FA}" type="datetimeFigureOut">
               <a:rPr lang="ru-RU" smtClean="0"/>
-              <a:t>19.02.2023</a:t>
+              <a:t>20.02.2023</a:t>
             </a:fld>
             <a:endParaRPr lang="ru-RU"/>
           </a:p>
@@ -683,7 +683,7 @@
           <a:p>
             <a:fld id="{E1C052FF-E99A-454E-9E17-9CB9EA5E51FA}" type="datetimeFigureOut">
               <a:rPr lang="ru-RU" smtClean="0"/>
-              <a:t>19.02.2023</a:t>
+              <a:t>20.02.2023</a:t>
             </a:fld>
             <a:endParaRPr lang="ru-RU"/>
           </a:p>
@@ -853,7 +853,7 @@
           <a:p>
             <a:fld id="{E1C052FF-E99A-454E-9E17-9CB9EA5E51FA}" type="datetimeFigureOut">
               <a:rPr lang="ru-RU" smtClean="0"/>
-              <a:t>19.02.2023</a:t>
+              <a:t>20.02.2023</a:t>
             </a:fld>
             <a:endParaRPr lang="ru-RU"/>
           </a:p>
@@ -1099,7 +1099,7 @@
           <a:p>
             <a:fld id="{E1C052FF-E99A-454E-9E17-9CB9EA5E51FA}" type="datetimeFigureOut">
               <a:rPr lang="ru-RU" smtClean="0"/>
-              <a:t>19.02.2023</a:t>
+              <a:t>20.02.2023</a:t>
             </a:fld>
             <a:endParaRPr lang="ru-RU"/>
           </a:p>
@@ -1331,7 +1331,7 @@
           <a:p>
             <a:fld id="{E1C052FF-E99A-454E-9E17-9CB9EA5E51FA}" type="datetimeFigureOut">
               <a:rPr lang="ru-RU" smtClean="0"/>
-              <a:t>19.02.2023</a:t>
+              <a:t>20.02.2023</a:t>
             </a:fld>
             <a:endParaRPr lang="ru-RU"/>
           </a:p>
@@ -1698,7 +1698,7 @@
           <a:p>
             <a:fld id="{E1C052FF-E99A-454E-9E17-9CB9EA5E51FA}" type="datetimeFigureOut">
               <a:rPr lang="ru-RU" smtClean="0"/>
-              <a:t>19.02.2023</a:t>
+              <a:t>20.02.2023</a:t>
             </a:fld>
             <a:endParaRPr lang="ru-RU"/>
           </a:p>
@@ -1816,7 +1816,7 @@
           <a:p>
             <a:fld id="{E1C052FF-E99A-454E-9E17-9CB9EA5E51FA}" type="datetimeFigureOut">
               <a:rPr lang="ru-RU" smtClean="0"/>
-              <a:t>19.02.2023</a:t>
+              <a:t>20.02.2023</a:t>
             </a:fld>
             <a:endParaRPr lang="ru-RU"/>
           </a:p>
@@ -1911,7 +1911,7 @@
           <a:p>
             <a:fld id="{E1C052FF-E99A-454E-9E17-9CB9EA5E51FA}" type="datetimeFigureOut">
               <a:rPr lang="ru-RU" smtClean="0"/>
-              <a:t>19.02.2023</a:t>
+              <a:t>20.02.2023</a:t>
             </a:fld>
             <a:endParaRPr lang="ru-RU"/>
           </a:p>
@@ -2188,7 +2188,7 @@
           <a:p>
             <a:fld id="{E1C052FF-E99A-454E-9E17-9CB9EA5E51FA}" type="datetimeFigureOut">
               <a:rPr lang="ru-RU" smtClean="0"/>
-              <a:t>19.02.2023</a:t>
+              <a:t>20.02.2023</a:t>
             </a:fld>
             <a:endParaRPr lang="ru-RU"/>
           </a:p>
@@ -2445,7 +2445,7 @@
           <a:p>
             <a:fld id="{E1C052FF-E99A-454E-9E17-9CB9EA5E51FA}" type="datetimeFigureOut">
               <a:rPr lang="ru-RU" smtClean="0"/>
-              <a:t>19.02.2023</a:t>
+              <a:t>20.02.2023</a:t>
             </a:fld>
             <a:endParaRPr lang="ru-RU"/>
           </a:p>
@@ -2658,7 +2658,7 @@
           <a:p>
             <a:fld id="{E1C052FF-E99A-454E-9E17-9CB9EA5E51FA}" type="datetimeFigureOut">
               <a:rPr lang="ru-RU" smtClean="0"/>
-              <a:t>19.02.2023</a:t>
+              <a:t>20.02.2023</a:t>
             </a:fld>
             <a:endParaRPr lang="ru-RU"/>
           </a:p>
@@ -3144,6 +3144,16 @@
               </a:rPr>
               <a:t>Автоматизированная система удаленного управления теплицей</a:t>
             </a:r>
+            <a:r>
+              <a:rPr lang="ru-RU" b="1" i="0" dirty="0">
+                <a:solidFill>
+                  <a:schemeClr val="bg1"/>
+                </a:solidFill>
+                <a:effectLst/>
+                <a:latin typeface="-apple-system"/>
+              </a:rPr>
+              <a:t/>
+            </a:r>
             <a:br>
               <a:rPr lang="ru-RU" b="1" i="0" dirty="0">
                 <a:solidFill>
@@ -3741,6 +3751,13 @@
   <p:clrMapOvr>
     <a:masterClrMapping/>
   </p:clrMapOvr>
+  <p:timing>
+    <p:tnLst>
+      <p:par>
+        <p:cTn id="1" dur="indefinite" restart="never" nodeType="tmRoot"/>
+      </p:par>
+    </p:tnLst>
+  </p:timing>
 </p:sld>
 </file>
 
@@ -3839,8 +3856,8 @@
         </p:nvSpPr>
         <p:spPr>
           <a:xfrm>
-            <a:off x="2986731" y="235765"/>
-            <a:ext cx="7590653" cy="530225"/>
+            <a:off x="2300673" y="0"/>
+            <a:ext cx="7590653" cy="948870"/>
           </a:xfrm>
         </p:spPr>
         <p:txBody>
@@ -4257,6 +4274,13 @@
   <p:transition>
     <p:split orient="vert"/>
   </p:transition>
+  <p:timing>
+    <p:tnLst>
+      <p:par>
+        <p:cTn id="1" dur="indefinite" restart="never" nodeType="tmRoot"/>
+      </p:par>
+    </p:tnLst>
+  </p:timing>
 </p:sld>
 </file>
 
@@ -4323,7 +4347,7 @@
         </p:nvSpPr>
         <p:spPr>
           <a:xfrm>
-            <a:off x="714067" y="26962"/>
+            <a:off x="962261" y="144897"/>
             <a:ext cx="10763865" cy="1103379"/>
           </a:xfrm>
           <a:prstGeom prst="rect">
@@ -4361,8 +4385,8 @@
         </p:nvSpPr>
         <p:spPr>
           <a:xfrm>
-            <a:off x="1" y="1013552"/>
-            <a:ext cx="5640636" cy="5844448"/>
+            <a:off x="1" y="1478082"/>
+            <a:ext cx="5640636" cy="5379918"/>
           </a:xfrm>
           <a:prstGeom prst="rect">
             <a:avLst/>
@@ -5561,8 +5585,8 @@
         </p:nvSpPr>
         <p:spPr>
           <a:xfrm>
-            <a:off x="5135610" y="449413"/>
-            <a:ext cx="1920778" cy="448574"/>
+            <a:off x="4853805" y="361754"/>
+            <a:ext cx="2484388" cy="448574"/>
           </a:xfrm>
         </p:spPr>
         <p:txBody>
@@ -5679,6 +5703,13 @@
       </p:transition>
     </mc:Fallback>
   </mc:AlternateContent>
+  <p:timing>
+    <p:tnLst>
+      <p:par>
+        <p:cTn id="1" dur="indefinite" restart="never" nodeType="tmRoot"/>
+      </p:par>
+    </p:tnLst>
+  </p:timing>
 </p:sld>
 </file>
 
@@ -5715,7 +5746,7 @@
                 <a16:creationId xmlns:a16="http://schemas.microsoft.com/office/drawing/2014/main" id="{42A4FC2C-047E-45A5-965D-8E1E3BF09BC6}"/>
               </a:ext>
               <a:ext uri="{C183D7F6-B498-43B3-948B-1728B52AA6E4}">
-                <adec:decorative xmlns:adec="http://schemas.microsoft.com/office/drawing/2017/decorative" val="1"/>
+                <adec:decorative xmlns:adec="http://schemas.microsoft.com/office/drawing/2017/decorative" xmlns="" val="1"/>
               </a:ext>
             </a:extLst>
           </p:cNvPr>
@@ -6284,7 +6315,7 @@
           <p:nvPr/>
         </p:nvPicPr>
         <p:blipFill>
-          <a:blip r:embed="rId8">
+          <a:blip r:embed="rId8" cstate="hqprint">
             <a:extLst>
               <a:ext uri="{28A0092B-C50C-407E-A947-70E740481C1C}">
                 <a14:useLocalDpi xmlns:a14="http://schemas.microsoft.com/office/drawing/2010/main" val="0"/>
@@ -6404,6 +6435,13 @@
   <p:clrMapOvr>
     <a:masterClrMapping/>
   </p:clrMapOvr>
+  <p:timing>
+    <p:tnLst>
+      <p:par>
+        <p:cTn id="1" dur="indefinite" restart="never" nodeType="tmRoot"/>
+      </p:par>
+    </p:tnLst>
+  </p:timing>
 </p:sld>
 </file>
 
@@ -6512,13 +6550,13 @@
           <p:nvPr/>
         </p:nvPicPr>
         <p:blipFill>
-          <a:blip r:embed="rId3">
+          <a:blip r:embed="rId3" cstate="hqprint">
             <a:extLst>
               <a:ext uri="{28A0092B-C50C-407E-A947-70E740481C1C}">
                 <a14:useLocalDpi xmlns:a14="http://schemas.microsoft.com/office/drawing/2010/main" val="0"/>
               </a:ext>
               <a:ext uri="{96DAC541-7B7A-43D3-8B79-37D633B846F1}">
-                <asvg:svgBlip xmlns:asvg="http://schemas.microsoft.com/office/drawing/2016/SVG/main" r:embed="rId4"/>
+                <asvg:svgBlip xmlns:asvg="http://schemas.microsoft.com/office/drawing/2016/SVG/main" xmlns="" r:embed="rId4"/>
               </a:ext>
             </a:extLst>
           </a:blip>
@@ -6551,13 +6589,13 @@
           <p:nvPr/>
         </p:nvPicPr>
         <p:blipFill>
-          <a:blip r:embed="rId5">
+          <a:blip r:embed="rId5" cstate="hqprint">
             <a:extLst>
               <a:ext uri="{28A0092B-C50C-407E-A947-70E740481C1C}">
                 <a14:useLocalDpi xmlns:a14="http://schemas.microsoft.com/office/drawing/2010/main" val="0"/>
               </a:ext>
               <a:ext uri="{96DAC541-7B7A-43D3-8B79-37D633B846F1}">
-                <asvg:svgBlip xmlns:asvg="http://schemas.microsoft.com/office/drawing/2016/SVG/main" r:embed="rId6"/>
+                <asvg:svgBlip xmlns:asvg="http://schemas.microsoft.com/office/drawing/2016/SVG/main" xmlns="" r:embed="rId6"/>
               </a:ext>
             </a:extLst>
           </a:blip>
@@ -6590,13 +6628,13 @@
           <p:nvPr/>
         </p:nvPicPr>
         <p:blipFill>
-          <a:blip r:embed="rId7">
+          <a:blip r:embed="rId7" cstate="hqprint">
             <a:extLst>
               <a:ext uri="{28A0092B-C50C-407E-A947-70E740481C1C}">
                 <a14:useLocalDpi xmlns:a14="http://schemas.microsoft.com/office/drawing/2010/main" val="0"/>
               </a:ext>
               <a:ext uri="{96DAC541-7B7A-43D3-8B79-37D633B846F1}">
-                <asvg:svgBlip xmlns:asvg="http://schemas.microsoft.com/office/drawing/2016/SVG/main" r:embed="rId8"/>
+                <asvg:svgBlip xmlns:asvg="http://schemas.microsoft.com/office/drawing/2016/SVG/main" xmlns="" r:embed="rId8"/>
               </a:ext>
             </a:extLst>
           </a:blip>
@@ -6635,7 +6673,7 @@
                 <a14:useLocalDpi xmlns:a14="http://schemas.microsoft.com/office/drawing/2010/main" val="0"/>
               </a:ext>
               <a:ext uri="{96DAC541-7B7A-43D3-8B79-37D633B846F1}">
-                <asvg:svgBlip xmlns:asvg="http://schemas.microsoft.com/office/drawing/2016/SVG/main" r:embed="rId10"/>
+                <asvg:svgBlip xmlns:asvg="http://schemas.microsoft.com/office/drawing/2016/SVG/main" xmlns="" r:embed="rId10"/>
               </a:ext>
             </a:extLst>
           </a:blip>
@@ -6668,13 +6706,13 @@
           <p:nvPr/>
         </p:nvPicPr>
         <p:blipFill>
-          <a:blip r:embed="rId11">
+          <a:blip r:embed="rId11" cstate="hqprint">
             <a:extLst>
               <a:ext uri="{28A0092B-C50C-407E-A947-70E740481C1C}">
                 <a14:useLocalDpi xmlns:a14="http://schemas.microsoft.com/office/drawing/2010/main" val="0"/>
               </a:ext>
               <a:ext uri="{96DAC541-7B7A-43D3-8B79-37D633B846F1}">
-                <asvg:svgBlip xmlns:asvg="http://schemas.microsoft.com/office/drawing/2016/SVG/main" r:embed="rId12"/>
+                <asvg:svgBlip xmlns:asvg="http://schemas.microsoft.com/office/drawing/2016/SVG/main" xmlns="" r:embed="rId12"/>
               </a:ext>
             </a:extLst>
           </a:blip>
@@ -6714,6 +6752,13 @@
       </p:transition>
     </mc:Fallback>
   </mc:AlternateContent>
+  <p:timing>
+    <p:tnLst>
+      <p:par>
+        <p:cTn id="1" dur="indefinite" restart="never" nodeType="tmRoot"/>
+      </p:par>
+    </p:tnLst>
+  </p:timing>
 </p:sld>
 </file>
 

--- a/документация и презентация/Автоматизированная система удаленного управления теплицей.pptx
+++ b/документация и презентация/Автоматизированная система удаленного управления теплицей.pptx
@@ -3768,7 +3768,7 @@
       <p:bgPr>
         <a:blipFill dpi="0" rotWithShape="1">
           <a:blip r:embed="rId2">
-            <a:alphaModFix amt="49000"/>
+            <a:alphaModFix amt="36000"/>
             <a:lum/>
           </a:blip>
           <a:srcRect/>
@@ -3906,8 +3906,8 @@
         </p:nvSpPr>
         <p:spPr>
           <a:xfrm>
-            <a:off x="4317274" y="1157876"/>
-            <a:ext cx="7715037" cy="2582273"/>
+            <a:off x="3672348" y="1157876"/>
+            <a:ext cx="8359964" cy="3089659"/>
           </a:xfrm>
           <a:effectLst>
             <a:outerShdw dist="50800" dir="5400000" algn="ctr" rotWithShape="0">
@@ -3928,7 +3928,7 @@
               <a:buChar char="ü"/>
             </a:pPr>
             <a:r>
-              <a:rPr lang="ru-RU" sz="1800" i="1" dirty="0">
+              <a:rPr lang="ru-RU" sz="2200" i="1" dirty="0">
                 <a:solidFill>
                   <a:schemeClr val="bg1"/>
                 </a:solidFill>
@@ -3936,7 +3936,7 @@
               <a:t>При старте работы над нашим проектом мы тщательно его проанализировали</a:t>
             </a:r>
             <a:r>
-              <a:rPr lang="en-US" sz="1800" i="1" dirty="0">
+              <a:rPr lang="en-US" sz="2200" i="1" dirty="0">
                 <a:solidFill>
                   <a:schemeClr val="bg1"/>
                 </a:solidFill>
@@ -3946,7 +3946,7 @@
           </a:p>
           <a:p>
             <a:r>
-              <a:rPr lang="ru-RU" sz="1800" b="1" dirty="0">
+              <a:rPr lang="ru-RU" sz="2200" b="1" dirty="0">
                 <a:solidFill>
                   <a:schemeClr val="bg1"/>
                 </a:solidFill>
@@ -3954,7 +3954,7 @@
               <a:t>Поставили перед собой основные цели</a:t>
             </a:r>
             <a:r>
-              <a:rPr lang="en-US" sz="1800" b="1" dirty="0">
+              <a:rPr lang="en-US" sz="2200" b="1" dirty="0">
                 <a:solidFill>
                   <a:schemeClr val="bg1"/>
                 </a:solidFill>
@@ -3968,7 +3968,7 @@
               <a:buChar char="-"/>
             </a:pPr>
             <a:r>
-              <a:rPr lang="ru-RU" sz="1800" dirty="0">
+              <a:rPr lang="ru-RU" sz="2200" dirty="0">
                 <a:solidFill>
                   <a:schemeClr val="bg1"/>
                 </a:solidFill>
@@ -3976,7 +3976,7 @@
               <a:t>Привести наш продукт в готовый вид</a:t>
             </a:r>
             <a:r>
-              <a:rPr lang="en-US" sz="1800" dirty="0">
+              <a:rPr lang="en-US" sz="2200" dirty="0">
                 <a:solidFill>
                   <a:schemeClr val="bg1"/>
                 </a:solidFill>
@@ -3984,7 +3984,7 @@
               <a:t> </a:t>
             </a:r>
             <a:r>
-              <a:rPr lang="ru-RU" sz="1800" dirty="0">
+              <a:rPr lang="ru-RU" sz="2200" dirty="0">
                 <a:solidFill>
                   <a:schemeClr val="bg1"/>
                 </a:solidFill>
@@ -3992,7 +3992,7 @@
               <a:t>(автоматизировать теплицу</a:t>
             </a:r>
             <a:r>
-              <a:rPr lang="en-US" sz="1800" dirty="0">
+              <a:rPr lang="en-US" sz="2200" dirty="0">
                 <a:solidFill>
                   <a:schemeClr val="bg1"/>
                 </a:solidFill>
@@ -4000,7 +4000,7 @@
               <a:t>, </a:t>
             </a:r>
             <a:r>
-              <a:rPr lang="ru-RU" sz="1800" dirty="0">
+              <a:rPr lang="ru-RU" sz="2200" dirty="0">
                 <a:solidFill>
                   <a:schemeClr val="bg1"/>
                 </a:solidFill>
@@ -4008,14 +4008,14 @@
               <a:t>установив в нее автоматизированную систему контроля и управления климатом)</a:t>
             </a:r>
             <a:r>
-              <a:rPr lang="en-US" sz="1800" dirty="0">
+              <a:rPr lang="en-US" sz="2200" dirty="0">
                 <a:solidFill>
                   <a:schemeClr val="bg1"/>
                 </a:solidFill>
               </a:rPr>
               <a:t>.</a:t>
             </a:r>
-            <a:endParaRPr lang="ru-RU" sz="1800" dirty="0">
+            <a:endParaRPr lang="ru-RU" sz="2200" dirty="0">
               <a:solidFill>
                 <a:schemeClr val="bg1"/>
               </a:solidFill>
@@ -4027,7 +4027,7 @@
               <a:buChar char="-"/>
             </a:pPr>
             <a:r>
-              <a:rPr lang="ru-RU" sz="1800" dirty="0">
+              <a:rPr lang="ru-RU" sz="2200" dirty="0">
                 <a:solidFill>
                   <a:schemeClr val="bg1"/>
                 </a:solidFill>
@@ -4035,7 +4035,7 @@
               <a:t>Создать для автоматизированной теплицы многофункциональное приложение и веб-интерфейс</a:t>
             </a:r>
             <a:r>
-              <a:rPr lang="en-US" sz="1800" dirty="0">
+              <a:rPr lang="en-US" sz="2200" dirty="0">
                 <a:solidFill>
                   <a:schemeClr val="bg1"/>
                 </a:solidFill>
@@ -4049,7 +4049,7 @@
               <a:buChar char="-"/>
             </a:pPr>
             <a:r>
-              <a:rPr lang="ru-RU" sz="1800" dirty="0">
+              <a:rPr lang="ru-RU" sz="2200" dirty="0">
                 <a:solidFill>
                   <a:schemeClr val="bg1"/>
                 </a:solidFill>
@@ -4057,7 +4057,7 @@
               <a:t>Также для более быстрого выполнения поставленной задачи</a:t>
             </a:r>
             <a:r>
-              <a:rPr lang="en-US" sz="1800" dirty="0">
+              <a:rPr lang="en-US" sz="2200" dirty="0">
                 <a:solidFill>
                   <a:schemeClr val="bg1"/>
                 </a:solidFill>
@@ -4065,7 +4065,7 @@
               <a:t>, </a:t>
             </a:r>
             <a:r>
-              <a:rPr lang="ru-RU" sz="1800" dirty="0">
+              <a:rPr lang="ru-RU" sz="2200" dirty="0">
                 <a:solidFill>
                   <a:schemeClr val="bg1"/>
                 </a:solidFill>
@@ -4073,7 +4073,7 @@
               <a:t>мы распределили обязанности</a:t>
             </a:r>
             <a:r>
-              <a:rPr lang="en-US" sz="1800" dirty="0">
+              <a:rPr lang="en-US" sz="2200" dirty="0">
                 <a:solidFill>
                   <a:schemeClr val="bg1"/>
                 </a:solidFill>
@@ -4101,8 +4101,8 @@
         </p:nvSpPr>
         <p:spPr>
           <a:xfrm>
-            <a:off x="2986731" y="4132035"/>
-            <a:ext cx="8424786" cy="2677656"/>
+            <a:off x="2300673" y="4521813"/>
+            <a:ext cx="9350479" cy="1815882"/>
           </a:xfrm>
           <a:prstGeom prst="rect">
             <a:avLst/>
@@ -4129,7 +4129,7 @@
           </a:p>
           <a:p>
             <a:r>
-              <a:rPr lang="ru-RU" sz="2400" i="1" dirty="0">
+              <a:rPr lang="ru-RU" sz="2200" i="1" dirty="0">
                 <a:solidFill>
                   <a:schemeClr val="bg1">
                     <a:lumMod val="95000"/>
@@ -4140,7 +4140,7 @@
               <a:t>Воронов Никита Рустамович </a:t>
             </a:r>
             <a:r>
-              <a:rPr lang="ru-RU" sz="2400" dirty="0">
+              <a:rPr lang="ru-RU" sz="2200" dirty="0">
                 <a:solidFill>
                   <a:schemeClr val="bg1">
                     <a:lumMod val="95000"/>
@@ -4151,7 +4151,7 @@
               <a:t>– разработка мобильного приложения</a:t>
             </a:r>
             <a:r>
-              <a:rPr lang="en-US" sz="2400" dirty="0">
+              <a:rPr lang="en-US" sz="2200" dirty="0">
                 <a:solidFill>
                   <a:schemeClr val="bg1">
                     <a:lumMod val="95000"/>
@@ -4161,7 +4161,7 @@
               </a:rPr>
               <a:t>.</a:t>
             </a:r>
-            <a:endParaRPr lang="ru-RU" sz="2400" dirty="0">
+            <a:endParaRPr lang="ru-RU" sz="2200" dirty="0">
               <a:solidFill>
                 <a:schemeClr val="bg1">
                   <a:lumMod val="95000"/>
@@ -4172,7 +4172,7 @@
           </a:p>
           <a:p>
             <a:r>
-              <a:rPr lang="ru-RU" sz="2400" i="1" dirty="0">
+              <a:rPr lang="ru-RU" sz="2200" i="1" dirty="0">
                 <a:solidFill>
                   <a:schemeClr val="bg1">
                     <a:lumMod val="95000"/>
@@ -4183,7 +4183,7 @@
               <a:t>Мандрыка Арина Юрьевна, Шершина Анна Исаевна</a:t>
             </a:r>
             <a:r>
-              <a:rPr lang="ru-RU" sz="2400" i="1" u="sng" dirty="0">
+              <a:rPr lang="ru-RU" sz="2200" i="1" u="sng" dirty="0">
                 <a:solidFill>
                   <a:schemeClr val="bg1">
                     <a:lumMod val="95000"/>
@@ -4194,7 +4194,7 @@
               <a:t> </a:t>
             </a:r>
             <a:r>
-              <a:rPr lang="ru-RU" sz="2400" dirty="0">
+              <a:rPr lang="ru-RU" sz="2200" dirty="0">
                 <a:solidFill>
                   <a:schemeClr val="bg1">
                     <a:lumMod val="95000"/>
@@ -4205,7 +4205,7 @@
               <a:t>- Создание веб – сайта</a:t>
             </a:r>
             <a:r>
-              <a:rPr lang="en-US" sz="2400" dirty="0">
+              <a:rPr lang="en-US" sz="2200" dirty="0">
                 <a:solidFill>
                   <a:schemeClr val="bg1">
                     <a:lumMod val="95000"/>
@@ -4215,7 +4215,7 @@
               </a:rPr>
               <a:t>.</a:t>
             </a:r>
-            <a:endParaRPr lang="ru-RU" sz="2400" dirty="0">
+            <a:endParaRPr lang="ru-RU" sz="2200" dirty="0">
               <a:solidFill>
                 <a:schemeClr val="bg1">
                   <a:lumMod val="95000"/>
@@ -4226,7 +4226,7 @@
           </a:p>
           <a:p>
             <a:r>
-              <a:rPr lang="ru-RU" sz="2400" i="1" dirty="0">
+              <a:rPr lang="ru-RU" sz="2200" i="1" dirty="0">
                 <a:solidFill>
                   <a:schemeClr val="bg1">
                     <a:lumMod val="95000"/>
@@ -4237,7 +4237,7 @@
               <a:t>Алимов Альберт Радикович, Донченко Дмитрий Антонович</a:t>
             </a:r>
             <a:r>
-              <a:rPr lang="ru-RU" sz="2400" i="1" u="sng" dirty="0">
+              <a:rPr lang="ru-RU" sz="2200" i="1" u="sng" dirty="0">
                 <a:solidFill>
                   <a:schemeClr val="bg1">
                     <a:lumMod val="95000"/>
@@ -4248,7 +4248,7 @@
               <a:t> </a:t>
             </a:r>
             <a:r>
-              <a:rPr lang="ru-RU" sz="2400" dirty="0">
+              <a:rPr lang="ru-RU" sz="2200" dirty="0">
                 <a:solidFill>
                   <a:schemeClr val="bg1">
                     <a:lumMod val="95000"/>
@@ -4779,7 +4779,7 @@
         </p:nvSpPr>
         <p:spPr>
           <a:xfrm>
-            <a:off x="2734369" y="-11289"/>
+            <a:off x="2383615" y="37686"/>
             <a:ext cx="7660618" cy="1000664"/>
           </a:xfrm>
         </p:spPr>
@@ -5746,7 +5746,7 @@
                 <a16:creationId xmlns:a16="http://schemas.microsoft.com/office/drawing/2014/main" id="{42A4FC2C-047E-45A5-965D-8E1E3BF09BC6}"/>
               </a:ext>
               <a:ext uri="{C183D7F6-B498-43B3-948B-1728B52AA6E4}">
-                <adec:decorative xmlns:adec="http://schemas.microsoft.com/office/drawing/2017/decorative" xmlns="" val="1"/>
+                <adec:decorative xmlns="" xmlns:adec="http://schemas.microsoft.com/office/drawing/2017/decorative" val="1"/>
               </a:ext>
             </a:extLst>
           </p:cNvPr>
@@ -6512,8 +6512,8 @@
         </p:nvSpPr>
         <p:spPr>
           <a:xfrm>
-            <a:off x="2015590" y="2875002"/>
-            <a:ext cx="9028702" cy="1107996"/>
+            <a:off x="2015589" y="2875002"/>
+            <a:ext cx="12570565" cy="923330"/>
           </a:xfrm>
           <a:prstGeom prst="rect">
             <a:avLst/>
@@ -6527,11 +6527,38 @@
           <a:lstStyle/>
           <a:p>
             <a:r>
-              <a:rPr lang="ru-RU" sz="6600" dirty="0">
+              <a:rPr lang="ru-RU" sz="5400" dirty="0" smtClean="0">
                 <a:latin typeface="KTF Jermilov Solid" panose="00000500000000000000" pitchFamily="2" charset="-52"/>
               </a:rPr>
-              <a:t>Спасибо за внимание</a:t>
-            </a:r>
+              <a:t>Спасибо</a:t>
+            </a:r>
+            <a:r>
+              <a:rPr lang="en-US" sz="3200" dirty="0" smtClean="0">
+                <a:latin typeface="KTF Jermilov Solid" panose="00000500000000000000" pitchFamily="2" charset="-52"/>
+              </a:rPr>
+              <a:t> </a:t>
+            </a:r>
+            <a:r>
+              <a:rPr lang="ru-RU" sz="5400" dirty="0" smtClean="0">
+                <a:latin typeface="KTF Jermilov Solid" panose="00000500000000000000" pitchFamily="2" charset="-52"/>
+              </a:rPr>
+              <a:t>за</a:t>
+            </a:r>
+            <a:r>
+              <a:rPr lang="en-US" sz="3200" dirty="0" smtClean="0">
+                <a:latin typeface="KTF Jermilov Solid" panose="00000500000000000000" pitchFamily="2" charset="-52"/>
+              </a:rPr>
+              <a:t> </a:t>
+            </a:r>
+            <a:r>
+              <a:rPr lang="ru-RU" sz="5400" dirty="0" smtClean="0">
+                <a:latin typeface="KTF Jermilov Solid" panose="00000500000000000000" pitchFamily="2" charset="-52"/>
+              </a:rPr>
+              <a:t>внимание</a:t>
+            </a:r>
+            <a:endParaRPr lang="ru-RU" sz="5400" dirty="0">
+              <a:latin typeface="KTF Jermilov Solid" panose="00000500000000000000" pitchFamily="2" charset="-52"/>
+            </a:endParaRPr>
           </a:p>
         </p:txBody>
       </p:sp>
@@ -6556,7 +6583,7 @@
                 <a14:useLocalDpi xmlns:a14="http://schemas.microsoft.com/office/drawing/2010/main" val="0"/>
               </a:ext>
               <a:ext uri="{96DAC541-7B7A-43D3-8B79-37D633B846F1}">
-                <asvg:svgBlip xmlns:asvg="http://schemas.microsoft.com/office/drawing/2016/SVG/main" xmlns="" r:embed="rId4"/>
+                <asvg:svgBlip xmlns="" xmlns:asvg="http://schemas.microsoft.com/office/drawing/2016/SVG/main" r:embed="rId4"/>
               </a:ext>
             </a:extLst>
           </a:blip>
@@ -6595,7 +6622,7 @@
                 <a14:useLocalDpi xmlns:a14="http://schemas.microsoft.com/office/drawing/2010/main" val="0"/>
               </a:ext>
               <a:ext uri="{96DAC541-7B7A-43D3-8B79-37D633B846F1}">
-                <asvg:svgBlip xmlns:asvg="http://schemas.microsoft.com/office/drawing/2016/SVG/main" xmlns="" r:embed="rId6"/>
+                <asvg:svgBlip xmlns="" xmlns:asvg="http://schemas.microsoft.com/office/drawing/2016/SVG/main" r:embed="rId6"/>
               </a:ext>
             </a:extLst>
           </a:blip>
@@ -6634,7 +6661,7 @@
                 <a14:useLocalDpi xmlns:a14="http://schemas.microsoft.com/office/drawing/2010/main" val="0"/>
               </a:ext>
               <a:ext uri="{96DAC541-7B7A-43D3-8B79-37D633B846F1}">
-                <asvg:svgBlip xmlns:asvg="http://schemas.microsoft.com/office/drawing/2016/SVG/main" xmlns="" r:embed="rId8"/>
+                <asvg:svgBlip xmlns="" xmlns:asvg="http://schemas.microsoft.com/office/drawing/2016/SVG/main" r:embed="rId8"/>
               </a:ext>
             </a:extLst>
           </a:blip>
@@ -6673,7 +6700,7 @@
                 <a14:useLocalDpi xmlns:a14="http://schemas.microsoft.com/office/drawing/2010/main" val="0"/>
               </a:ext>
               <a:ext uri="{96DAC541-7B7A-43D3-8B79-37D633B846F1}">
-                <asvg:svgBlip xmlns:asvg="http://schemas.microsoft.com/office/drawing/2016/SVG/main" xmlns="" r:embed="rId10"/>
+                <asvg:svgBlip xmlns="" xmlns:asvg="http://schemas.microsoft.com/office/drawing/2016/SVG/main" r:embed="rId10"/>
               </a:ext>
             </a:extLst>
           </a:blip>
@@ -6712,7 +6739,7 @@
                 <a14:useLocalDpi xmlns:a14="http://schemas.microsoft.com/office/drawing/2010/main" val="0"/>
               </a:ext>
               <a:ext uri="{96DAC541-7B7A-43D3-8B79-37D633B846F1}">
-                <asvg:svgBlip xmlns:asvg="http://schemas.microsoft.com/office/drawing/2016/SVG/main" xmlns="" r:embed="rId12"/>
+                <asvg:svgBlip xmlns="" xmlns:asvg="http://schemas.microsoft.com/office/drawing/2016/SVG/main" r:embed="rId12"/>
               </a:ext>
             </a:extLst>
           </a:blip>

--- a/документация и презентация/Автоматизированная система удаленного управления теплицей.pptx
+++ b/документация и презентация/Автоматизированная система удаленного управления теплицей.pptx
@@ -3818,6 +3818,9 @@
               <a:alpha val="20000"/>
             </a:schemeClr>
           </a:solidFill>
+          <a:ln>
+            <a:noFill/>
+          </a:ln>
         </p:spPr>
         <p:style>
           <a:lnRef idx="2">
@@ -4347,7 +4350,7 @@
         </p:nvSpPr>
         <p:spPr>
           <a:xfrm>
-            <a:off x="962261" y="144897"/>
+            <a:off x="727129" y="191281"/>
             <a:ext cx="10763865" cy="1103379"/>
           </a:xfrm>
           <a:prstGeom prst="rect">
@@ -5746,7 +5749,7 @@
                 <a16:creationId xmlns:a16="http://schemas.microsoft.com/office/drawing/2014/main" id="{42A4FC2C-047E-45A5-965D-8E1E3BF09BC6}"/>
               </a:ext>
               <a:ext uri="{C183D7F6-B498-43B3-948B-1728B52AA6E4}">
-                <adec:decorative xmlns="" xmlns:adec="http://schemas.microsoft.com/office/drawing/2017/decorative" val="1"/>
+                <adec:decorative xmlns:adec="http://schemas.microsoft.com/office/drawing/2017/decorative" xmlns="" val="1"/>
               </a:ext>
             </a:extLst>
           </p:cNvPr>
@@ -6435,6 +6438,9 @@
   <p:clrMapOvr>
     <a:masterClrMapping/>
   </p:clrMapOvr>
+  <p:transition>
+    <p:wipe/>
+  </p:transition>
   <p:timing>
     <p:tnLst>
       <p:par>
@@ -6512,8 +6518,8 @@
         </p:nvSpPr>
         <p:spPr>
           <a:xfrm>
-            <a:off x="2015589" y="2875002"/>
-            <a:ext cx="12570565" cy="923330"/>
+            <a:off x="1322550" y="2875002"/>
+            <a:ext cx="9546900" cy="1107996"/>
           </a:xfrm>
           <a:prstGeom prst="rect">
             <a:avLst/>
@@ -6526,37 +6532,38 @@
           </a:bodyPr>
           <a:lstStyle/>
           <a:p>
-            <a:r>
-              <a:rPr lang="ru-RU" sz="5400" dirty="0" smtClean="0">
+            <a:pPr algn="ctr"/>
+            <a:r>
+              <a:rPr lang="ru-RU" sz="6600" dirty="0" smtClean="0">
                 <a:latin typeface="KTF Jermilov Solid" panose="00000500000000000000" pitchFamily="2" charset="-52"/>
               </a:rPr>
               <a:t>Спасибо</a:t>
             </a:r>
             <a:r>
-              <a:rPr lang="en-US" sz="3200" dirty="0" smtClean="0">
+              <a:rPr lang="en-US" sz="4000" dirty="0" smtClean="0">
                 <a:latin typeface="KTF Jermilov Solid" panose="00000500000000000000" pitchFamily="2" charset="-52"/>
               </a:rPr>
               <a:t> </a:t>
             </a:r>
             <a:r>
-              <a:rPr lang="ru-RU" sz="5400" dirty="0" smtClean="0">
+              <a:rPr lang="ru-RU" sz="6600" dirty="0" smtClean="0">
                 <a:latin typeface="KTF Jermilov Solid" panose="00000500000000000000" pitchFamily="2" charset="-52"/>
               </a:rPr>
               <a:t>за</a:t>
             </a:r>
             <a:r>
-              <a:rPr lang="en-US" sz="3200" dirty="0" smtClean="0">
+              <a:rPr lang="en-US" sz="4000" dirty="0" smtClean="0">
                 <a:latin typeface="KTF Jermilov Solid" panose="00000500000000000000" pitchFamily="2" charset="-52"/>
               </a:rPr>
               <a:t> </a:t>
             </a:r>
             <a:r>
-              <a:rPr lang="ru-RU" sz="5400" dirty="0" smtClean="0">
+              <a:rPr lang="ru-RU" sz="6600" dirty="0" smtClean="0">
                 <a:latin typeface="KTF Jermilov Solid" panose="00000500000000000000" pitchFamily="2" charset="-52"/>
               </a:rPr>
               <a:t>внимание</a:t>
             </a:r>
-            <a:endParaRPr lang="ru-RU" sz="5400" dirty="0">
+            <a:endParaRPr lang="ru-RU" sz="6600" dirty="0">
               <a:latin typeface="KTF Jermilov Solid" panose="00000500000000000000" pitchFamily="2" charset="-52"/>
             </a:endParaRPr>
           </a:p>
@@ -6583,7 +6590,7 @@
                 <a14:useLocalDpi xmlns:a14="http://schemas.microsoft.com/office/drawing/2010/main" val="0"/>
               </a:ext>
               <a:ext uri="{96DAC541-7B7A-43D3-8B79-37D633B846F1}">
-                <asvg:svgBlip xmlns="" xmlns:asvg="http://schemas.microsoft.com/office/drawing/2016/SVG/main" r:embed="rId4"/>
+                <asvg:svgBlip xmlns:asvg="http://schemas.microsoft.com/office/drawing/2016/SVG/main" xmlns="" r:embed="rId4"/>
               </a:ext>
             </a:extLst>
           </a:blip>
@@ -6622,7 +6629,7 @@
                 <a14:useLocalDpi xmlns:a14="http://schemas.microsoft.com/office/drawing/2010/main" val="0"/>
               </a:ext>
               <a:ext uri="{96DAC541-7B7A-43D3-8B79-37D633B846F1}">
-                <asvg:svgBlip xmlns="" xmlns:asvg="http://schemas.microsoft.com/office/drawing/2016/SVG/main" r:embed="rId6"/>
+                <asvg:svgBlip xmlns:asvg="http://schemas.microsoft.com/office/drawing/2016/SVG/main" xmlns="" r:embed="rId6"/>
               </a:ext>
             </a:extLst>
           </a:blip>
@@ -6661,7 +6668,7 @@
                 <a14:useLocalDpi xmlns:a14="http://schemas.microsoft.com/office/drawing/2010/main" val="0"/>
               </a:ext>
               <a:ext uri="{96DAC541-7B7A-43D3-8B79-37D633B846F1}">
-                <asvg:svgBlip xmlns="" xmlns:asvg="http://schemas.microsoft.com/office/drawing/2016/SVG/main" r:embed="rId8"/>
+                <asvg:svgBlip xmlns:asvg="http://schemas.microsoft.com/office/drawing/2016/SVG/main" xmlns="" r:embed="rId8"/>
               </a:ext>
             </a:extLst>
           </a:blip>
@@ -6700,7 +6707,7 @@
                 <a14:useLocalDpi xmlns:a14="http://schemas.microsoft.com/office/drawing/2010/main" val="0"/>
               </a:ext>
               <a:ext uri="{96DAC541-7B7A-43D3-8B79-37D633B846F1}">
-                <asvg:svgBlip xmlns="" xmlns:asvg="http://schemas.microsoft.com/office/drawing/2016/SVG/main" r:embed="rId10"/>
+                <asvg:svgBlip xmlns:asvg="http://schemas.microsoft.com/office/drawing/2016/SVG/main" xmlns="" r:embed="rId10"/>
               </a:ext>
             </a:extLst>
           </a:blip>
@@ -6739,7 +6746,7 @@
                 <a14:useLocalDpi xmlns:a14="http://schemas.microsoft.com/office/drawing/2010/main" val="0"/>
               </a:ext>
               <a:ext uri="{96DAC541-7B7A-43D3-8B79-37D633B846F1}">
-                <asvg:svgBlip xmlns="" xmlns:asvg="http://schemas.microsoft.com/office/drawing/2016/SVG/main" r:embed="rId12"/>
+                <asvg:svgBlip xmlns:asvg="http://schemas.microsoft.com/office/drawing/2016/SVG/main" xmlns="" r:embed="rId12"/>
               </a:ext>
             </a:extLst>
           </a:blip>
